--- a/F101.pptx
+++ b/F101.pptx
@@ -5,7 +5,7 @@
     <p:sldMasterId id="2147483792" r:id="rId1"/>
   </p:sldMasterIdLst>
   <p:notesMasterIdLst>
-    <p:notesMasterId r:id="rId39"/>
+    <p:notesMasterId r:id="rId41"/>
   </p:notesMasterIdLst>
   <p:sldIdLst>
     <p:sldId id="256" r:id="rId2"/>
@@ -25,26 +25,28 @@
     <p:sldId id="282" r:id="rId16"/>
     <p:sldId id="277" r:id="rId17"/>
     <p:sldId id="279" r:id="rId18"/>
-    <p:sldId id="280" r:id="rId19"/>
-    <p:sldId id="283" r:id="rId20"/>
-    <p:sldId id="285" r:id="rId21"/>
-    <p:sldId id="287" r:id="rId22"/>
-    <p:sldId id="288" r:id="rId23"/>
-    <p:sldId id="286" r:id="rId24"/>
-    <p:sldId id="289" r:id="rId25"/>
-    <p:sldId id="291" r:id="rId26"/>
-    <p:sldId id="290" r:id="rId27"/>
-    <p:sldId id="292" r:id="rId28"/>
-    <p:sldId id="293" r:id="rId29"/>
-    <p:sldId id="296" r:id="rId30"/>
-    <p:sldId id="295" r:id="rId31"/>
-    <p:sldId id="297" r:id="rId32"/>
-    <p:sldId id="298" r:id="rId33"/>
-    <p:sldId id="299" r:id="rId34"/>
-    <p:sldId id="300" r:id="rId35"/>
-    <p:sldId id="301" r:id="rId36"/>
-    <p:sldId id="302" r:id="rId37"/>
-    <p:sldId id="309" r:id="rId38"/>
+    <p:sldId id="283" r:id="rId19"/>
+    <p:sldId id="285" r:id="rId20"/>
+    <p:sldId id="287" r:id="rId21"/>
+    <p:sldId id="288" r:id="rId22"/>
+    <p:sldId id="286" r:id="rId23"/>
+    <p:sldId id="289" r:id="rId24"/>
+    <p:sldId id="310" r:id="rId25"/>
+    <p:sldId id="311" r:id="rId26"/>
+    <p:sldId id="312" r:id="rId27"/>
+    <p:sldId id="291" r:id="rId28"/>
+    <p:sldId id="290" r:id="rId29"/>
+    <p:sldId id="292" r:id="rId30"/>
+    <p:sldId id="293" r:id="rId31"/>
+    <p:sldId id="296" r:id="rId32"/>
+    <p:sldId id="295" r:id="rId33"/>
+    <p:sldId id="297" r:id="rId34"/>
+    <p:sldId id="298" r:id="rId35"/>
+    <p:sldId id="299" r:id="rId36"/>
+    <p:sldId id="300" r:id="rId37"/>
+    <p:sldId id="301" r:id="rId38"/>
+    <p:sldId id="302" r:id="rId39"/>
+    <p:sldId id="309" r:id="rId40"/>
   </p:sldIdLst>
   <p:sldSz cx="9144000" cy="6858000" type="screen4x3"/>
   <p:notesSz cx="6858000" cy="9144000"/>
@@ -7888,6 +7890,88 @@
       </p:grpSpPr>
       <p:sp>
         <p:nvSpPr>
+          <p:cNvPr id="20" name="Rounded Rectangle 19"/>
+          <p:cNvSpPr/>
+          <p:nvPr/>
+        </p:nvSpPr>
+        <p:spPr>
+          <a:xfrm>
+            <a:off x="838200" y="2253597"/>
+            <a:ext cx="7162800" cy="3505200"/>
+          </a:xfrm>
+          <a:prstGeom prst="roundRect">
+            <a:avLst/>
+          </a:prstGeom>
+        </p:spPr>
+        <p:style>
+          <a:lnRef idx="1">
+            <a:schemeClr val="accent4"/>
+          </a:lnRef>
+          <a:fillRef idx="3">
+            <a:schemeClr val="accent4"/>
+          </a:fillRef>
+          <a:effectRef idx="2">
+            <a:schemeClr val="accent4"/>
+          </a:effectRef>
+          <a:fontRef idx="minor">
+            <a:schemeClr val="lt1"/>
+          </a:fontRef>
+        </p:style>
+        <p:txBody>
+          <a:bodyPr rtlCol="0" anchor="ctr"/>
+          <a:lstStyle/>
+          <a:p>
+            <a:pPr algn="ctr"/>
+            <a:r>
+              <a:rPr lang="en-US" sz="2400" dirty="0" err="1" smtClean="0"/>
+              <a:t>BehaviorChain</a:t>
+            </a:r>
+            <a:endParaRPr lang="en-US" sz="2400" dirty="0" smtClean="0"/>
+          </a:p>
+          <a:p>
+            <a:pPr algn="ctr"/>
+            <a:endParaRPr lang="en-US" dirty="0"/>
+          </a:p>
+          <a:p>
+            <a:pPr algn="ctr"/>
+            <a:endParaRPr lang="en-US" dirty="0" smtClean="0"/>
+          </a:p>
+          <a:p>
+            <a:pPr algn="ctr"/>
+            <a:endParaRPr lang="en-US" dirty="0"/>
+          </a:p>
+          <a:p>
+            <a:pPr algn="ctr"/>
+            <a:endParaRPr lang="en-US" dirty="0" smtClean="0"/>
+          </a:p>
+          <a:p>
+            <a:pPr algn="ctr"/>
+            <a:endParaRPr lang="en-US" dirty="0"/>
+          </a:p>
+          <a:p>
+            <a:pPr algn="ctr"/>
+            <a:endParaRPr lang="en-US" dirty="0" smtClean="0"/>
+          </a:p>
+          <a:p>
+            <a:pPr algn="ctr"/>
+            <a:endParaRPr lang="en-US" dirty="0"/>
+          </a:p>
+          <a:p>
+            <a:pPr algn="ctr"/>
+            <a:endParaRPr lang="en-US" dirty="0" smtClean="0"/>
+          </a:p>
+          <a:p>
+            <a:pPr algn="ctr"/>
+            <a:endParaRPr lang="en-US" dirty="0"/>
+          </a:p>
+          <a:p>
+            <a:pPr algn="ctr"/>
+            <a:endParaRPr lang="en-US" dirty="0"/>
+          </a:p>
+        </p:txBody>
+      </p:sp>
+      <p:sp>
+        <p:nvSpPr>
           <p:cNvPr id="2" name="Title 1"/>
           <p:cNvSpPr>
             <a:spLocks noGrp="1"/>
@@ -7910,7 +7994,7 @@
           <a:p>
             <a:r>
               <a:rPr lang="en-US" sz="4000" dirty="0" smtClean="0"/>
-              <a:t>The Pipeline</a:t>
+              <a:t>Configuration Model</a:t>
             </a:r>
             <a:endParaRPr lang="en-US" sz="4000" dirty="0"/>
           </a:p>
@@ -8011,14 +8095,14 @@
       </p:pic>
       <p:sp>
         <p:nvSpPr>
-          <p:cNvPr id="13" name="Rounded Rectangle 12"/>
+          <p:cNvPr id="12" name="Rounded Rectangle 11"/>
           <p:cNvSpPr/>
           <p:nvPr/>
         </p:nvSpPr>
         <p:spPr>
           <a:xfrm>
-            <a:off x="990600" y="4038600"/>
-            <a:ext cx="2641600" cy="609600"/>
+            <a:off x="1303946" y="3663297"/>
+            <a:ext cx="1447800" cy="685800"/>
           </a:xfrm>
           <a:prstGeom prst="roundRect">
             <a:avLst/>
@@ -8026,13 +8110,13 @@
         </p:spPr>
         <p:style>
           <a:lnRef idx="1">
-            <a:schemeClr val="accent6"/>
+            <a:schemeClr val="accent1"/>
           </a:lnRef>
           <a:fillRef idx="3">
-            <a:schemeClr val="accent6"/>
+            <a:schemeClr val="accent1"/>
           </a:fillRef>
           <a:effectRef idx="2">
-            <a:schemeClr val="accent6"/>
+            <a:schemeClr val="accent1"/>
           </a:effectRef>
           <a:fontRef idx="minor">
             <a:schemeClr val="lt1"/>
@@ -8044,8 +8128,8 @@
           <a:p>
             <a:pPr algn="ctr"/>
             <a:r>
-              <a:rPr lang="en-US" dirty="0" err="1" smtClean="0"/>
-              <a:t>ActionCall</a:t>
+              <a:rPr lang="en-US" dirty="0" smtClean="0"/>
+              <a:t>Node 1</a:t>
             </a:r>
             <a:endParaRPr lang="en-US" dirty="0"/>
           </a:p>
@@ -8053,14 +8137,14 @@
       </p:sp>
       <p:sp>
         <p:nvSpPr>
-          <p:cNvPr id="15" name="Rounded Rectangle 14"/>
+          <p:cNvPr id="14" name="Rounded Rectangle 13"/>
           <p:cNvSpPr/>
           <p:nvPr/>
         </p:nvSpPr>
         <p:spPr>
           <a:xfrm>
-            <a:off x="4876800" y="4038600"/>
-            <a:ext cx="2641600" cy="609600"/>
+            <a:off x="3589946" y="3663297"/>
+            <a:ext cx="1447800" cy="685800"/>
           </a:xfrm>
           <a:prstGeom prst="roundRect">
             <a:avLst/>
@@ -8068,13 +8152,13 @@
         </p:spPr>
         <p:style>
           <a:lnRef idx="1">
-            <a:schemeClr val="accent6"/>
+            <a:schemeClr val="accent1"/>
           </a:lnRef>
           <a:fillRef idx="3">
-            <a:schemeClr val="accent6"/>
+            <a:schemeClr val="accent1"/>
           </a:fillRef>
           <a:effectRef idx="2">
-            <a:schemeClr val="accent6"/>
+            <a:schemeClr val="accent1"/>
           </a:effectRef>
           <a:fontRef idx="minor">
             <a:schemeClr val="lt1"/>
@@ -8087,7 +8171,49 @@
             <a:pPr algn="ctr"/>
             <a:r>
               <a:rPr lang="en-US" dirty="0" smtClean="0"/>
-              <a:t>Output</a:t>
+              <a:t>Node 2</a:t>
+            </a:r>
+            <a:endParaRPr lang="en-US" dirty="0"/>
+          </a:p>
+        </p:txBody>
+      </p:sp>
+      <p:sp>
+        <p:nvSpPr>
+          <p:cNvPr id="17" name="Rounded Rectangle 16"/>
+          <p:cNvSpPr/>
+          <p:nvPr/>
+        </p:nvSpPr>
+        <p:spPr>
+          <a:xfrm>
+            <a:off x="6028346" y="3657600"/>
+            <a:ext cx="1447800" cy="685800"/>
+          </a:xfrm>
+          <a:prstGeom prst="roundRect">
+            <a:avLst/>
+          </a:prstGeom>
+        </p:spPr>
+        <p:style>
+          <a:lnRef idx="1">
+            <a:schemeClr val="accent1"/>
+          </a:lnRef>
+          <a:fillRef idx="3">
+            <a:schemeClr val="accent1"/>
+          </a:fillRef>
+          <a:effectRef idx="2">
+            <a:schemeClr val="accent1"/>
+          </a:effectRef>
+          <a:fontRef idx="minor">
+            <a:schemeClr val="lt1"/>
+          </a:fontRef>
+        </p:style>
+        <p:txBody>
+          <a:bodyPr rtlCol="0" anchor="ctr"/>
+          <a:lstStyle/>
+          <a:p>
+            <a:pPr algn="ctr"/>
+            <a:r>
+              <a:rPr lang="en-US" dirty="0" smtClean="0"/>
+              <a:t>Node 3</a:t>
             </a:r>
             <a:endParaRPr lang="en-US" dirty="0"/>
           </a:p>
@@ -8095,17 +8221,17 @@
       </p:sp>
       <p:cxnSp>
         <p:nvCxnSpPr>
-          <p:cNvPr id="8" name="Straight Arrow Connector 7"/>
+          <p:cNvPr id="18" name="Straight Arrow Connector 17"/>
           <p:cNvCxnSpPr>
-            <a:stCxn id="13" idx="3"/>
-            <a:endCxn id="15" idx="1"/>
+            <a:stCxn id="12" idx="3"/>
+            <a:endCxn id="14" idx="1"/>
           </p:cNvCxnSpPr>
           <p:nvPr/>
         </p:nvCxnSpPr>
         <p:spPr>
           <a:xfrm>
-            <a:off x="3632200" y="4343400"/>
-            <a:ext cx="1244600" cy="0"/>
+            <a:off x="2751746" y="4006197"/>
+            <a:ext cx="838200" cy="0"/>
           </a:xfrm>
           <a:prstGeom prst="straightConnector1">
             <a:avLst/>
@@ -8129,309 +8255,46 @@
           </a:fontRef>
         </p:style>
       </p:cxnSp>
-      <p:sp>
-        <p:nvSpPr>
-          <p:cNvPr id="5" name="Rounded Rectangular Callout 4"/>
-          <p:cNvSpPr/>
-          <p:nvPr/>
-        </p:nvSpPr>
-        <p:spPr>
-          <a:xfrm>
-            <a:off x="762000" y="3124200"/>
-            <a:ext cx="2438400" cy="609600"/>
-          </a:xfrm>
-          <a:prstGeom prst="wedgeRoundRectCallout">
-            <a:avLst/>
-          </a:prstGeom>
-        </p:spPr>
-        <p:style>
-          <a:lnRef idx="1">
-            <a:schemeClr val="accent5"/>
-          </a:lnRef>
-          <a:fillRef idx="2">
-            <a:schemeClr val="accent5"/>
-          </a:fillRef>
-          <a:effectRef idx="1">
-            <a:schemeClr val="accent5"/>
-          </a:effectRef>
-          <a:fontRef idx="minor">
-            <a:schemeClr val="dk1"/>
-          </a:fontRef>
-        </p:style>
-        <p:txBody>
-          <a:bodyPr rtlCol="0" anchor="ctr"/>
-          <a:lstStyle/>
-          <a:p>
-            <a:pPr algn="ctr"/>
-            <a:r>
-              <a:rPr lang="en-US" dirty="0" smtClean="0"/>
-              <a:t>“Invoke this method”</a:t>
-            </a:r>
-            <a:endParaRPr lang="en-US" dirty="0"/>
-          </a:p>
-        </p:txBody>
-      </p:sp>
-      <p:sp>
-        <p:nvSpPr>
-          <p:cNvPr id="14" name="Rounded Rectangular Callout 13"/>
-          <p:cNvSpPr/>
-          <p:nvPr/>
-        </p:nvSpPr>
-        <p:spPr>
-          <a:xfrm>
-            <a:off x="6477000" y="3124200"/>
-            <a:ext cx="2438400" cy="609600"/>
-          </a:xfrm>
-          <a:prstGeom prst="wedgeRoundRectCallout">
-            <a:avLst/>
-          </a:prstGeom>
-        </p:spPr>
-        <p:style>
-          <a:lnRef idx="1">
-            <a:schemeClr val="accent5"/>
-          </a:lnRef>
-          <a:fillRef idx="2">
-            <a:schemeClr val="accent5"/>
-          </a:fillRef>
-          <a:effectRef idx="1">
-            <a:schemeClr val="accent5"/>
-          </a:effectRef>
-          <a:fontRef idx="minor">
-            <a:schemeClr val="dk1"/>
-          </a:fontRef>
-        </p:style>
-        <p:txBody>
-          <a:bodyPr rtlCol="0" anchor="ctr"/>
-          <a:lstStyle/>
-          <a:p>
-            <a:pPr algn="ctr"/>
-            <a:r>
-              <a:rPr lang="en-US" dirty="0" smtClean="0"/>
-              <a:t>“Render the output”</a:t>
-            </a:r>
-            <a:endParaRPr lang="en-US" dirty="0"/>
-          </a:p>
-        </p:txBody>
-      </p:sp>
-      <p:sp>
-        <p:nvSpPr>
-          <p:cNvPr id="10" name="Rounded Rectangle 9"/>
-          <p:cNvSpPr/>
-          <p:nvPr/>
-        </p:nvSpPr>
-        <p:spPr>
-          <a:xfrm>
-            <a:off x="990600" y="5791200"/>
-            <a:ext cx="6527800" cy="685800"/>
-          </a:xfrm>
-          <a:prstGeom prst="roundRect">
-            <a:avLst/>
-          </a:prstGeom>
-        </p:spPr>
-        <p:style>
-          <a:lnRef idx="1">
-            <a:schemeClr val="accent3"/>
-          </a:lnRef>
-          <a:fillRef idx="2">
-            <a:schemeClr val="accent3"/>
-          </a:fillRef>
-          <a:effectRef idx="1">
-            <a:schemeClr val="accent3"/>
-          </a:effectRef>
-          <a:fontRef idx="minor">
-            <a:schemeClr val="dk1"/>
-          </a:fontRef>
-        </p:style>
-        <p:txBody>
-          <a:bodyPr rtlCol="0" anchor="ctr"/>
-          <a:lstStyle/>
-          <a:p>
-            <a:pPr algn="ctr"/>
-            <a:r>
-              <a:rPr lang="en-US" dirty="0" err="1" smtClean="0"/>
-              <a:t>IFubuRequest</a:t>
-            </a:r>
-            <a:endParaRPr lang="en-US" dirty="0"/>
-          </a:p>
-        </p:txBody>
-      </p:sp>
       <p:cxnSp>
         <p:nvCxnSpPr>
-          <p:cNvPr id="11" name="Straight Arrow Connector 10"/>
-          <p:cNvCxnSpPr/>
+          <p:cNvPr id="19" name="Straight Arrow Connector 18"/>
+          <p:cNvCxnSpPr>
+            <a:stCxn id="14" idx="3"/>
+            <a:endCxn id="17" idx="1"/>
+          </p:cNvCxnSpPr>
           <p:nvPr/>
         </p:nvCxnSpPr>
         <p:spPr>
-          <a:xfrm>
-            <a:off x="2819400" y="4639654"/>
-            <a:ext cx="431800" cy="1143000"/>
+          <a:xfrm flipV="1">
+            <a:off x="5037746" y="4000500"/>
+            <a:ext cx="990600" cy="5697"/>
           </a:xfrm>
           <a:prstGeom prst="straightConnector1">
             <a:avLst/>
           </a:prstGeom>
-          <a:ln w="28575">
-            <a:solidFill>
-              <a:schemeClr val="accent4">
-                <a:lumMod val="60000"/>
-                <a:lumOff val="40000"/>
-              </a:schemeClr>
-            </a:solidFill>
-            <a:prstDash val="dash"/>
+          <a:ln w="25400">
             <a:tailEnd type="arrow"/>
           </a:ln>
         </p:spPr>
         <p:style>
-          <a:lnRef idx="1">
-            <a:schemeClr val="accent1"/>
+          <a:lnRef idx="3">
+            <a:schemeClr val="accent2"/>
           </a:lnRef>
           <a:fillRef idx="0">
-            <a:schemeClr val="accent1"/>
+            <a:schemeClr val="accent2"/>
           </a:fillRef>
-          <a:effectRef idx="0">
-            <a:schemeClr val="accent1"/>
+          <a:effectRef idx="2">
+            <a:schemeClr val="accent2"/>
           </a:effectRef>
           <a:fontRef idx="minor">
             <a:schemeClr val="tx1"/>
           </a:fontRef>
         </p:style>
       </p:cxnSp>
-      <p:sp>
-        <p:nvSpPr>
-          <p:cNvPr id="9" name="Rectangle 8"/>
-          <p:cNvSpPr/>
-          <p:nvPr/>
-        </p:nvSpPr>
-        <p:spPr>
-          <a:xfrm>
-            <a:off x="381000" y="5377439"/>
-            <a:ext cx="2566728" cy="276999"/>
-          </a:xfrm>
-          <a:prstGeom prst="rect">
-            <a:avLst/>
-          </a:prstGeom>
-        </p:spPr>
-        <p:style>
-          <a:lnRef idx="1">
-            <a:schemeClr val="accent5"/>
-          </a:lnRef>
-          <a:fillRef idx="2">
-            <a:schemeClr val="accent5"/>
-          </a:fillRef>
-          <a:effectRef idx="1">
-            <a:schemeClr val="accent5"/>
-          </a:effectRef>
-          <a:fontRef idx="minor">
-            <a:schemeClr val="dk1"/>
-          </a:fontRef>
-        </p:style>
-        <p:txBody>
-          <a:bodyPr wrap="none">
-            <a:spAutoFit/>
-          </a:bodyPr>
-          <a:lstStyle/>
-          <a:p>
-            <a:pPr algn="ctr"/>
-            <a:r>
-              <a:rPr lang="en-US" sz="1200" dirty="0" smtClean="0"/>
-              <a:t>“…and </a:t>
-            </a:r>
-            <a:r>
-              <a:rPr lang="en-US" sz="1200" dirty="0"/>
-              <a:t>put the return value in here”</a:t>
-            </a:r>
-          </a:p>
-        </p:txBody>
-      </p:sp>
-      <p:cxnSp>
-        <p:nvCxnSpPr>
-          <p:cNvPr id="18" name="Straight Arrow Connector 17"/>
-          <p:cNvCxnSpPr>
-            <a:stCxn id="15" idx="2"/>
-          </p:cNvCxnSpPr>
-          <p:nvPr/>
-        </p:nvCxnSpPr>
-        <p:spPr>
-          <a:xfrm flipH="1">
-            <a:off x="5384800" y="4648200"/>
-            <a:ext cx="812800" cy="1120923"/>
-          </a:xfrm>
-          <a:prstGeom prst="straightConnector1">
-            <a:avLst/>
-          </a:prstGeom>
-          <a:ln w="28575">
-            <a:solidFill>
-              <a:schemeClr val="accent4">
-                <a:lumMod val="60000"/>
-                <a:lumOff val="40000"/>
-              </a:schemeClr>
-            </a:solidFill>
-            <a:prstDash val="dash"/>
-            <a:tailEnd type="arrow"/>
-          </a:ln>
-        </p:spPr>
-        <p:style>
-          <a:lnRef idx="1">
-            <a:schemeClr val="accent1"/>
-          </a:lnRef>
-          <a:fillRef idx="0">
-            <a:schemeClr val="accent1"/>
-          </a:fillRef>
-          <a:effectRef idx="0">
-            <a:schemeClr val="accent1"/>
-          </a:effectRef>
-          <a:fontRef idx="minor">
-            <a:schemeClr val="tx1"/>
-          </a:fontRef>
-        </p:style>
-      </p:cxnSp>
-      <p:sp>
-        <p:nvSpPr>
-          <p:cNvPr id="20" name="Rectangle 19"/>
-          <p:cNvSpPr/>
-          <p:nvPr/>
-        </p:nvSpPr>
-        <p:spPr>
-          <a:xfrm>
-            <a:off x="5866549" y="5372099"/>
-            <a:ext cx="2286203" cy="276999"/>
-          </a:xfrm>
-          <a:prstGeom prst="rect">
-            <a:avLst/>
-          </a:prstGeom>
-        </p:spPr>
-        <p:style>
-          <a:lnRef idx="1">
-            <a:schemeClr val="accent5"/>
-          </a:lnRef>
-          <a:fillRef idx="2">
-            <a:schemeClr val="accent5"/>
-          </a:fillRef>
-          <a:effectRef idx="1">
-            <a:schemeClr val="accent5"/>
-          </a:effectRef>
-          <a:fontRef idx="minor">
-            <a:schemeClr val="dk1"/>
-          </a:fontRef>
-        </p:style>
-        <p:txBody>
-          <a:bodyPr wrap="none">
-            <a:spAutoFit/>
-          </a:bodyPr>
-          <a:lstStyle/>
-          <a:p>
-            <a:pPr algn="ctr"/>
-            <a:r>
-              <a:rPr lang="en-US" sz="1200" dirty="0" smtClean="0"/>
-              <a:t>“Get the data from here and…”</a:t>
-            </a:r>
-            <a:endParaRPr lang="en-US" sz="1200" dirty="0"/>
-          </a:p>
-        </p:txBody>
-      </p:sp>
     </p:spTree>
     <p:extLst>
       <p:ext uri="{BB962C8B-B14F-4D97-AF65-F5344CB8AC3E}">
-        <p14:creationId xmlns:p14="http://schemas.microsoft.com/office/powerpoint/2010/main" val="2246890090"/>
+        <p14:creationId xmlns:p14="http://schemas.microsoft.com/office/powerpoint/2010/main" val="598890156"/>
       </p:ext>
     </p:extLst>
   </p:cSld>
@@ -8467,28 +8330,44 @@
       </p:grpSpPr>
       <p:sp>
         <p:nvSpPr>
-          <p:cNvPr id="20" name="Rounded Rectangle 19"/>
+          <p:cNvPr id="6" name="Rectangle 5"/>
           <p:cNvSpPr/>
           <p:nvPr/>
         </p:nvSpPr>
         <p:spPr>
           <a:xfrm>
-            <a:off x="838200" y="2253597"/>
-            <a:ext cx="7162800" cy="3505200"/>
-          </a:xfrm>
-          <a:prstGeom prst="roundRect">
-            <a:avLst/>
-          </a:prstGeom>
+            <a:off x="1295400" y="5867400"/>
+            <a:ext cx="7010400" cy="838200"/>
+          </a:xfrm>
+          <a:prstGeom prst="rect">
+            <a:avLst/>
+          </a:prstGeom>
+          <a:solidFill>
+            <a:schemeClr val="accent4">
+              <a:lumMod val="40000"/>
+              <a:lumOff val="60000"/>
+            </a:schemeClr>
+          </a:solidFill>
+          <a:ln w="12700">
+            <a:solidFill>
+              <a:schemeClr val="accent4">
+                <a:lumMod val="60000"/>
+                <a:lumOff val="40000"/>
+              </a:schemeClr>
+            </a:solidFill>
+          </a:ln>
         </p:spPr>
         <p:style>
-          <a:lnRef idx="1">
-            <a:schemeClr val="accent4"/>
+          <a:lnRef idx="2">
+            <a:schemeClr val="accent1">
+              <a:shade val="50000"/>
+            </a:schemeClr>
           </a:lnRef>
-          <a:fillRef idx="3">
-            <a:schemeClr val="accent4"/>
+          <a:fillRef idx="1">
+            <a:schemeClr val="accent1"/>
           </a:fillRef>
-          <a:effectRef idx="2">
-            <a:schemeClr val="accent4"/>
+          <a:effectRef idx="0">
+            <a:schemeClr val="accent1"/>
           </a:effectRef>
           <a:fontRef idx="minor">
             <a:schemeClr val="lt1"/>
@@ -8499,51 +8378,7 @@
           <a:lstStyle/>
           <a:p>
             <a:pPr algn="ctr"/>
-            <a:r>
-              <a:rPr lang="en-US" sz="2400" dirty="0" err="1" smtClean="0"/>
-              <a:t>BehaviorChain</a:t>
-            </a:r>
-            <a:endParaRPr lang="en-US" sz="2400" dirty="0" smtClean="0"/>
-          </a:p>
-          <a:p>
-            <a:pPr algn="ctr"/>
-            <a:endParaRPr lang="en-US" dirty="0"/>
-          </a:p>
-          <a:p>
-            <a:pPr algn="ctr"/>
-            <a:endParaRPr lang="en-US" dirty="0" smtClean="0"/>
-          </a:p>
-          <a:p>
-            <a:pPr algn="ctr"/>
-            <a:endParaRPr lang="en-US" dirty="0"/>
-          </a:p>
-          <a:p>
-            <a:pPr algn="ctr"/>
-            <a:endParaRPr lang="en-US" dirty="0" smtClean="0"/>
-          </a:p>
-          <a:p>
-            <a:pPr algn="ctr"/>
-            <a:endParaRPr lang="en-US" dirty="0"/>
-          </a:p>
-          <a:p>
-            <a:pPr algn="ctr"/>
-            <a:endParaRPr lang="en-US" dirty="0" smtClean="0"/>
-          </a:p>
-          <a:p>
-            <a:pPr algn="ctr"/>
-            <a:endParaRPr lang="en-US" dirty="0"/>
-          </a:p>
-          <a:p>
-            <a:pPr algn="ctr"/>
-            <a:endParaRPr lang="en-US" dirty="0" smtClean="0"/>
-          </a:p>
-          <a:p>
-            <a:pPr algn="ctr"/>
-            <a:endParaRPr lang="en-US" dirty="0"/>
-          </a:p>
-          <a:p>
-            <a:pPr algn="ctr"/>
-            <a:endParaRPr lang="en-US" dirty="0"/>
+            <a:endParaRPr lang="en-US"/>
           </a:p>
         </p:txBody>
       </p:sp>
@@ -8571,7 +8406,7 @@
           <a:p>
             <a:r>
               <a:rPr lang="en-US" sz="4000" dirty="0" smtClean="0"/>
-              <a:t>Configuration Model</a:t>
+              <a:t>Behavior Chains</a:t>
             </a:r>
             <a:endParaRPr lang="en-US" sz="4000" dirty="0"/>
           </a:p>
@@ -8672,206 +8507,320 @@
       </p:pic>
       <p:sp>
         <p:nvSpPr>
-          <p:cNvPr id="12" name="Rounded Rectangle 11"/>
+          <p:cNvPr id="8" name="Content Placeholder 2"/>
+          <p:cNvSpPr txBox="1">
+            <a:spLocks/>
+          </p:cNvSpPr>
+          <p:nvPr/>
+        </p:nvSpPr>
+        <p:spPr>
+          <a:xfrm>
+            <a:off x="457200" y="2057400"/>
+            <a:ext cx="8229600" cy="4068763"/>
+          </a:xfrm>
+          <a:prstGeom prst="rect">
+            <a:avLst/>
+          </a:prstGeom>
+        </p:spPr>
+        <p:txBody>
+          <a:bodyPr vert="horz" lIns="91440" tIns="45720" rIns="91440" bIns="45720" rtlCol="0">
+            <a:normAutofit/>
+          </a:bodyPr>
+          <a:lstStyle>
+            <a:lvl1pPr marL="342900" indent="-342900" algn="l" defTabSz="914400" rtl="0" eaLnBrk="1" latinLnBrk="0" hangingPunct="1">
+              <a:spcBef>
+                <a:spcPct val="20000"/>
+              </a:spcBef>
+              <a:buClr>
+                <a:schemeClr val="accent1"/>
+              </a:buClr>
+              <a:buSzPct val="75000"/>
+              <a:buFont typeface="Wingdings" pitchFamily="2" charset="2"/>
+              <a:buChar char=""/>
+              <a:defRPr sz="2400" kern="1200">
+                <a:solidFill>
+                  <a:schemeClr val="tx2"/>
+                </a:solidFill>
+                <a:latin typeface="+mn-lt"/>
+                <a:ea typeface="+mn-ea"/>
+                <a:cs typeface="+mn-cs"/>
+              </a:defRPr>
+            </a:lvl1pPr>
+            <a:lvl2pPr marL="742950" indent="-285750" algn="l" defTabSz="914400" rtl="0" eaLnBrk="1" latinLnBrk="0" hangingPunct="1">
+              <a:spcBef>
+                <a:spcPct val="20000"/>
+              </a:spcBef>
+              <a:buClr>
+                <a:schemeClr val="accent2"/>
+              </a:buClr>
+              <a:buSzPct val="85000"/>
+              <a:buFont typeface="Courier New" pitchFamily="49" charset="0"/>
+              <a:buChar char="o"/>
+              <a:defRPr sz="2000" kern="1200">
+                <a:solidFill>
+                  <a:schemeClr val="tx2"/>
+                </a:solidFill>
+                <a:latin typeface="+mn-lt"/>
+                <a:ea typeface="+mn-ea"/>
+                <a:cs typeface="+mn-cs"/>
+              </a:defRPr>
+            </a:lvl2pPr>
+            <a:lvl3pPr marL="1143000" indent="-228600" algn="l" defTabSz="914400" rtl="0" eaLnBrk="1" latinLnBrk="0" hangingPunct="1">
+              <a:spcBef>
+                <a:spcPct val="20000"/>
+              </a:spcBef>
+              <a:buClr>
+                <a:schemeClr val="accent3"/>
+              </a:buClr>
+              <a:buFont typeface="Arial" pitchFamily="34" charset="0"/>
+              <a:buChar char="•"/>
+              <a:defRPr sz="1800" kern="1200">
+                <a:solidFill>
+                  <a:schemeClr val="tx2"/>
+                </a:solidFill>
+                <a:latin typeface="+mn-lt"/>
+                <a:ea typeface="+mn-ea"/>
+                <a:cs typeface="+mn-cs"/>
+              </a:defRPr>
+            </a:lvl3pPr>
+            <a:lvl4pPr marL="1600200" indent="-228600" algn="l" defTabSz="914400" rtl="0" eaLnBrk="1" latinLnBrk="0" hangingPunct="1">
+              <a:spcBef>
+                <a:spcPct val="20000"/>
+              </a:spcBef>
+              <a:buClr>
+                <a:schemeClr val="accent4"/>
+              </a:buClr>
+              <a:buFont typeface="Arial" pitchFamily="34" charset="0"/>
+              <a:buChar char="•"/>
+              <a:defRPr sz="1600" kern="1200">
+                <a:solidFill>
+                  <a:schemeClr val="tx2"/>
+                </a:solidFill>
+                <a:latin typeface="+mn-lt"/>
+                <a:ea typeface="+mn-ea"/>
+                <a:cs typeface="+mn-cs"/>
+              </a:defRPr>
+            </a:lvl4pPr>
+            <a:lvl5pPr marL="2057400" indent="-228600" algn="l" defTabSz="914400" rtl="0" eaLnBrk="1" latinLnBrk="0" hangingPunct="1">
+              <a:spcBef>
+                <a:spcPct val="20000"/>
+              </a:spcBef>
+              <a:buClr>
+                <a:schemeClr val="accent5"/>
+              </a:buClr>
+              <a:buFont typeface="Arial" pitchFamily="34" charset="0"/>
+              <a:buChar char="•"/>
+              <a:defRPr sz="1400" kern="1200" baseline="0">
+                <a:solidFill>
+                  <a:schemeClr val="tx2"/>
+                </a:solidFill>
+                <a:latin typeface="+mn-lt"/>
+                <a:ea typeface="+mn-ea"/>
+                <a:cs typeface="+mn-cs"/>
+              </a:defRPr>
+            </a:lvl5pPr>
+            <a:lvl6pPr marL="2514600" indent="-228600" algn="l" defTabSz="914400" rtl="0" eaLnBrk="1" latinLnBrk="0" hangingPunct="1">
+              <a:spcBef>
+                <a:spcPct val="20000"/>
+              </a:spcBef>
+              <a:buClr>
+                <a:schemeClr val="accent6"/>
+              </a:buClr>
+              <a:buFont typeface="Arial" pitchFamily="34" charset="0"/>
+              <a:buChar char="•"/>
+              <a:defRPr sz="1400" kern="1200">
+                <a:solidFill>
+                  <a:schemeClr val="tx2"/>
+                </a:solidFill>
+                <a:latin typeface="+mn-lt"/>
+                <a:ea typeface="+mn-ea"/>
+                <a:cs typeface="+mn-cs"/>
+              </a:defRPr>
+            </a:lvl6pPr>
+            <a:lvl7pPr marL="2971800" indent="-228600" algn="l" defTabSz="914400" rtl="0" eaLnBrk="1" latinLnBrk="0" hangingPunct="1">
+              <a:spcBef>
+                <a:spcPct val="20000"/>
+              </a:spcBef>
+              <a:buClr>
+                <a:schemeClr val="accent1"/>
+              </a:buClr>
+              <a:buFont typeface="Arial" pitchFamily="34" charset="0"/>
+              <a:buChar char="•"/>
+              <a:defRPr sz="1400" kern="1200">
+                <a:solidFill>
+                  <a:schemeClr val="tx2"/>
+                </a:solidFill>
+                <a:latin typeface="+mn-lt"/>
+                <a:ea typeface="+mn-ea"/>
+                <a:cs typeface="+mn-cs"/>
+              </a:defRPr>
+            </a:lvl7pPr>
+            <a:lvl8pPr marL="3429000" indent="-228600" algn="l" defTabSz="914400" rtl="0" eaLnBrk="1" latinLnBrk="0" hangingPunct="1">
+              <a:spcBef>
+                <a:spcPct val="20000"/>
+              </a:spcBef>
+              <a:buClr>
+                <a:schemeClr val="accent4"/>
+              </a:buClr>
+              <a:buFont typeface="Arial" pitchFamily="34" charset="0"/>
+              <a:buChar char="•"/>
+              <a:defRPr sz="1400" kern="1200">
+                <a:solidFill>
+                  <a:schemeClr val="tx2"/>
+                </a:solidFill>
+                <a:latin typeface="+mn-lt"/>
+                <a:ea typeface="+mn-ea"/>
+                <a:cs typeface="+mn-cs"/>
+              </a:defRPr>
+            </a:lvl8pPr>
+            <a:lvl9pPr marL="3886200" indent="-228600" algn="l" defTabSz="914400" rtl="0" eaLnBrk="1" latinLnBrk="0" hangingPunct="1">
+              <a:spcBef>
+                <a:spcPct val="20000"/>
+              </a:spcBef>
+              <a:buClr>
+                <a:schemeClr val="accent5"/>
+              </a:buClr>
+              <a:buFont typeface="Arial" pitchFamily="34" charset="0"/>
+              <a:buChar char="•"/>
+              <a:defRPr sz="1400" kern="1200">
+                <a:solidFill>
+                  <a:schemeClr val="tx2"/>
+                </a:solidFill>
+                <a:latin typeface="+mn-lt"/>
+                <a:ea typeface="+mn-ea"/>
+                <a:cs typeface="+mn-cs"/>
+              </a:defRPr>
+            </a:lvl9pPr>
+          </a:lstStyle>
+          <a:p>
+            <a:r>
+              <a:rPr lang="en-US" dirty="0" smtClean="0"/>
+              <a:t>Essentially a linked list of Behavior Nodes</a:t>
+            </a:r>
+          </a:p>
+          <a:p>
+            <a:r>
+              <a:rPr lang="en-US" dirty="0" smtClean="0"/>
+              <a:t>Describes the order in which behavior nodes will execute for a given request</a:t>
+            </a:r>
+          </a:p>
+          <a:p>
+            <a:r>
+              <a:rPr lang="en-US" dirty="0" smtClean="0"/>
+              <a:t>Can be identified by:</a:t>
+            </a:r>
+          </a:p>
+          <a:p>
+            <a:pPr lvl="1"/>
+            <a:r>
+              <a:rPr lang="en-US" dirty="0" err="1" smtClean="0"/>
+              <a:t>Guid</a:t>
+            </a:r>
+            <a:endParaRPr lang="en-US" dirty="0" smtClean="0"/>
+          </a:p>
+          <a:p>
+            <a:pPr lvl="1"/>
+            <a:r>
+              <a:rPr lang="en-US" dirty="0" smtClean="0"/>
+              <a:t>Input Model Type</a:t>
+            </a:r>
+          </a:p>
+          <a:p>
+            <a:endParaRPr lang="en-US" dirty="0"/>
+          </a:p>
+        </p:txBody>
+      </p:sp>
+      <p:pic>
+        <p:nvPicPr>
+          <p:cNvPr id="3" name="Picture 2" descr="C:\Windows.old\Users\jmarnold-logistics\Downloads\BlueSky Standard - PNG\png\info_128x128.png"/>
+          <p:cNvPicPr>
+            <a:picLocks noChangeAspect="1" noChangeArrowheads="1"/>
+          </p:cNvPicPr>
+          <p:nvPr/>
+        </p:nvPicPr>
+        <p:blipFill>
+          <a:blip r:embed="rId4">
+            <a:extLst>
+              <a:ext uri="{28A0092B-C50C-407E-A947-70E740481C1C}">
+                <a14:useLocalDpi xmlns:a14="http://schemas.microsoft.com/office/drawing/2010/main" val="0"/>
+              </a:ext>
+            </a:extLst>
+          </a:blip>
+          <a:srcRect/>
+          <a:stretch>
+            <a:fillRect/>
+          </a:stretch>
+        </p:blipFill>
+        <p:spPr bwMode="auto">
+          <a:xfrm>
+            <a:off x="1447800" y="5999504"/>
+            <a:ext cx="533400" cy="533400"/>
+          </a:xfrm>
+          <a:prstGeom prst="rect">
+            <a:avLst/>
+          </a:prstGeom>
+          <a:noFill/>
+          <a:extLst>
+            <a:ext uri="{909E8E84-426E-40DD-AFC4-6F175D3DCCD1}">
+              <a14:hiddenFill xmlns:a14="http://schemas.microsoft.com/office/drawing/2010/main">
+                <a:solidFill>
+                  <a:srgbClr val="FFFFFF"/>
+                </a:solidFill>
+              </a14:hiddenFill>
+            </a:ext>
+          </a:extLst>
+        </p:spPr>
+      </p:pic>
+      <p:sp>
+        <p:nvSpPr>
+          <p:cNvPr id="5" name="Rectangle 4"/>
           <p:cNvSpPr/>
           <p:nvPr/>
         </p:nvSpPr>
         <p:spPr>
           <a:xfrm>
-            <a:off x="1303946" y="3663297"/>
-            <a:ext cx="1447800" cy="685800"/>
-          </a:xfrm>
-          <a:prstGeom prst="roundRect">
-            <a:avLst/>
-          </a:prstGeom>
-        </p:spPr>
-        <p:style>
-          <a:lnRef idx="1">
-            <a:schemeClr val="accent1"/>
-          </a:lnRef>
-          <a:fillRef idx="3">
-            <a:schemeClr val="accent1"/>
-          </a:fillRef>
-          <a:effectRef idx="2">
-            <a:schemeClr val="accent1"/>
-          </a:effectRef>
-          <a:fontRef idx="minor">
-            <a:schemeClr val="lt1"/>
-          </a:fontRef>
-        </p:style>
-        <p:txBody>
-          <a:bodyPr rtlCol="0" anchor="ctr"/>
-          <a:lstStyle/>
-          <a:p>
-            <a:pPr algn="ctr"/>
-            <a:r>
-              <a:rPr lang="en-US" dirty="0" smtClean="0"/>
-              <a:t>Node 1</a:t>
-            </a:r>
-            <a:endParaRPr lang="en-US" dirty="0"/>
-          </a:p>
-        </p:txBody>
-      </p:sp>
-      <p:sp>
-        <p:nvSpPr>
-          <p:cNvPr id="14" name="Rounded Rectangle 13"/>
-          <p:cNvSpPr/>
-          <p:nvPr/>
-        </p:nvSpPr>
-        <p:spPr>
-          <a:xfrm>
-            <a:off x="3589946" y="3663297"/>
-            <a:ext cx="1447800" cy="685800"/>
-          </a:xfrm>
-          <a:prstGeom prst="roundRect">
-            <a:avLst/>
-          </a:prstGeom>
-        </p:spPr>
-        <p:style>
-          <a:lnRef idx="1">
-            <a:schemeClr val="accent1"/>
-          </a:lnRef>
-          <a:fillRef idx="3">
-            <a:schemeClr val="accent1"/>
-          </a:fillRef>
-          <a:effectRef idx="2">
-            <a:schemeClr val="accent1"/>
-          </a:effectRef>
-          <a:fontRef idx="minor">
-            <a:schemeClr val="lt1"/>
-          </a:fontRef>
-        </p:style>
-        <p:txBody>
-          <a:bodyPr rtlCol="0" anchor="ctr"/>
-          <a:lstStyle/>
-          <a:p>
-            <a:pPr algn="ctr"/>
-            <a:r>
-              <a:rPr lang="en-US" dirty="0" smtClean="0"/>
-              <a:t>Node 2</a:t>
-            </a:r>
-            <a:endParaRPr lang="en-US" dirty="0"/>
-          </a:p>
-        </p:txBody>
-      </p:sp>
-      <p:sp>
-        <p:nvSpPr>
-          <p:cNvPr id="17" name="Rounded Rectangle 16"/>
-          <p:cNvSpPr/>
-          <p:nvPr/>
-        </p:nvSpPr>
-        <p:spPr>
-          <a:xfrm>
-            <a:off x="6028346" y="3657600"/>
-            <a:ext cx="1447800" cy="685800"/>
-          </a:xfrm>
-          <a:prstGeom prst="roundRect">
-            <a:avLst/>
-          </a:prstGeom>
-        </p:spPr>
-        <p:style>
-          <a:lnRef idx="1">
-            <a:schemeClr val="accent1"/>
-          </a:lnRef>
-          <a:fillRef idx="3">
-            <a:schemeClr val="accent1"/>
-          </a:fillRef>
-          <a:effectRef idx="2">
-            <a:schemeClr val="accent1"/>
-          </a:effectRef>
-          <a:fontRef idx="minor">
-            <a:schemeClr val="lt1"/>
-          </a:fontRef>
-        </p:style>
-        <p:txBody>
-          <a:bodyPr rtlCol="0" anchor="ctr"/>
-          <a:lstStyle/>
-          <a:p>
-            <a:pPr algn="ctr"/>
-            <a:r>
-              <a:rPr lang="en-US" dirty="0" smtClean="0"/>
-              <a:t>Node 3</a:t>
-            </a:r>
-            <a:endParaRPr lang="en-US" dirty="0"/>
-          </a:p>
-        </p:txBody>
-      </p:sp>
-      <p:cxnSp>
-        <p:nvCxnSpPr>
-          <p:cNvPr id="18" name="Straight Arrow Connector 17"/>
-          <p:cNvCxnSpPr>
-            <a:stCxn id="12" idx="3"/>
-            <a:endCxn id="14" idx="1"/>
-          </p:cNvCxnSpPr>
-          <p:nvPr/>
-        </p:nvCxnSpPr>
-        <p:spPr>
-          <a:xfrm>
-            <a:off x="2751746" y="4006197"/>
-            <a:ext cx="838200" cy="0"/>
-          </a:xfrm>
-          <a:prstGeom prst="straightConnector1">
-            <a:avLst/>
-          </a:prstGeom>
-          <a:ln w="25400">
-            <a:tailEnd type="arrow"/>
-          </a:ln>
-        </p:spPr>
-        <p:style>
-          <a:lnRef idx="3">
-            <a:schemeClr val="accent2"/>
-          </a:lnRef>
-          <a:fillRef idx="0">
-            <a:schemeClr val="accent2"/>
-          </a:fillRef>
-          <a:effectRef idx="2">
-            <a:schemeClr val="accent2"/>
-          </a:effectRef>
-          <a:fontRef idx="minor">
-            <a:schemeClr val="tx1"/>
-          </a:fontRef>
-        </p:style>
-      </p:cxnSp>
-      <p:cxnSp>
-        <p:nvCxnSpPr>
-          <p:cNvPr id="19" name="Straight Arrow Connector 18"/>
-          <p:cNvCxnSpPr>
-            <a:stCxn id="14" idx="3"/>
-            <a:endCxn id="17" idx="1"/>
-          </p:cNvCxnSpPr>
-          <p:nvPr/>
-        </p:nvCxnSpPr>
-        <p:spPr>
-          <a:xfrm flipV="1">
-            <a:off x="5037746" y="4000500"/>
-            <a:ext cx="990600" cy="5697"/>
-          </a:xfrm>
-          <a:prstGeom prst="straightConnector1">
-            <a:avLst/>
-          </a:prstGeom>
-          <a:ln w="25400">
-            <a:tailEnd type="arrow"/>
-          </a:ln>
-        </p:spPr>
-        <p:style>
-          <a:lnRef idx="3">
-            <a:schemeClr val="accent2"/>
-          </a:lnRef>
-          <a:fillRef idx="0">
-            <a:schemeClr val="accent2"/>
-          </a:fillRef>
-          <a:effectRef idx="2">
-            <a:schemeClr val="accent2"/>
-          </a:effectRef>
-          <a:fontRef idx="minor">
-            <a:schemeClr val="tx1"/>
-          </a:fontRef>
-        </p:style>
-      </p:cxnSp>
+            <a:off x="2133600" y="6096927"/>
+            <a:ext cx="2572307" cy="338554"/>
+          </a:xfrm>
+          <a:prstGeom prst="rect">
+            <a:avLst/>
+          </a:prstGeom>
+        </p:spPr>
+        <p:txBody>
+          <a:bodyPr wrap="none">
+            <a:spAutoFit/>
+          </a:bodyPr>
+          <a:lstStyle/>
+          <a:p>
+            <a:r>
+              <a:rPr lang="en-US" sz="1600" b="1" dirty="0">
+                <a:latin typeface="Arial" pitchFamily="34" charset="0"/>
+                <a:cs typeface="Arial" pitchFamily="34" charset="0"/>
+              </a:rPr>
+              <a:t>Key Term:</a:t>
+            </a:r>
+            <a:r>
+              <a:rPr lang="en-US" sz="1600" dirty="0">
+                <a:latin typeface="Arial" pitchFamily="34" charset="0"/>
+                <a:cs typeface="Arial" pitchFamily="34" charset="0"/>
+              </a:rPr>
+              <a:t> </a:t>
+            </a:r>
+            <a:r>
+              <a:rPr lang="en-US" sz="1600" dirty="0" err="1" smtClean="0">
+                <a:latin typeface="Arial" pitchFamily="34" charset="0"/>
+                <a:cs typeface="Arial" pitchFamily="34" charset="0"/>
+              </a:rPr>
+              <a:t>BehaviorChain</a:t>
+            </a:r>
+            <a:endParaRPr lang="en-US" sz="1600" dirty="0"/>
+          </a:p>
+        </p:txBody>
+      </p:sp>
     </p:spTree>
     <p:extLst>
       <p:ext uri="{BB962C8B-B14F-4D97-AF65-F5344CB8AC3E}">
-        <p14:creationId xmlns:p14="http://schemas.microsoft.com/office/powerpoint/2010/main" val="598890156"/>
+        <p14:creationId xmlns:p14="http://schemas.microsoft.com/office/powerpoint/2010/main" val="1672880105"/>
       </p:ext>
     </p:extLst>
   </p:cSld>
@@ -9592,60 +9541,6 @@
       </p:grpSpPr>
       <p:sp>
         <p:nvSpPr>
-          <p:cNvPr id="6" name="Rectangle 5"/>
-          <p:cNvSpPr/>
-          <p:nvPr/>
-        </p:nvSpPr>
-        <p:spPr>
-          <a:xfrm>
-            <a:off x="1295400" y="5867400"/>
-            <a:ext cx="7010400" cy="838200"/>
-          </a:xfrm>
-          <a:prstGeom prst="rect">
-            <a:avLst/>
-          </a:prstGeom>
-          <a:solidFill>
-            <a:schemeClr val="accent4">
-              <a:lumMod val="40000"/>
-              <a:lumOff val="60000"/>
-            </a:schemeClr>
-          </a:solidFill>
-          <a:ln w="12700">
-            <a:solidFill>
-              <a:schemeClr val="accent4">
-                <a:lumMod val="60000"/>
-                <a:lumOff val="40000"/>
-              </a:schemeClr>
-            </a:solidFill>
-          </a:ln>
-        </p:spPr>
-        <p:style>
-          <a:lnRef idx="2">
-            <a:schemeClr val="accent1">
-              <a:shade val="50000"/>
-            </a:schemeClr>
-          </a:lnRef>
-          <a:fillRef idx="1">
-            <a:schemeClr val="accent1"/>
-          </a:fillRef>
-          <a:effectRef idx="0">
-            <a:schemeClr val="accent1"/>
-          </a:effectRef>
-          <a:fontRef idx="minor">
-            <a:schemeClr val="lt1"/>
-          </a:fontRef>
-        </p:style>
-        <p:txBody>
-          <a:bodyPr rtlCol="0" anchor="ctr"/>
-          <a:lstStyle/>
-          <a:p>
-            <a:pPr algn="ctr"/>
-            <a:endParaRPr lang="en-US"/>
-          </a:p>
-        </p:txBody>
-      </p:sp>
-      <p:sp>
-        <p:nvSpPr>
           <p:cNvPr id="2" name="Title 1"/>
           <p:cNvSpPr>
             <a:spLocks noGrp="1"/>
@@ -9668,7 +9563,7 @@
           <a:p>
             <a:r>
               <a:rPr lang="en-US" sz="4000" dirty="0" smtClean="0"/>
-              <a:t>Behavior Chains</a:t>
+              <a:t>Request/Response</a:t>
             </a:r>
             <a:endParaRPr lang="en-US" sz="4000" dirty="0"/>
           </a:p>
@@ -9769,280 +9664,14 @@
       </p:pic>
       <p:sp>
         <p:nvSpPr>
-          <p:cNvPr id="8" name="Content Placeholder 2"/>
-          <p:cNvSpPr txBox="1">
-            <a:spLocks/>
-          </p:cNvSpPr>
-          <p:nvPr/>
-        </p:nvSpPr>
-        <p:spPr>
-          <a:xfrm>
-            <a:off x="457200" y="2057400"/>
-            <a:ext cx="8229600" cy="4068763"/>
-          </a:xfrm>
-          <a:prstGeom prst="rect">
-            <a:avLst/>
-          </a:prstGeom>
-        </p:spPr>
-        <p:txBody>
-          <a:bodyPr vert="horz" lIns="91440" tIns="45720" rIns="91440" bIns="45720" rtlCol="0">
-            <a:normAutofit/>
-          </a:bodyPr>
-          <a:lstStyle>
-            <a:lvl1pPr marL="342900" indent="-342900" algn="l" defTabSz="914400" rtl="0" eaLnBrk="1" latinLnBrk="0" hangingPunct="1">
-              <a:spcBef>
-                <a:spcPct val="20000"/>
-              </a:spcBef>
-              <a:buClr>
-                <a:schemeClr val="accent1"/>
-              </a:buClr>
-              <a:buSzPct val="75000"/>
-              <a:buFont typeface="Wingdings" pitchFamily="2" charset="2"/>
-              <a:buChar char=""/>
-              <a:defRPr sz="2400" kern="1200">
-                <a:solidFill>
-                  <a:schemeClr val="tx2"/>
-                </a:solidFill>
-                <a:latin typeface="+mn-lt"/>
-                <a:ea typeface="+mn-ea"/>
-                <a:cs typeface="+mn-cs"/>
-              </a:defRPr>
-            </a:lvl1pPr>
-            <a:lvl2pPr marL="742950" indent="-285750" algn="l" defTabSz="914400" rtl="0" eaLnBrk="1" latinLnBrk="0" hangingPunct="1">
-              <a:spcBef>
-                <a:spcPct val="20000"/>
-              </a:spcBef>
-              <a:buClr>
-                <a:schemeClr val="accent2"/>
-              </a:buClr>
-              <a:buSzPct val="85000"/>
-              <a:buFont typeface="Courier New" pitchFamily="49" charset="0"/>
-              <a:buChar char="o"/>
-              <a:defRPr sz="2000" kern="1200">
-                <a:solidFill>
-                  <a:schemeClr val="tx2"/>
-                </a:solidFill>
-                <a:latin typeface="+mn-lt"/>
-                <a:ea typeface="+mn-ea"/>
-                <a:cs typeface="+mn-cs"/>
-              </a:defRPr>
-            </a:lvl2pPr>
-            <a:lvl3pPr marL="1143000" indent="-228600" algn="l" defTabSz="914400" rtl="0" eaLnBrk="1" latinLnBrk="0" hangingPunct="1">
-              <a:spcBef>
-                <a:spcPct val="20000"/>
-              </a:spcBef>
-              <a:buClr>
-                <a:schemeClr val="accent3"/>
-              </a:buClr>
-              <a:buFont typeface="Arial" pitchFamily="34" charset="0"/>
-              <a:buChar char="•"/>
-              <a:defRPr sz="1800" kern="1200">
-                <a:solidFill>
-                  <a:schemeClr val="tx2"/>
-                </a:solidFill>
-                <a:latin typeface="+mn-lt"/>
-                <a:ea typeface="+mn-ea"/>
-                <a:cs typeface="+mn-cs"/>
-              </a:defRPr>
-            </a:lvl3pPr>
-            <a:lvl4pPr marL="1600200" indent="-228600" algn="l" defTabSz="914400" rtl="0" eaLnBrk="1" latinLnBrk="0" hangingPunct="1">
-              <a:spcBef>
-                <a:spcPct val="20000"/>
-              </a:spcBef>
-              <a:buClr>
-                <a:schemeClr val="accent4"/>
-              </a:buClr>
-              <a:buFont typeface="Arial" pitchFamily="34" charset="0"/>
-              <a:buChar char="•"/>
-              <a:defRPr sz="1600" kern="1200">
-                <a:solidFill>
-                  <a:schemeClr val="tx2"/>
-                </a:solidFill>
-                <a:latin typeface="+mn-lt"/>
-                <a:ea typeface="+mn-ea"/>
-                <a:cs typeface="+mn-cs"/>
-              </a:defRPr>
-            </a:lvl4pPr>
-            <a:lvl5pPr marL="2057400" indent="-228600" algn="l" defTabSz="914400" rtl="0" eaLnBrk="1" latinLnBrk="0" hangingPunct="1">
-              <a:spcBef>
-                <a:spcPct val="20000"/>
-              </a:spcBef>
-              <a:buClr>
-                <a:schemeClr val="accent5"/>
-              </a:buClr>
-              <a:buFont typeface="Arial" pitchFamily="34" charset="0"/>
-              <a:buChar char="•"/>
-              <a:defRPr sz="1400" kern="1200" baseline="0">
-                <a:solidFill>
-                  <a:schemeClr val="tx2"/>
-                </a:solidFill>
-                <a:latin typeface="+mn-lt"/>
-                <a:ea typeface="+mn-ea"/>
-                <a:cs typeface="+mn-cs"/>
-              </a:defRPr>
-            </a:lvl5pPr>
-            <a:lvl6pPr marL="2514600" indent="-228600" algn="l" defTabSz="914400" rtl="0" eaLnBrk="1" latinLnBrk="0" hangingPunct="1">
-              <a:spcBef>
-                <a:spcPct val="20000"/>
-              </a:spcBef>
-              <a:buClr>
-                <a:schemeClr val="accent6"/>
-              </a:buClr>
-              <a:buFont typeface="Arial" pitchFamily="34" charset="0"/>
-              <a:buChar char="•"/>
-              <a:defRPr sz="1400" kern="1200">
-                <a:solidFill>
-                  <a:schemeClr val="tx2"/>
-                </a:solidFill>
-                <a:latin typeface="+mn-lt"/>
-                <a:ea typeface="+mn-ea"/>
-                <a:cs typeface="+mn-cs"/>
-              </a:defRPr>
-            </a:lvl6pPr>
-            <a:lvl7pPr marL="2971800" indent="-228600" algn="l" defTabSz="914400" rtl="0" eaLnBrk="1" latinLnBrk="0" hangingPunct="1">
-              <a:spcBef>
-                <a:spcPct val="20000"/>
-              </a:spcBef>
-              <a:buClr>
-                <a:schemeClr val="accent1"/>
-              </a:buClr>
-              <a:buFont typeface="Arial" pitchFamily="34" charset="0"/>
-              <a:buChar char="•"/>
-              <a:defRPr sz="1400" kern="1200">
-                <a:solidFill>
-                  <a:schemeClr val="tx2"/>
-                </a:solidFill>
-                <a:latin typeface="+mn-lt"/>
-                <a:ea typeface="+mn-ea"/>
-                <a:cs typeface="+mn-cs"/>
-              </a:defRPr>
-            </a:lvl7pPr>
-            <a:lvl8pPr marL="3429000" indent="-228600" algn="l" defTabSz="914400" rtl="0" eaLnBrk="1" latinLnBrk="0" hangingPunct="1">
-              <a:spcBef>
-                <a:spcPct val="20000"/>
-              </a:spcBef>
-              <a:buClr>
-                <a:schemeClr val="accent4"/>
-              </a:buClr>
-              <a:buFont typeface="Arial" pitchFamily="34" charset="0"/>
-              <a:buChar char="•"/>
-              <a:defRPr sz="1400" kern="1200">
-                <a:solidFill>
-                  <a:schemeClr val="tx2"/>
-                </a:solidFill>
-                <a:latin typeface="+mn-lt"/>
-                <a:ea typeface="+mn-ea"/>
-                <a:cs typeface="+mn-cs"/>
-              </a:defRPr>
-            </a:lvl8pPr>
-            <a:lvl9pPr marL="3886200" indent="-228600" algn="l" defTabSz="914400" rtl="0" eaLnBrk="1" latinLnBrk="0" hangingPunct="1">
-              <a:spcBef>
-                <a:spcPct val="20000"/>
-              </a:spcBef>
-              <a:buClr>
-                <a:schemeClr val="accent5"/>
-              </a:buClr>
-              <a:buFont typeface="Arial" pitchFamily="34" charset="0"/>
-              <a:buChar char="•"/>
-              <a:defRPr sz="1400" kern="1200">
-                <a:solidFill>
-                  <a:schemeClr val="tx2"/>
-                </a:solidFill>
-                <a:latin typeface="+mn-lt"/>
-                <a:ea typeface="+mn-ea"/>
-                <a:cs typeface="+mn-cs"/>
-              </a:defRPr>
-            </a:lvl9pPr>
-          </a:lstStyle>
-          <a:p>
-            <a:r>
-              <a:rPr lang="en-US" dirty="0" smtClean="0"/>
-              <a:t>Essentially a linked list of Behavior Nodes</a:t>
-            </a:r>
-          </a:p>
-          <a:p>
-            <a:r>
-              <a:rPr lang="en-US" dirty="0" smtClean="0"/>
-              <a:t>Describes the order in which behavior nodes will execute for a given request</a:t>
-            </a:r>
-          </a:p>
-          <a:p>
-            <a:r>
-              <a:rPr lang="en-US" dirty="0" smtClean="0"/>
-              <a:t>Can be identified by:</a:t>
-            </a:r>
-          </a:p>
-          <a:p>
-            <a:pPr lvl="1"/>
-            <a:r>
-              <a:rPr lang="en-US" dirty="0" err="1" smtClean="0"/>
-              <a:t>Guid</a:t>
-            </a:r>
-            <a:endParaRPr lang="en-US" dirty="0" smtClean="0"/>
-          </a:p>
-          <a:p>
-            <a:pPr lvl="1"/>
-            <a:r>
-              <a:rPr lang="en-US" dirty="0" smtClean="0"/>
-              <a:t>Input Model Type</a:t>
-            </a:r>
-          </a:p>
-          <a:p>
-            <a:endParaRPr lang="en-US" dirty="0"/>
-          </a:p>
-        </p:txBody>
-      </p:sp>
-      <p:pic>
-        <p:nvPicPr>
-          <p:cNvPr id="3" name="Picture 2" descr="C:\Windows.old\Users\jmarnold-logistics\Downloads\BlueSky Standard - PNG\png\info_128x128.png"/>
-          <p:cNvPicPr>
-            <a:picLocks noChangeAspect="1" noChangeArrowheads="1"/>
-          </p:cNvPicPr>
-          <p:nvPr/>
-        </p:nvPicPr>
-        <p:blipFill>
-          <a:blip r:embed="rId4">
-            <a:extLst>
-              <a:ext uri="{28A0092B-C50C-407E-A947-70E740481C1C}">
-                <a14:useLocalDpi xmlns:a14="http://schemas.microsoft.com/office/drawing/2010/main" val="0"/>
-              </a:ext>
-            </a:extLst>
-          </a:blip>
-          <a:srcRect/>
-          <a:stretch>
-            <a:fillRect/>
-          </a:stretch>
-        </p:blipFill>
-        <p:spPr bwMode="auto">
-          <a:xfrm>
-            <a:off x="1447800" y="5999504"/>
-            <a:ext cx="533400" cy="533400"/>
-          </a:xfrm>
-          <a:prstGeom prst="rect">
-            <a:avLst/>
-          </a:prstGeom>
-          <a:noFill/>
-          <a:extLst>
-            <a:ext uri="{909E8E84-426E-40DD-AFC4-6F175D3DCCD1}">
-              <a14:hiddenFill xmlns:a14="http://schemas.microsoft.com/office/drawing/2010/main">
-                <a:solidFill>
-                  <a:srgbClr val="FFFFFF"/>
-                </a:solidFill>
-              </a14:hiddenFill>
-            </a:ext>
-          </a:extLst>
-        </p:spPr>
-      </p:pic>
-      <p:sp>
-        <p:nvSpPr>
-          <p:cNvPr id="5" name="Rectangle 4"/>
+          <p:cNvPr id="3" name="Rectangle 2"/>
           <p:cNvSpPr/>
           <p:nvPr/>
         </p:nvSpPr>
         <p:spPr>
           <a:xfrm>
-            <a:off x="2133600" y="6096927"/>
-            <a:ext cx="2572307" cy="338554"/>
+            <a:off x="914400" y="2139434"/>
+            <a:ext cx="2223686" cy="369332"/>
           </a:xfrm>
           <a:prstGeom prst="rect">
             <a:avLst/>
@@ -10055,34 +9684,339 @@
           <a:lstStyle/>
           <a:p>
             <a:r>
-              <a:rPr lang="en-US" sz="1600" b="1" dirty="0">
-                <a:latin typeface="Arial" pitchFamily="34" charset="0"/>
-                <a:cs typeface="Arial" pitchFamily="34" charset="0"/>
-              </a:rPr>
-              <a:t>Key Term:</a:t>
-            </a:r>
-            <a:r>
-              <a:rPr lang="en-US" sz="1600" dirty="0">
-                <a:latin typeface="Arial" pitchFamily="34" charset="0"/>
-                <a:cs typeface="Arial" pitchFamily="34" charset="0"/>
-              </a:rPr>
-              <a:t> </a:t>
-            </a:r>
-            <a:r>
-              <a:rPr lang="en-US" sz="1600" dirty="0" err="1" smtClean="0">
-                <a:latin typeface="Arial" pitchFamily="34" charset="0"/>
-                <a:cs typeface="Arial" pitchFamily="34" charset="0"/>
-              </a:rPr>
-              <a:t>BehaviorChain</a:t>
-            </a:r>
-            <a:endParaRPr lang="en-US" sz="1600" dirty="0"/>
+              <a:rPr lang="en-US" dirty="0"/>
+              <a:t>Given some {route}:</a:t>
+            </a:r>
+          </a:p>
+        </p:txBody>
+      </p:sp>
+      <p:sp>
+        <p:nvSpPr>
+          <p:cNvPr id="4" name="Rectangle 3"/>
+          <p:cNvSpPr/>
+          <p:nvPr/>
+        </p:nvSpPr>
+        <p:spPr>
+          <a:xfrm>
+            <a:off x="1066800" y="3626539"/>
+            <a:ext cx="3724096" cy="369332"/>
+          </a:xfrm>
+          <a:prstGeom prst="rect">
+            <a:avLst/>
+          </a:prstGeom>
+        </p:spPr>
+        <p:txBody>
+          <a:bodyPr wrap="none">
+            <a:spAutoFit/>
+          </a:bodyPr>
+          <a:lstStyle/>
+          <a:p>
+            <a:r>
+              <a:rPr lang="en-US" dirty="0"/>
+              <a:t>1. Locate the Method for that route</a:t>
+            </a:r>
+          </a:p>
+        </p:txBody>
+      </p:sp>
+      <p:sp>
+        <p:nvSpPr>
+          <p:cNvPr id="11" name="Rounded Rectangle 10"/>
+          <p:cNvSpPr/>
+          <p:nvPr/>
+        </p:nvSpPr>
+        <p:spPr>
+          <a:xfrm>
+            <a:off x="5715000" y="1981200"/>
+            <a:ext cx="1981200" cy="685800"/>
+          </a:xfrm>
+          <a:prstGeom prst="roundRect">
+            <a:avLst/>
+          </a:prstGeom>
+        </p:spPr>
+        <p:style>
+          <a:lnRef idx="1">
+            <a:schemeClr val="accent4"/>
+          </a:lnRef>
+          <a:fillRef idx="3">
+            <a:schemeClr val="accent4"/>
+          </a:fillRef>
+          <a:effectRef idx="2">
+            <a:schemeClr val="accent4"/>
+          </a:effectRef>
+          <a:fontRef idx="minor">
+            <a:schemeClr val="lt1"/>
+          </a:fontRef>
+        </p:style>
+        <p:txBody>
+          <a:bodyPr rtlCol="0" anchor="ctr"/>
+          <a:lstStyle/>
+          <a:p>
+            <a:pPr algn="ctr"/>
+            <a:r>
+              <a:rPr lang="en-US" dirty="0" smtClean="0"/>
+              <a:t>Routing</a:t>
+            </a:r>
+            <a:endParaRPr lang="en-US" dirty="0"/>
+          </a:p>
+        </p:txBody>
+      </p:sp>
+      <p:sp>
+        <p:nvSpPr>
+          <p:cNvPr id="12" name="Rounded Rectangle 11"/>
+          <p:cNvSpPr/>
+          <p:nvPr/>
+        </p:nvSpPr>
+        <p:spPr>
+          <a:xfrm>
+            <a:off x="5181600" y="3505200"/>
+            <a:ext cx="3048000" cy="3124200"/>
+          </a:xfrm>
+          <a:prstGeom prst="roundRect">
+            <a:avLst/>
+          </a:prstGeom>
+        </p:spPr>
+        <p:style>
+          <a:lnRef idx="1">
+            <a:schemeClr val="accent4"/>
+          </a:lnRef>
+          <a:fillRef idx="3">
+            <a:schemeClr val="accent4"/>
+          </a:fillRef>
+          <a:effectRef idx="2">
+            <a:schemeClr val="accent4"/>
+          </a:effectRef>
+          <a:fontRef idx="minor">
+            <a:schemeClr val="lt1"/>
+          </a:fontRef>
+        </p:style>
+        <p:txBody>
+          <a:bodyPr rtlCol="0" anchor="ctr"/>
+          <a:lstStyle/>
+          <a:p>
+            <a:pPr algn="ctr"/>
+            <a:r>
+              <a:rPr lang="en-US" dirty="0" smtClean="0"/>
+              <a:t>Web Framework</a:t>
+            </a:r>
+          </a:p>
+          <a:p>
+            <a:pPr algn="ctr"/>
+            <a:endParaRPr lang="en-US" dirty="0"/>
+          </a:p>
+          <a:p>
+            <a:pPr algn="ctr"/>
+            <a:endParaRPr lang="en-US" dirty="0" smtClean="0"/>
+          </a:p>
+          <a:p>
+            <a:pPr algn="ctr"/>
+            <a:endParaRPr lang="en-US" dirty="0"/>
+          </a:p>
+          <a:p>
+            <a:pPr algn="ctr"/>
+            <a:endParaRPr lang="en-US" dirty="0" smtClean="0"/>
+          </a:p>
+          <a:p>
+            <a:pPr algn="ctr"/>
+            <a:endParaRPr lang="en-US" dirty="0"/>
+          </a:p>
+          <a:p>
+            <a:pPr algn="ctr"/>
+            <a:endParaRPr lang="en-US" dirty="0" smtClean="0"/>
+          </a:p>
+          <a:p>
+            <a:pPr algn="ctr"/>
+            <a:endParaRPr lang="en-US" dirty="0"/>
+          </a:p>
+          <a:p>
+            <a:pPr algn="ctr"/>
+            <a:endParaRPr lang="en-US" dirty="0" smtClean="0"/>
+          </a:p>
+          <a:p>
+            <a:pPr algn="ctr"/>
+            <a:endParaRPr lang="en-US" dirty="0"/>
+          </a:p>
+        </p:txBody>
+      </p:sp>
+      <p:sp>
+        <p:nvSpPr>
+          <p:cNvPr id="13" name="Rounded Rectangle 12"/>
+          <p:cNvSpPr/>
+          <p:nvPr/>
+        </p:nvSpPr>
+        <p:spPr>
+          <a:xfrm>
+            <a:off x="5435600" y="4457700"/>
+            <a:ext cx="2641600" cy="609600"/>
+          </a:xfrm>
+          <a:prstGeom prst="roundRect">
+            <a:avLst/>
+          </a:prstGeom>
+        </p:spPr>
+        <p:style>
+          <a:lnRef idx="1">
+            <a:schemeClr val="accent6"/>
+          </a:lnRef>
+          <a:fillRef idx="3">
+            <a:schemeClr val="accent6"/>
+          </a:fillRef>
+          <a:effectRef idx="2">
+            <a:schemeClr val="accent6"/>
+          </a:effectRef>
+          <a:fontRef idx="minor">
+            <a:schemeClr val="lt1"/>
+          </a:fontRef>
+        </p:style>
+        <p:txBody>
+          <a:bodyPr rtlCol="0" anchor="ctr"/>
+          <a:lstStyle/>
+          <a:p>
+            <a:pPr algn="ctr"/>
+            <a:r>
+              <a:rPr lang="en-US" dirty="0" smtClean="0"/>
+              <a:t>Method Invocation</a:t>
+            </a:r>
+            <a:endParaRPr lang="en-US" dirty="0"/>
+          </a:p>
+        </p:txBody>
+      </p:sp>
+      <p:cxnSp>
+        <p:nvCxnSpPr>
+          <p:cNvPr id="14" name="Straight Arrow Connector 13"/>
+          <p:cNvCxnSpPr>
+            <a:stCxn id="11" idx="2"/>
+            <a:endCxn id="12" idx="0"/>
+          </p:cNvCxnSpPr>
+          <p:nvPr/>
+        </p:nvCxnSpPr>
+        <p:spPr>
+          <a:xfrm>
+            <a:off x="6705600" y="2667000"/>
+            <a:ext cx="0" cy="838200"/>
+          </a:xfrm>
+          <a:prstGeom prst="straightConnector1">
+            <a:avLst/>
+          </a:prstGeom>
+          <a:ln w="25400">
+            <a:tailEnd type="arrow"/>
+          </a:ln>
+        </p:spPr>
+        <p:style>
+          <a:lnRef idx="3">
+            <a:schemeClr val="accent2"/>
+          </a:lnRef>
+          <a:fillRef idx="0">
+            <a:schemeClr val="accent2"/>
+          </a:fillRef>
+          <a:effectRef idx="2">
+            <a:schemeClr val="accent2"/>
+          </a:effectRef>
+          <a:fontRef idx="minor">
+            <a:schemeClr val="tx1"/>
+          </a:fontRef>
+        </p:style>
+      </p:cxnSp>
+      <p:sp>
+        <p:nvSpPr>
+          <p:cNvPr id="15" name="Rounded Rectangle 14"/>
+          <p:cNvSpPr/>
+          <p:nvPr/>
+        </p:nvSpPr>
+        <p:spPr>
+          <a:xfrm>
+            <a:off x="5435600" y="5257800"/>
+            <a:ext cx="2641600" cy="609600"/>
+          </a:xfrm>
+          <a:prstGeom prst="roundRect">
+            <a:avLst/>
+          </a:prstGeom>
+        </p:spPr>
+        <p:style>
+          <a:lnRef idx="1">
+            <a:schemeClr val="accent6"/>
+          </a:lnRef>
+          <a:fillRef idx="3">
+            <a:schemeClr val="accent6"/>
+          </a:fillRef>
+          <a:effectRef idx="2">
+            <a:schemeClr val="accent6"/>
+          </a:effectRef>
+          <a:fontRef idx="minor">
+            <a:schemeClr val="lt1"/>
+          </a:fontRef>
+        </p:style>
+        <p:txBody>
+          <a:bodyPr rtlCol="0" anchor="ctr"/>
+          <a:lstStyle/>
+          <a:p>
+            <a:pPr algn="ctr"/>
+            <a:r>
+              <a:rPr lang="en-US" dirty="0" smtClean="0"/>
+              <a:t>View Rendering</a:t>
+            </a:r>
+            <a:endParaRPr lang="en-US" dirty="0"/>
+          </a:p>
+        </p:txBody>
+      </p:sp>
+      <p:sp>
+        <p:nvSpPr>
+          <p:cNvPr id="5" name="Rectangle 4"/>
+          <p:cNvSpPr/>
+          <p:nvPr/>
+        </p:nvSpPr>
+        <p:spPr>
+          <a:xfrm>
+            <a:off x="1066800" y="4457700"/>
+            <a:ext cx="2403222" cy="369332"/>
+          </a:xfrm>
+          <a:prstGeom prst="rect">
+            <a:avLst/>
+          </a:prstGeom>
+        </p:spPr>
+        <p:txBody>
+          <a:bodyPr wrap="none">
+            <a:spAutoFit/>
+          </a:bodyPr>
+          <a:lstStyle/>
+          <a:p>
+            <a:r>
+              <a:rPr lang="en-US" dirty="0"/>
+              <a:t>2. Invoke that Method</a:t>
+            </a:r>
+          </a:p>
+        </p:txBody>
+      </p:sp>
+      <p:sp>
+        <p:nvSpPr>
+          <p:cNvPr id="16" name="Rectangle 15"/>
+          <p:cNvSpPr/>
+          <p:nvPr/>
+        </p:nvSpPr>
+        <p:spPr>
+          <a:xfrm>
+            <a:off x="1066800" y="5215838"/>
+            <a:ext cx="3223959" cy="369332"/>
+          </a:xfrm>
+          <a:prstGeom prst="rect">
+            <a:avLst/>
+          </a:prstGeom>
+        </p:spPr>
+        <p:txBody>
+          <a:bodyPr wrap="none">
+            <a:spAutoFit/>
+          </a:bodyPr>
+          <a:lstStyle/>
+          <a:p>
+            <a:r>
+              <a:rPr lang="en-US" dirty="0"/>
+              <a:t>3. Render the respective view</a:t>
+            </a:r>
           </a:p>
         </p:txBody>
       </p:sp>
     </p:spTree>
     <p:extLst>
       <p:ext uri="{BB962C8B-B14F-4D97-AF65-F5344CB8AC3E}">
-        <p14:creationId xmlns:p14="http://schemas.microsoft.com/office/powerpoint/2010/main" val="1672880105"/>
+        <p14:creationId xmlns:p14="http://schemas.microsoft.com/office/powerpoint/2010/main" val="3194759261"/>
       </p:ext>
     </p:extLst>
   </p:cSld>
@@ -10276,517 +10210,6 @@
         <p:spPr>
           <a:xfrm>
             <a:off x="1066800" y="3626539"/>
-            <a:ext cx="3724096" cy="369332"/>
-          </a:xfrm>
-          <a:prstGeom prst="rect">
-            <a:avLst/>
-          </a:prstGeom>
-        </p:spPr>
-        <p:txBody>
-          <a:bodyPr wrap="none">
-            <a:spAutoFit/>
-          </a:bodyPr>
-          <a:lstStyle/>
-          <a:p>
-            <a:r>
-              <a:rPr lang="en-US" dirty="0"/>
-              <a:t>1. Locate the Method for that route</a:t>
-            </a:r>
-          </a:p>
-        </p:txBody>
-      </p:sp>
-      <p:sp>
-        <p:nvSpPr>
-          <p:cNvPr id="11" name="Rounded Rectangle 10"/>
-          <p:cNvSpPr/>
-          <p:nvPr/>
-        </p:nvSpPr>
-        <p:spPr>
-          <a:xfrm>
-            <a:off x="5715000" y="1981200"/>
-            <a:ext cx="1981200" cy="685800"/>
-          </a:xfrm>
-          <a:prstGeom prst="roundRect">
-            <a:avLst/>
-          </a:prstGeom>
-        </p:spPr>
-        <p:style>
-          <a:lnRef idx="1">
-            <a:schemeClr val="accent4"/>
-          </a:lnRef>
-          <a:fillRef idx="3">
-            <a:schemeClr val="accent4"/>
-          </a:fillRef>
-          <a:effectRef idx="2">
-            <a:schemeClr val="accent4"/>
-          </a:effectRef>
-          <a:fontRef idx="minor">
-            <a:schemeClr val="lt1"/>
-          </a:fontRef>
-        </p:style>
-        <p:txBody>
-          <a:bodyPr rtlCol="0" anchor="ctr"/>
-          <a:lstStyle/>
-          <a:p>
-            <a:pPr algn="ctr"/>
-            <a:r>
-              <a:rPr lang="en-US" dirty="0" smtClean="0"/>
-              <a:t>Routing</a:t>
-            </a:r>
-            <a:endParaRPr lang="en-US" dirty="0"/>
-          </a:p>
-        </p:txBody>
-      </p:sp>
-      <p:sp>
-        <p:nvSpPr>
-          <p:cNvPr id="12" name="Rounded Rectangle 11"/>
-          <p:cNvSpPr/>
-          <p:nvPr/>
-        </p:nvSpPr>
-        <p:spPr>
-          <a:xfrm>
-            <a:off x="5181600" y="3505200"/>
-            <a:ext cx="3048000" cy="3124200"/>
-          </a:xfrm>
-          <a:prstGeom prst="roundRect">
-            <a:avLst/>
-          </a:prstGeom>
-        </p:spPr>
-        <p:style>
-          <a:lnRef idx="1">
-            <a:schemeClr val="accent4"/>
-          </a:lnRef>
-          <a:fillRef idx="3">
-            <a:schemeClr val="accent4"/>
-          </a:fillRef>
-          <a:effectRef idx="2">
-            <a:schemeClr val="accent4"/>
-          </a:effectRef>
-          <a:fontRef idx="minor">
-            <a:schemeClr val="lt1"/>
-          </a:fontRef>
-        </p:style>
-        <p:txBody>
-          <a:bodyPr rtlCol="0" anchor="ctr"/>
-          <a:lstStyle/>
-          <a:p>
-            <a:pPr algn="ctr"/>
-            <a:r>
-              <a:rPr lang="en-US" dirty="0" smtClean="0"/>
-              <a:t>Web Framework</a:t>
-            </a:r>
-          </a:p>
-          <a:p>
-            <a:pPr algn="ctr"/>
-            <a:endParaRPr lang="en-US" dirty="0"/>
-          </a:p>
-          <a:p>
-            <a:pPr algn="ctr"/>
-            <a:endParaRPr lang="en-US" dirty="0" smtClean="0"/>
-          </a:p>
-          <a:p>
-            <a:pPr algn="ctr"/>
-            <a:endParaRPr lang="en-US" dirty="0"/>
-          </a:p>
-          <a:p>
-            <a:pPr algn="ctr"/>
-            <a:endParaRPr lang="en-US" dirty="0" smtClean="0"/>
-          </a:p>
-          <a:p>
-            <a:pPr algn="ctr"/>
-            <a:endParaRPr lang="en-US" dirty="0"/>
-          </a:p>
-          <a:p>
-            <a:pPr algn="ctr"/>
-            <a:endParaRPr lang="en-US" dirty="0" smtClean="0"/>
-          </a:p>
-          <a:p>
-            <a:pPr algn="ctr"/>
-            <a:endParaRPr lang="en-US" dirty="0"/>
-          </a:p>
-          <a:p>
-            <a:pPr algn="ctr"/>
-            <a:endParaRPr lang="en-US" dirty="0" smtClean="0"/>
-          </a:p>
-          <a:p>
-            <a:pPr algn="ctr"/>
-            <a:endParaRPr lang="en-US" dirty="0"/>
-          </a:p>
-        </p:txBody>
-      </p:sp>
-      <p:sp>
-        <p:nvSpPr>
-          <p:cNvPr id="13" name="Rounded Rectangle 12"/>
-          <p:cNvSpPr/>
-          <p:nvPr/>
-        </p:nvSpPr>
-        <p:spPr>
-          <a:xfrm>
-            <a:off x="5435600" y="4457700"/>
-            <a:ext cx="2641600" cy="609600"/>
-          </a:xfrm>
-          <a:prstGeom prst="roundRect">
-            <a:avLst/>
-          </a:prstGeom>
-        </p:spPr>
-        <p:style>
-          <a:lnRef idx="1">
-            <a:schemeClr val="accent6"/>
-          </a:lnRef>
-          <a:fillRef idx="3">
-            <a:schemeClr val="accent6"/>
-          </a:fillRef>
-          <a:effectRef idx="2">
-            <a:schemeClr val="accent6"/>
-          </a:effectRef>
-          <a:fontRef idx="minor">
-            <a:schemeClr val="lt1"/>
-          </a:fontRef>
-        </p:style>
-        <p:txBody>
-          <a:bodyPr rtlCol="0" anchor="ctr"/>
-          <a:lstStyle/>
-          <a:p>
-            <a:pPr algn="ctr"/>
-            <a:r>
-              <a:rPr lang="en-US" dirty="0" smtClean="0"/>
-              <a:t>Method Invocation</a:t>
-            </a:r>
-            <a:endParaRPr lang="en-US" dirty="0"/>
-          </a:p>
-        </p:txBody>
-      </p:sp>
-      <p:cxnSp>
-        <p:nvCxnSpPr>
-          <p:cNvPr id="14" name="Straight Arrow Connector 13"/>
-          <p:cNvCxnSpPr>
-            <a:stCxn id="11" idx="2"/>
-            <a:endCxn id="12" idx="0"/>
-          </p:cNvCxnSpPr>
-          <p:nvPr/>
-        </p:nvCxnSpPr>
-        <p:spPr>
-          <a:xfrm>
-            <a:off x="6705600" y="2667000"/>
-            <a:ext cx="0" cy="838200"/>
-          </a:xfrm>
-          <a:prstGeom prst="straightConnector1">
-            <a:avLst/>
-          </a:prstGeom>
-          <a:ln w="25400">
-            <a:tailEnd type="arrow"/>
-          </a:ln>
-        </p:spPr>
-        <p:style>
-          <a:lnRef idx="3">
-            <a:schemeClr val="accent2"/>
-          </a:lnRef>
-          <a:fillRef idx="0">
-            <a:schemeClr val="accent2"/>
-          </a:fillRef>
-          <a:effectRef idx="2">
-            <a:schemeClr val="accent2"/>
-          </a:effectRef>
-          <a:fontRef idx="minor">
-            <a:schemeClr val="tx1"/>
-          </a:fontRef>
-        </p:style>
-      </p:cxnSp>
-      <p:sp>
-        <p:nvSpPr>
-          <p:cNvPr id="15" name="Rounded Rectangle 14"/>
-          <p:cNvSpPr/>
-          <p:nvPr/>
-        </p:nvSpPr>
-        <p:spPr>
-          <a:xfrm>
-            <a:off x="5435600" y="5257800"/>
-            <a:ext cx="2641600" cy="609600"/>
-          </a:xfrm>
-          <a:prstGeom prst="roundRect">
-            <a:avLst/>
-          </a:prstGeom>
-        </p:spPr>
-        <p:style>
-          <a:lnRef idx="1">
-            <a:schemeClr val="accent6"/>
-          </a:lnRef>
-          <a:fillRef idx="3">
-            <a:schemeClr val="accent6"/>
-          </a:fillRef>
-          <a:effectRef idx="2">
-            <a:schemeClr val="accent6"/>
-          </a:effectRef>
-          <a:fontRef idx="minor">
-            <a:schemeClr val="lt1"/>
-          </a:fontRef>
-        </p:style>
-        <p:txBody>
-          <a:bodyPr rtlCol="0" anchor="ctr"/>
-          <a:lstStyle/>
-          <a:p>
-            <a:pPr algn="ctr"/>
-            <a:r>
-              <a:rPr lang="en-US" dirty="0" smtClean="0"/>
-              <a:t>View Rendering</a:t>
-            </a:r>
-            <a:endParaRPr lang="en-US" dirty="0"/>
-          </a:p>
-        </p:txBody>
-      </p:sp>
-      <p:sp>
-        <p:nvSpPr>
-          <p:cNvPr id="5" name="Rectangle 4"/>
-          <p:cNvSpPr/>
-          <p:nvPr/>
-        </p:nvSpPr>
-        <p:spPr>
-          <a:xfrm>
-            <a:off x="1066800" y="4457700"/>
-            <a:ext cx="2403222" cy="369332"/>
-          </a:xfrm>
-          <a:prstGeom prst="rect">
-            <a:avLst/>
-          </a:prstGeom>
-        </p:spPr>
-        <p:txBody>
-          <a:bodyPr wrap="none">
-            <a:spAutoFit/>
-          </a:bodyPr>
-          <a:lstStyle/>
-          <a:p>
-            <a:r>
-              <a:rPr lang="en-US" dirty="0"/>
-              <a:t>2. Invoke that Method</a:t>
-            </a:r>
-          </a:p>
-        </p:txBody>
-      </p:sp>
-      <p:sp>
-        <p:nvSpPr>
-          <p:cNvPr id="16" name="Rectangle 15"/>
-          <p:cNvSpPr/>
-          <p:nvPr/>
-        </p:nvSpPr>
-        <p:spPr>
-          <a:xfrm>
-            <a:off x="1066800" y="5215838"/>
-            <a:ext cx="3223959" cy="369332"/>
-          </a:xfrm>
-          <a:prstGeom prst="rect">
-            <a:avLst/>
-          </a:prstGeom>
-        </p:spPr>
-        <p:txBody>
-          <a:bodyPr wrap="none">
-            <a:spAutoFit/>
-          </a:bodyPr>
-          <a:lstStyle/>
-          <a:p>
-            <a:r>
-              <a:rPr lang="en-US" dirty="0"/>
-              <a:t>3. Render the respective view</a:t>
-            </a:r>
-          </a:p>
-        </p:txBody>
-      </p:sp>
-    </p:spTree>
-    <p:extLst>
-      <p:ext uri="{BB962C8B-B14F-4D97-AF65-F5344CB8AC3E}">
-        <p14:creationId xmlns:p14="http://schemas.microsoft.com/office/powerpoint/2010/main" val="3194759261"/>
-      </p:ext>
-    </p:extLst>
-  </p:cSld>
-  <p:clrMapOvr>
-    <a:masterClrMapping/>
-  </p:clrMapOvr>
-  <p:timing>
-    <p:tnLst>
-      <p:par>
-        <p:cTn id="1" dur="indefinite" restart="never" nodeType="tmRoot"/>
-      </p:par>
-    </p:tnLst>
-  </p:timing>
-</p:sld>
-</file>
-
-<file path=ppt/slides/slide22.xml><?xml version="1.0" encoding="utf-8"?>
-<p:sld xmlns:a="http://schemas.openxmlformats.org/drawingml/2006/main" xmlns:r="http://schemas.openxmlformats.org/officeDocument/2006/relationships" xmlns:p="http://schemas.openxmlformats.org/presentationml/2006/main">
-  <p:cSld>
-    <p:spTree>
-      <p:nvGrpSpPr>
-        <p:cNvPr id="1" name=""/>
-        <p:cNvGrpSpPr/>
-        <p:nvPr/>
-      </p:nvGrpSpPr>
-      <p:grpSpPr>
-        <a:xfrm>
-          <a:off x="0" y="0"/>
-          <a:ext cx="0" cy="0"/>
-          <a:chOff x="0" y="0"/>
-          <a:chExt cx="0" cy="0"/>
-        </a:xfrm>
-      </p:grpSpPr>
-      <p:sp>
-        <p:nvSpPr>
-          <p:cNvPr id="2" name="Title 1"/>
-          <p:cNvSpPr>
-            <a:spLocks noGrp="1"/>
-          </p:cNvSpPr>
-          <p:nvPr>
-            <p:ph type="title"/>
-          </p:nvPr>
-        </p:nvSpPr>
-        <p:spPr>
-          <a:xfrm>
-            <a:off x="152400" y="685800"/>
-            <a:ext cx="8534400" cy="457200"/>
-          </a:xfrm>
-        </p:spPr>
-        <p:txBody>
-          <a:bodyPr>
-            <a:noAutofit/>
-          </a:bodyPr>
-          <a:lstStyle/>
-          <a:p>
-            <a:r>
-              <a:rPr lang="en-US" sz="4000" dirty="0" smtClean="0"/>
-              <a:t>Request/Response</a:t>
-            </a:r>
-            <a:endParaRPr lang="en-US" sz="4000" dirty="0"/>
-          </a:p>
-        </p:txBody>
-      </p:sp>
-      <p:pic>
-        <p:nvPicPr>
-          <p:cNvPr id="7" name="Content Placeholder 6"/>
-          <p:cNvPicPr>
-            <a:picLocks noGrp="1" noChangeAspect="1"/>
-          </p:cNvPicPr>
-          <p:nvPr>
-            <p:ph idx="1"/>
-          </p:nvPr>
-        </p:nvPicPr>
-        <p:blipFill>
-          <a:blip r:embed="rId2" cstate="print">
-            <a:extLst>
-              <a:ext uri="{28A0092B-C50C-407E-A947-70E740481C1C}">
-                <a14:useLocalDpi xmlns:a14="http://schemas.microsoft.com/office/drawing/2010/main" val="0"/>
-              </a:ext>
-            </a:extLst>
-          </a:blip>
-          <a:stretch>
-            <a:fillRect/>
-          </a:stretch>
-        </p:blipFill>
-        <p:spPr>
-          <a:xfrm>
-            <a:off x="0" y="228600"/>
-            <a:ext cx="2158850" cy="533400"/>
-          </a:xfrm>
-        </p:spPr>
-      </p:pic>
-      <p:pic>
-        <p:nvPicPr>
-          <p:cNvPr id="1026" name="Picture 2"/>
-          <p:cNvPicPr>
-            <a:picLocks noChangeAspect="1" noChangeArrowheads="1"/>
-          </p:cNvPicPr>
-          <p:nvPr/>
-        </p:nvPicPr>
-        <p:blipFill>
-          <a:blip r:embed="rId3">
-            <a:extLst>
-              <a:ext uri="{28A0092B-C50C-407E-A947-70E740481C1C}">
-                <a14:useLocalDpi xmlns:a14="http://schemas.microsoft.com/office/drawing/2010/main" val="0"/>
-              </a:ext>
-            </a:extLst>
-          </a:blip>
-          <a:srcRect/>
-          <a:stretch>
-            <a:fillRect/>
-          </a:stretch>
-        </p:blipFill>
-        <p:spPr bwMode="auto">
-          <a:xfrm>
-            <a:off x="0" y="0"/>
-            <a:ext cx="9144000" cy="228600"/>
-          </a:xfrm>
-          <a:prstGeom prst="rect">
-            <a:avLst/>
-          </a:prstGeom>
-          <a:noFill/>
-          <a:ln>
-            <a:noFill/>
-          </a:ln>
-          <a:effectLst/>
-          <a:extLst>
-            <a:ext uri="{909E8E84-426E-40DD-AFC4-6F175D3DCCD1}">
-              <a14:hiddenFill xmlns:a14="http://schemas.microsoft.com/office/drawing/2010/main">
-                <a:solidFill>
-                  <a:schemeClr val="accent1"/>
-                </a:solidFill>
-              </a14:hiddenFill>
-            </a:ext>
-            <a:ext uri="{91240B29-F687-4F45-9708-019B960494DF}">
-              <a14:hiddenLine xmlns:a14="http://schemas.microsoft.com/office/drawing/2010/main" w="9525">
-                <a:solidFill>
-                  <a:schemeClr val="tx1"/>
-                </a:solidFill>
-                <a:miter lim="800000"/>
-                <a:headEnd/>
-                <a:tailEnd/>
-              </a14:hiddenLine>
-            </a:ext>
-            <a:ext uri="{AF507438-7753-43E0-B8FC-AC1667EBCBE1}">
-              <a14:hiddenEffects xmlns:a14="http://schemas.microsoft.com/office/drawing/2010/main">
-                <a:effectLst>
-                  <a:outerShdw dist="35921" dir="2700000" algn="ctr" rotWithShape="0">
-                    <a:schemeClr val="bg2"/>
-                  </a:outerShdw>
-                </a:effectLst>
-              </a14:hiddenEffects>
-            </a:ext>
-          </a:extLst>
-        </p:spPr>
-      </p:pic>
-      <p:sp>
-        <p:nvSpPr>
-          <p:cNvPr id="3" name="Rectangle 2"/>
-          <p:cNvSpPr/>
-          <p:nvPr/>
-        </p:nvSpPr>
-        <p:spPr>
-          <a:xfrm>
-            <a:off x="914400" y="2139434"/>
-            <a:ext cx="2223686" cy="369332"/>
-          </a:xfrm>
-          <a:prstGeom prst="rect">
-            <a:avLst/>
-          </a:prstGeom>
-        </p:spPr>
-        <p:txBody>
-          <a:bodyPr wrap="none">
-            <a:spAutoFit/>
-          </a:bodyPr>
-          <a:lstStyle/>
-          <a:p>
-            <a:r>
-              <a:rPr lang="en-US" dirty="0"/>
-              <a:t>Given some {route}:</a:t>
-            </a:r>
-          </a:p>
-        </p:txBody>
-      </p:sp>
-      <p:sp>
-        <p:nvSpPr>
-          <p:cNvPr id="4" name="Rectangle 3"/>
-          <p:cNvSpPr/>
-          <p:nvPr/>
-        </p:nvSpPr>
-        <p:spPr>
-          <a:xfrm>
-            <a:off x="1066800" y="3626539"/>
             <a:ext cx="4224233" cy="369332"/>
           </a:xfrm>
           <a:prstGeom prst="rect">
@@ -11212,7 +10635,7 @@
 </p:sld>
 </file>
 
-<file path=ppt/slides/slide23.xml><?xml version="1.0" encoding="utf-8"?>
+<file path=ppt/slides/slide22.xml><?xml version="1.0" encoding="utf-8"?>
 <p:sld xmlns:a="http://schemas.openxmlformats.org/drawingml/2006/main" xmlns:r="http://schemas.openxmlformats.org/officeDocument/2006/relationships" xmlns:p="http://schemas.openxmlformats.org/presentationml/2006/main">
   <p:cSld>
     <p:spTree>
@@ -11590,7 +11013,7 @@
 </p:sld>
 </file>
 
-<file path=ppt/slides/slide24.xml><?xml version="1.0" encoding="utf-8"?>
+<file path=ppt/slides/slide23.xml><?xml version="1.0" encoding="utf-8"?>
 <p:sld xmlns:a="http://schemas.openxmlformats.org/drawingml/2006/main" xmlns:r="http://schemas.openxmlformats.org/officeDocument/2006/relationships" xmlns:p="http://schemas.openxmlformats.org/presentationml/2006/main">
   <p:cSld>
     <p:spTree>
@@ -11916,6 +11339,370 @@
     <p:extLst>
       <p:ext uri="{BB962C8B-B14F-4D97-AF65-F5344CB8AC3E}">
         <p14:creationId xmlns:p14="http://schemas.microsoft.com/office/powerpoint/2010/main" val="181464443"/>
+      </p:ext>
+    </p:extLst>
+  </p:cSld>
+  <p:clrMapOvr>
+    <a:masterClrMapping/>
+  </p:clrMapOvr>
+  <p:timing>
+    <p:tnLst>
+      <p:par>
+        <p:cTn id="1" dur="indefinite" restart="never" nodeType="tmRoot"/>
+      </p:par>
+    </p:tnLst>
+  </p:timing>
+</p:sld>
+</file>
+
+<file path=ppt/slides/slide24.xml><?xml version="1.0" encoding="utf-8"?>
+<p:sld xmlns:a="http://schemas.openxmlformats.org/drawingml/2006/main" xmlns:r="http://schemas.openxmlformats.org/officeDocument/2006/relationships" xmlns:p="http://schemas.openxmlformats.org/presentationml/2006/main">
+  <p:cSld>
+    <p:spTree>
+      <p:nvGrpSpPr>
+        <p:cNvPr id="1" name=""/>
+        <p:cNvGrpSpPr/>
+        <p:nvPr/>
+      </p:nvGrpSpPr>
+      <p:grpSpPr>
+        <a:xfrm>
+          <a:off x="0" y="0"/>
+          <a:ext cx="0" cy="0"/>
+          <a:chOff x="0" y="0"/>
+          <a:chExt cx="0" cy="0"/>
+        </a:xfrm>
+      </p:grpSpPr>
+      <p:sp>
+        <p:nvSpPr>
+          <p:cNvPr id="2" name="Title 1"/>
+          <p:cNvSpPr>
+            <a:spLocks noGrp="1"/>
+          </p:cNvSpPr>
+          <p:nvPr>
+            <p:ph type="title"/>
+          </p:nvPr>
+        </p:nvSpPr>
+        <p:spPr>
+          <a:xfrm>
+            <a:off x="152400" y="685800"/>
+            <a:ext cx="8534400" cy="457200"/>
+          </a:xfrm>
+        </p:spPr>
+        <p:txBody>
+          <a:bodyPr>
+            <a:noAutofit/>
+          </a:bodyPr>
+          <a:lstStyle/>
+          <a:p>
+            <a:r>
+              <a:rPr lang="en-US" sz="4000" dirty="0" smtClean="0"/>
+              <a:t>The Pipeline</a:t>
+            </a:r>
+            <a:endParaRPr lang="en-US" sz="4000" dirty="0"/>
+          </a:p>
+        </p:txBody>
+      </p:sp>
+      <p:pic>
+        <p:nvPicPr>
+          <p:cNvPr id="7" name="Content Placeholder 6"/>
+          <p:cNvPicPr>
+            <a:picLocks noGrp="1" noChangeAspect="1"/>
+          </p:cNvPicPr>
+          <p:nvPr>
+            <p:ph idx="1"/>
+          </p:nvPr>
+        </p:nvPicPr>
+        <p:blipFill>
+          <a:blip r:embed="rId2" cstate="print">
+            <a:extLst>
+              <a:ext uri="{28A0092B-C50C-407E-A947-70E740481C1C}">
+                <a14:useLocalDpi xmlns:a14="http://schemas.microsoft.com/office/drawing/2010/main" val="0"/>
+              </a:ext>
+            </a:extLst>
+          </a:blip>
+          <a:stretch>
+            <a:fillRect/>
+          </a:stretch>
+        </p:blipFill>
+        <p:spPr>
+          <a:xfrm>
+            <a:off x="0" y="228600"/>
+            <a:ext cx="2158850" cy="533400"/>
+          </a:xfrm>
+        </p:spPr>
+      </p:pic>
+      <p:pic>
+        <p:nvPicPr>
+          <p:cNvPr id="1026" name="Picture 2"/>
+          <p:cNvPicPr>
+            <a:picLocks noChangeAspect="1" noChangeArrowheads="1"/>
+          </p:cNvPicPr>
+          <p:nvPr/>
+        </p:nvPicPr>
+        <p:blipFill>
+          <a:blip r:embed="rId3">
+            <a:extLst>
+              <a:ext uri="{28A0092B-C50C-407E-A947-70E740481C1C}">
+                <a14:useLocalDpi xmlns:a14="http://schemas.microsoft.com/office/drawing/2010/main" val="0"/>
+              </a:ext>
+            </a:extLst>
+          </a:blip>
+          <a:srcRect/>
+          <a:stretch>
+            <a:fillRect/>
+          </a:stretch>
+        </p:blipFill>
+        <p:spPr bwMode="auto">
+          <a:xfrm>
+            <a:off x="0" y="0"/>
+            <a:ext cx="9144000" cy="228600"/>
+          </a:xfrm>
+          <a:prstGeom prst="rect">
+            <a:avLst/>
+          </a:prstGeom>
+          <a:noFill/>
+          <a:ln>
+            <a:noFill/>
+          </a:ln>
+          <a:effectLst/>
+          <a:extLst>
+            <a:ext uri="{909E8E84-426E-40DD-AFC4-6F175D3DCCD1}">
+              <a14:hiddenFill xmlns:a14="http://schemas.microsoft.com/office/drawing/2010/main">
+                <a:solidFill>
+                  <a:schemeClr val="accent1"/>
+                </a:solidFill>
+              </a14:hiddenFill>
+            </a:ext>
+            <a:ext uri="{91240B29-F687-4F45-9708-019B960494DF}">
+              <a14:hiddenLine xmlns:a14="http://schemas.microsoft.com/office/drawing/2010/main" w="9525">
+                <a:solidFill>
+                  <a:schemeClr val="tx1"/>
+                </a:solidFill>
+                <a:miter lim="800000"/>
+                <a:headEnd/>
+                <a:tailEnd/>
+              </a14:hiddenLine>
+            </a:ext>
+            <a:ext uri="{AF507438-7753-43E0-B8FC-AC1667EBCBE1}">
+              <a14:hiddenEffects xmlns:a14="http://schemas.microsoft.com/office/drawing/2010/main">
+                <a:effectLst>
+                  <a:outerShdw dist="35921" dir="2700000" algn="ctr" rotWithShape="0">
+                    <a:schemeClr val="bg2"/>
+                  </a:outerShdw>
+                </a:effectLst>
+              </a14:hiddenEffects>
+            </a:ext>
+          </a:extLst>
+        </p:spPr>
+      </p:pic>
+      <p:sp>
+        <p:nvSpPr>
+          <p:cNvPr id="13" name="Rounded Rectangle 12"/>
+          <p:cNvSpPr/>
+          <p:nvPr/>
+        </p:nvSpPr>
+        <p:spPr>
+          <a:xfrm>
+            <a:off x="990600" y="4038600"/>
+            <a:ext cx="2641600" cy="609600"/>
+          </a:xfrm>
+          <a:prstGeom prst="roundRect">
+            <a:avLst/>
+          </a:prstGeom>
+        </p:spPr>
+        <p:style>
+          <a:lnRef idx="1">
+            <a:schemeClr val="accent6"/>
+          </a:lnRef>
+          <a:fillRef idx="3">
+            <a:schemeClr val="accent6"/>
+          </a:fillRef>
+          <a:effectRef idx="2">
+            <a:schemeClr val="accent6"/>
+          </a:effectRef>
+          <a:fontRef idx="minor">
+            <a:schemeClr val="lt1"/>
+          </a:fontRef>
+        </p:style>
+        <p:txBody>
+          <a:bodyPr rtlCol="0" anchor="ctr"/>
+          <a:lstStyle/>
+          <a:p>
+            <a:pPr algn="ctr"/>
+            <a:r>
+              <a:rPr lang="en-US" dirty="0" err="1" smtClean="0"/>
+              <a:t>ActionCall</a:t>
+            </a:r>
+            <a:endParaRPr lang="en-US" dirty="0"/>
+          </a:p>
+        </p:txBody>
+      </p:sp>
+      <p:sp>
+        <p:nvSpPr>
+          <p:cNvPr id="15" name="Rounded Rectangle 14"/>
+          <p:cNvSpPr/>
+          <p:nvPr/>
+        </p:nvSpPr>
+        <p:spPr>
+          <a:xfrm>
+            <a:off x="4876800" y="4038600"/>
+            <a:ext cx="2641600" cy="609600"/>
+          </a:xfrm>
+          <a:prstGeom prst="roundRect">
+            <a:avLst/>
+          </a:prstGeom>
+        </p:spPr>
+        <p:style>
+          <a:lnRef idx="1">
+            <a:schemeClr val="accent6"/>
+          </a:lnRef>
+          <a:fillRef idx="3">
+            <a:schemeClr val="accent6"/>
+          </a:fillRef>
+          <a:effectRef idx="2">
+            <a:schemeClr val="accent6"/>
+          </a:effectRef>
+          <a:fontRef idx="minor">
+            <a:schemeClr val="lt1"/>
+          </a:fontRef>
+        </p:style>
+        <p:txBody>
+          <a:bodyPr rtlCol="0" anchor="ctr"/>
+          <a:lstStyle/>
+          <a:p>
+            <a:pPr algn="ctr"/>
+            <a:r>
+              <a:rPr lang="en-US" dirty="0" smtClean="0"/>
+              <a:t>Output</a:t>
+            </a:r>
+            <a:endParaRPr lang="en-US" dirty="0"/>
+          </a:p>
+        </p:txBody>
+      </p:sp>
+      <p:cxnSp>
+        <p:nvCxnSpPr>
+          <p:cNvPr id="8" name="Straight Arrow Connector 7"/>
+          <p:cNvCxnSpPr>
+            <a:stCxn id="13" idx="3"/>
+            <a:endCxn id="15" idx="1"/>
+          </p:cNvCxnSpPr>
+          <p:nvPr/>
+        </p:nvCxnSpPr>
+        <p:spPr>
+          <a:xfrm>
+            <a:off x="3632200" y="4343400"/>
+            <a:ext cx="1244600" cy="0"/>
+          </a:xfrm>
+          <a:prstGeom prst="straightConnector1">
+            <a:avLst/>
+          </a:prstGeom>
+          <a:ln w="25400">
+            <a:tailEnd type="arrow"/>
+          </a:ln>
+        </p:spPr>
+        <p:style>
+          <a:lnRef idx="3">
+            <a:schemeClr val="accent2"/>
+          </a:lnRef>
+          <a:fillRef idx="0">
+            <a:schemeClr val="accent2"/>
+          </a:fillRef>
+          <a:effectRef idx="2">
+            <a:schemeClr val="accent2"/>
+          </a:effectRef>
+          <a:fontRef idx="minor">
+            <a:schemeClr val="tx1"/>
+          </a:fontRef>
+        </p:style>
+      </p:cxnSp>
+      <p:sp>
+        <p:nvSpPr>
+          <p:cNvPr id="5" name="Rounded Rectangular Callout 4"/>
+          <p:cNvSpPr/>
+          <p:nvPr/>
+        </p:nvSpPr>
+        <p:spPr>
+          <a:xfrm>
+            <a:off x="762000" y="3124200"/>
+            <a:ext cx="2438400" cy="609600"/>
+          </a:xfrm>
+          <a:prstGeom prst="wedgeRoundRectCallout">
+            <a:avLst/>
+          </a:prstGeom>
+        </p:spPr>
+        <p:style>
+          <a:lnRef idx="1">
+            <a:schemeClr val="accent5"/>
+          </a:lnRef>
+          <a:fillRef idx="2">
+            <a:schemeClr val="accent5"/>
+          </a:fillRef>
+          <a:effectRef idx="1">
+            <a:schemeClr val="accent5"/>
+          </a:effectRef>
+          <a:fontRef idx="minor">
+            <a:schemeClr val="dk1"/>
+          </a:fontRef>
+        </p:style>
+        <p:txBody>
+          <a:bodyPr rtlCol="0" anchor="ctr"/>
+          <a:lstStyle/>
+          <a:p>
+            <a:pPr algn="ctr"/>
+            <a:r>
+              <a:rPr lang="en-US" dirty="0" smtClean="0"/>
+              <a:t>“Invoke this method”</a:t>
+            </a:r>
+            <a:endParaRPr lang="en-US" dirty="0"/>
+          </a:p>
+        </p:txBody>
+      </p:sp>
+      <p:sp>
+        <p:nvSpPr>
+          <p:cNvPr id="14" name="Rounded Rectangular Callout 13"/>
+          <p:cNvSpPr/>
+          <p:nvPr/>
+        </p:nvSpPr>
+        <p:spPr>
+          <a:xfrm>
+            <a:off x="6477000" y="3124200"/>
+            <a:ext cx="2438400" cy="609600"/>
+          </a:xfrm>
+          <a:prstGeom prst="wedgeRoundRectCallout">
+            <a:avLst/>
+          </a:prstGeom>
+        </p:spPr>
+        <p:style>
+          <a:lnRef idx="1">
+            <a:schemeClr val="accent5"/>
+          </a:lnRef>
+          <a:fillRef idx="2">
+            <a:schemeClr val="accent5"/>
+          </a:fillRef>
+          <a:effectRef idx="1">
+            <a:schemeClr val="accent5"/>
+          </a:effectRef>
+          <a:fontRef idx="minor">
+            <a:schemeClr val="dk1"/>
+          </a:fontRef>
+        </p:style>
+        <p:txBody>
+          <a:bodyPr rtlCol="0" anchor="ctr"/>
+          <a:lstStyle/>
+          <a:p>
+            <a:pPr algn="ctr"/>
+            <a:r>
+              <a:rPr lang="en-US" dirty="0" smtClean="0"/>
+              <a:t>“Render the output”</a:t>
+            </a:r>
+            <a:endParaRPr lang="en-US" dirty="0"/>
+          </a:p>
+        </p:txBody>
+      </p:sp>
+    </p:spTree>
+    <p:extLst>
+      <p:ext uri="{BB962C8B-B14F-4D97-AF65-F5344CB8AC3E}">
+        <p14:creationId xmlns:p14="http://schemas.microsoft.com/office/powerpoint/2010/main" val="1371838333"/>
       </p:ext>
     </p:extLst>
   </p:cSld>
@@ -11973,7 +11760,7 @@
           <a:p>
             <a:r>
               <a:rPr lang="en-US" sz="4000" dirty="0" smtClean="0"/>
-              <a:t>Runtime: Russian Dolls</a:t>
+              <a:t>The Pipeline</a:t>
             </a:r>
             <a:endParaRPr lang="en-US" sz="4000" dirty="0"/>
           </a:p>
@@ -12074,238 +11861,427 @@
       </p:pic>
       <p:sp>
         <p:nvSpPr>
-          <p:cNvPr id="18" name="Content Placeholder 2"/>
-          <p:cNvSpPr txBox="1">
-            <a:spLocks/>
-          </p:cNvSpPr>
-          <p:nvPr/>
-        </p:nvSpPr>
-        <p:spPr>
-          <a:xfrm>
-            <a:off x="457200" y="2057400"/>
-            <a:ext cx="8229600" cy="4068763"/>
+          <p:cNvPr id="13" name="Rounded Rectangle 12"/>
+          <p:cNvSpPr/>
+          <p:nvPr/>
+        </p:nvSpPr>
+        <p:spPr>
+          <a:xfrm>
+            <a:off x="990600" y="4038600"/>
+            <a:ext cx="2641600" cy="609600"/>
+          </a:xfrm>
+          <a:prstGeom prst="roundRect">
+            <a:avLst/>
+          </a:prstGeom>
+        </p:spPr>
+        <p:style>
+          <a:lnRef idx="1">
+            <a:schemeClr val="accent6"/>
+          </a:lnRef>
+          <a:fillRef idx="3">
+            <a:schemeClr val="accent6"/>
+          </a:fillRef>
+          <a:effectRef idx="2">
+            <a:schemeClr val="accent6"/>
+          </a:effectRef>
+          <a:fontRef idx="minor">
+            <a:schemeClr val="lt1"/>
+          </a:fontRef>
+        </p:style>
+        <p:txBody>
+          <a:bodyPr rtlCol="0" anchor="ctr"/>
+          <a:lstStyle/>
+          <a:p>
+            <a:pPr algn="ctr"/>
+            <a:r>
+              <a:rPr lang="en-US" dirty="0" err="1" smtClean="0"/>
+              <a:t>ActionCall</a:t>
+            </a:r>
+            <a:endParaRPr lang="en-US" dirty="0"/>
+          </a:p>
+        </p:txBody>
+      </p:sp>
+      <p:sp>
+        <p:nvSpPr>
+          <p:cNvPr id="15" name="Rounded Rectangle 14"/>
+          <p:cNvSpPr/>
+          <p:nvPr/>
+        </p:nvSpPr>
+        <p:spPr>
+          <a:xfrm>
+            <a:off x="4876800" y="4038600"/>
+            <a:ext cx="2641600" cy="609600"/>
+          </a:xfrm>
+          <a:prstGeom prst="roundRect">
+            <a:avLst/>
+          </a:prstGeom>
+        </p:spPr>
+        <p:style>
+          <a:lnRef idx="1">
+            <a:schemeClr val="accent6"/>
+          </a:lnRef>
+          <a:fillRef idx="3">
+            <a:schemeClr val="accent6"/>
+          </a:fillRef>
+          <a:effectRef idx="2">
+            <a:schemeClr val="accent6"/>
+          </a:effectRef>
+          <a:fontRef idx="minor">
+            <a:schemeClr val="lt1"/>
+          </a:fontRef>
+        </p:style>
+        <p:txBody>
+          <a:bodyPr rtlCol="0" anchor="ctr"/>
+          <a:lstStyle/>
+          <a:p>
+            <a:pPr algn="ctr"/>
+            <a:r>
+              <a:rPr lang="en-US" dirty="0" smtClean="0"/>
+              <a:t>Output</a:t>
+            </a:r>
+            <a:endParaRPr lang="en-US" dirty="0"/>
+          </a:p>
+        </p:txBody>
+      </p:sp>
+      <p:cxnSp>
+        <p:nvCxnSpPr>
+          <p:cNvPr id="8" name="Straight Arrow Connector 7"/>
+          <p:cNvCxnSpPr>
+            <a:stCxn id="13" idx="3"/>
+            <a:endCxn id="15" idx="1"/>
+          </p:cNvCxnSpPr>
+          <p:nvPr/>
+        </p:nvCxnSpPr>
+        <p:spPr>
+          <a:xfrm>
+            <a:off x="3632200" y="4343400"/>
+            <a:ext cx="1244600" cy="0"/>
+          </a:xfrm>
+          <a:prstGeom prst="straightConnector1">
+            <a:avLst/>
+          </a:prstGeom>
+          <a:ln w="25400">
+            <a:tailEnd type="arrow"/>
+          </a:ln>
+        </p:spPr>
+        <p:style>
+          <a:lnRef idx="3">
+            <a:schemeClr val="accent2"/>
+          </a:lnRef>
+          <a:fillRef idx="0">
+            <a:schemeClr val="accent2"/>
+          </a:fillRef>
+          <a:effectRef idx="2">
+            <a:schemeClr val="accent2"/>
+          </a:effectRef>
+          <a:fontRef idx="minor">
+            <a:schemeClr val="tx1"/>
+          </a:fontRef>
+        </p:style>
+      </p:cxnSp>
+      <p:sp>
+        <p:nvSpPr>
+          <p:cNvPr id="5" name="Rounded Rectangular Callout 4"/>
+          <p:cNvSpPr/>
+          <p:nvPr/>
+        </p:nvSpPr>
+        <p:spPr>
+          <a:xfrm>
+            <a:off x="762000" y="3124200"/>
+            <a:ext cx="2438400" cy="609600"/>
+          </a:xfrm>
+          <a:prstGeom prst="wedgeRoundRectCallout">
+            <a:avLst/>
+          </a:prstGeom>
+        </p:spPr>
+        <p:style>
+          <a:lnRef idx="1">
+            <a:schemeClr val="accent5"/>
+          </a:lnRef>
+          <a:fillRef idx="2">
+            <a:schemeClr val="accent5"/>
+          </a:fillRef>
+          <a:effectRef idx="1">
+            <a:schemeClr val="accent5"/>
+          </a:effectRef>
+          <a:fontRef idx="minor">
+            <a:schemeClr val="dk1"/>
+          </a:fontRef>
+        </p:style>
+        <p:txBody>
+          <a:bodyPr rtlCol="0" anchor="ctr"/>
+          <a:lstStyle/>
+          <a:p>
+            <a:pPr algn="ctr"/>
+            <a:r>
+              <a:rPr lang="en-US" dirty="0" smtClean="0"/>
+              <a:t>“Invoke this method”</a:t>
+            </a:r>
+            <a:endParaRPr lang="en-US" dirty="0"/>
+          </a:p>
+        </p:txBody>
+      </p:sp>
+      <p:sp>
+        <p:nvSpPr>
+          <p:cNvPr id="14" name="Rounded Rectangular Callout 13"/>
+          <p:cNvSpPr/>
+          <p:nvPr/>
+        </p:nvSpPr>
+        <p:spPr>
+          <a:xfrm>
+            <a:off x="6477000" y="3124200"/>
+            <a:ext cx="2438400" cy="609600"/>
+          </a:xfrm>
+          <a:prstGeom prst="wedgeRoundRectCallout">
+            <a:avLst/>
+          </a:prstGeom>
+        </p:spPr>
+        <p:style>
+          <a:lnRef idx="1">
+            <a:schemeClr val="accent5"/>
+          </a:lnRef>
+          <a:fillRef idx="2">
+            <a:schemeClr val="accent5"/>
+          </a:fillRef>
+          <a:effectRef idx="1">
+            <a:schemeClr val="accent5"/>
+          </a:effectRef>
+          <a:fontRef idx="minor">
+            <a:schemeClr val="dk1"/>
+          </a:fontRef>
+        </p:style>
+        <p:txBody>
+          <a:bodyPr rtlCol="0" anchor="ctr"/>
+          <a:lstStyle/>
+          <a:p>
+            <a:pPr algn="ctr"/>
+            <a:r>
+              <a:rPr lang="en-US" dirty="0" smtClean="0"/>
+              <a:t>“Render the output”</a:t>
+            </a:r>
+            <a:endParaRPr lang="en-US" dirty="0"/>
+          </a:p>
+        </p:txBody>
+      </p:sp>
+      <p:sp>
+        <p:nvSpPr>
+          <p:cNvPr id="10" name="Rounded Rectangle 9"/>
+          <p:cNvSpPr/>
+          <p:nvPr/>
+        </p:nvSpPr>
+        <p:spPr>
+          <a:xfrm>
+            <a:off x="990600" y="5791200"/>
+            <a:ext cx="6527800" cy="685800"/>
+          </a:xfrm>
+          <a:prstGeom prst="roundRect">
+            <a:avLst/>
+          </a:prstGeom>
+        </p:spPr>
+        <p:style>
+          <a:lnRef idx="1">
+            <a:schemeClr val="accent3"/>
+          </a:lnRef>
+          <a:fillRef idx="2">
+            <a:schemeClr val="accent3"/>
+          </a:fillRef>
+          <a:effectRef idx="1">
+            <a:schemeClr val="accent3"/>
+          </a:effectRef>
+          <a:fontRef idx="minor">
+            <a:schemeClr val="dk1"/>
+          </a:fontRef>
+        </p:style>
+        <p:txBody>
+          <a:bodyPr rtlCol="0" anchor="ctr"/>
+          <a:lstStyle/>
+          <a:p>
+            <a:pPr algn="ctr"/>
+            <a:r>
+              <a:rPr lang="en-US" dirty="0" err="1" smtClean="0"/>
+              <a:t>IFubuRequest</a:t>
+            </a:r>
+            <a:endParaRPr lang="en-US" dirty="0"/>
+          </a:p>
+        </p:txBody>
+      </p:sp>
+      <p:cxnSp>
+        <p:nvCxnSpPr>
+          <p:cNvPr id="11" name="Straight Arrow Connector 10"/>
+          <p:cNvCxnSpPr/>
+          <p:nvPr/>
+        </p:nvCxnSpPr>
+        <p:spPr>
+          <a:xfrm>
+            <a:off x="2819400" y="4639654"/>
+            <a:ext cx="431800" cy="1143000"/>
+          </a:xfrm>
+          <a:prstGeom prst="straightConnector1">
+            <a:avLst/>
+          </a:prstGeom>
+          <a:ln w="28575">
+            <a:solidFill>
+              <a:schemeClr val="accent4">
+                <a:lumMod val="60000"/>
+                <a:lumOff val="40000"/>
+              </a:schemeClr>
+            </a:solidFill>
+            <a:prstDash val="dash"/>
+            <a:tailEnd type="arrow"/>
+          </a:ln>
+        </p:spPr>
+        <p:style>
+          <a:lnRef idx="1">
+            <a:schemeClr val="accent1"/>
+          </a:lnRef>
+          <a:fillRef idx="0">
+            <a:schemeClr val="accent1"/>
+          </a:fillRef>
+          <a:effectRef idx="0">
+            <a:schemeClr val="accent1"/>
+          </a:effectRef>
+          <a:fontRef idx="minor">
+            <a:schemeClr val="tx1"/>
+          </a:fontRef>
+        </p:style>
+      </p:cxnSp>
+      <p:sp>
+        <p:nvSpPr>
+          <p:cNvPr id="9" name="Rectangle 8"/>
+          <p:cNvSpPr/>
+          <p:nvPr/>
+        </p:nvSpPr>
+        <p:spPr>
+          <a:xfrm>
+            <a:off x="381000" y="5377439"/>
+            <a:ext cx="2566728" cy="276999"/>
           </a:xfrm>
           <a:prstGeom prst="rect">
             <a:avLst/>
           </a:prstGeom>
         </p:spPr>
-        <p:txBody>
-          <a:bodyPr vert="horz" lIns="91440" tIns="45720" rIns="91440" bIns="45720" rtlCol="0">
-            <a:normAutofit/>
+        <p:style>
+          <a:lnRef idx="1">
+            <a:schemeClr val="accent5"/>
+          </a:lnRef>
+          <a:fillRef idx="2">
+            <a:schemeClr val="accent5"/>
+          </a:fillRef>
+          <a:effectRef idx="1">
+            <a:schemeClr val="accent5"/>
+          </a:effectRef>
+          <a:fontRef idx="minor">
+            <a:schemeClr val="dk1"/>
+          </a:fontRef>
+        </p:style>
+        <p:txBody>
+          <a:bodyPr wrap="none">
+            <a:spAutoFit/>
           </a:bodyPr>
-          <a:lstStyle>
-            <a:lvl1pPr marL="342900" indent="-342900" algn="l" defTabSz="914400" rtl="0" eaLnBrk="1" latinLnBrk="0" hangingPunct="1">
-              <a:spcBef>
-                <a:spcPct val="20000"/>
-              </a:spcBef>
-              <a:buClr>
-                <a:schemeClr val="accent1"/>
-              </a:buClr>
-              <a:buSzPct val="75000"/>
-              <a:buFont typeface="Wingdings" pitchFamily="2" charset="2"/>
-              <a:buChar char=""/>
-              <a:defRPr sz="2400" kern="1200">
-                <a:solidFill>
-                  <a:schemeClr val="tx2"/>
-                </a:solidFill>
-                <a:latin typeface="+mn-lt"/>
-                <a:ea typeface="+mn-ea"/>
-                <a:cs typeface="+mn-cs"/>
-              </a:defRPr>
-            </a:lvl1pPr>
-            <a:lvl2pPr marL="742950" indent="-285750" algn="l" defTabSz="914400" rtl="0" eaLnBrk="1" latinLnBrk="0" hangingPunct="1">
-              <a:spcBef>
-                <a:spcPct val="20000"/>
-              </a:spcBef>
-              <a:buClr>
-                <a:schemeClr val="accent2"/>
-              </a:buClr>
-              <a:buSzPct val="85000"/>
-              <a:buFont typeface="Courier New" pitchFamily="49" charset="0"/>
-              <a:buChar char="o"/>
-              <a:defRPr sz="2000" kern="1200">
-                <a:solidFill>
-                  <a:schemeClr val="tx2"/>
-                </a:solidFill>
-                <a:latin typeface="+mn-lt"/>
-                <a:ea typeface="+mn-ea"/>
-                <a:cs typeface="+mn-cs"/>
-              </a:defRPr>
-            </a:lvl2pPr>
-            <a:lvl3pPr marL="1143000" indent="-228600" algn="l" defTabSz="914400" rtl="0" eaLnBrk="1" latinLnBrk="0" hangingPunct="1">
-              <a:spcBef>
-                <a:spcPct val="20000"/>
-              </a:spcBef>
-              <a:buClr>
-                <a:schemeClr val="accent3"/>
-              </a:buClr>
-              <a:buFont typeface="Arial" pitchFamily="34" charset="0"/>
-              <a:buChar char="•"/>
-              <a:defRPr sz="1800" kern="1200">
-                <a:solidFill>
-                  <a:schemeClr val="tx2"/>
-                </a:solidFill>
-                <a:latin typeface="+mn-lt"/>
-                <a:ea typeface="+mn-ea"/>
-                <a:cs typeface="+mn-cs"/>
-              </a:defRPr>
-            </a:lvl3pPr>
-            <a:lvl4pPr marL="1600200" indent="-228600" algn="l" defTabSz="914400" rtl="0" eaLnBrk="1" latinLnBrk="0" hangingPunct="1">
-              <a:spcBef>
-                <a:spcPct val="20000"/>
-              </a:spcBef>
-              <a:buClr>
-                <a:schemeClr val="accent4"/>
-              </a:buClr>
-              <a:buFont typeface="Arial" pitchFamily="34" charset="0"/>
-              <a:buChar char="•"/>
-              <a:defRPr sz="1600" kern="1200">
-                <a:solidFill>
-                  <a:schemeClr val="tx2"/>
-                </a:solidFill>
-                <a:latin typeface="+mn-lt"/>
-                <a:ea typeface="+mn-ea"/>
-                <a:cs typeface="+mn-cs"/>
-              </a:defRPr>
-            </a:lvl4pPr>
-            <a:lvl5pPr marL="2057400" indent="-228600" algn="l" defTabSz="914400" rtl="0" eaLnBrk="1" latinLnBrk="0" hangingPunct="1">
-              <a:spcBef>
-                <a:spcPct val="20000"/>
-              </a:spcBef>
-              <a:buClr>
-                <a:schemeClr val="accent5"/>
-              </a:buClr>
-              <a:buFont typeface="Arial" pitchFamily="34" charset="0"/>
-              <a:buChar char="•"/>
-              <a:defRPr sz="1400" kern="1200" baseline="0">
-                <a:solidFill>
-                  <a:schemeClr val="tx2"/>
-                </a:solidFill>
-                <a:latin typeface="+mn-lt"/>
-                <a:ea typeface="+mn-ea"/>
-                <a:cs typeface="+mn-cs"/>
-              </a:defRPr>
-            </a:lvl5pPr>
-            <a:lvl6pPr marL="2514600" indent="-228600" algn="l" defTabSz="914400" rtl="0" eaLnBrk="1" latinLnBrk="0" hangingPunct="1">
-              <a:spcBef>
-                <a:spcPct val="20000"/>
-              </a:spcBef>
-              <a:buClr>
-                <a:schemeClr val="accent6"/>
-              </a:buClr>
-              <a:buFont typeface="Arial" pitchFamily="34" charset="0"/>
-              <a:buChar char="•"/>
-              <a:defRPr sz="1400" kern="1200">
-                <a:solidFill>
-                  <a:schemeClr val="tx2"/>
-                </a:solidFill>
-                <a:latin typeface="+mn-lt"/>
-                <a:ea typeface="+mn-ea"/>
-                <a:cs typeface="+mn-cs"/>
-              </a:defRPr>
-            </a:lvl6pPr>
-            <a:lvl7pPr marL="2971800" indent="-228600" algn="l" defTabSz="914400" rtl="0" eaLnBrk="1" latinLnBrk="0" hangingPunct="1">
-              <a:spcBef>
-                <a:spcPct val="20000"/>
-              </a:spcBef>
-              <a:buClr>
-                <a:schemeClr val="accent1"/>
-              </a:buClr>
-              <a:buFont typeface="Arial" pitchFamily="34" charset="0"/>
-              <a:buChar char="•"/>
-              <a:defRPr sz="1400" kern="1200">
-                <a:solidFill>
-                  <a:schemeClr val="tx2"/>
-                </a:solidFill>
-                <a:latin typeface="+mn-lt"/>
-                <a:ea typeface="+mn-ea"/>
-                <a:cs typeface="+mn-cs"/>
-              </a:defRPr>
-            </a:lvl7pPr>
-            <a:lvl8pPr marL="3429000" indent="-228600" algn="l" defTabSz="914400" rtl="0" eaLnBrk="1" latinLnBrk="0" hangingPunct="1">
-              <a:spcBef>
-                <a:spcPct val="20000"/>
-              </a:spcBef>
-              <a:buClr>
-                <a:schemeClr val="accent4"/>
-              </a:buClr>
-              <a:buFont typeface="Arial" pitchFamily="34" charset="0"/>
-              <a:buChar char="•"/>
-              <a:defRPr sz="1400" kern="1200">
-                <a:solidFill>
-                  <a:schemeClr val="tx2"/>
-                </a:solidFill>
-                <a:latin typeface="+mn-lt"/>
-                <a:ea typeface="+mn-ea"/>
-                <a:cs typeface="+mn-cs"/>
-              </a:defRPr>
-            </a:lvl8pPr>
-            <a:lvl9pPr marL="3886200" indent="-228600" algn="l" defTabSz="914400" rtl="0" eaLnBrk="1" latinLnBrk="0" hangingPunct="1">
-              <a:spcBef>
-                <a:spcPct val="20000"/>
-              </a:spcBef>
-              <a:buClr>
-                <a:schemeClr val="accent5"/>
-              </a:buClr>
-              <a:buFont typeface="Arial" pitchFamily="34" charset="0"/>
-              <a:buChar char="•"/>
-              <a:defRPr sz="1400" kern="1200">
-                <a:solidFill>
-                  <a:schemeClr val="tx2"/>
-                </a:solidFill>
-                <a:latin typeface="+mn-lt"/>
-                <a:ea typeface="+mn-ea"/>
-                <a:cs typeface="+mn-cs"/>
-              </a:defRPr>
-            </a:lvl9pPr>
-          </a:lstStyle>
-          <a:p>
-            <a:r>
-              <a:rPr lang="en-US" dirty="0" smtClean="0"/>
-              <a:t>Full control over execution of next behavior</a:t>
-            </a:r>
-            <a:endParaRPr lang="en-US" dirty="0"/>
-          </a:p>
-          <a:p>
-            <a:pPr lvl="1"/>
-            <a:r>
-              <a:rPr lang="en-US" dirty="0" smtClean="0"/>
-              <a:t>Transactions</a:t>
-            </a:r>
-          </a:p>
-          <a:p>
-            <a:pPr lvl="1"/>
-            <a:r>
-              <a:rPr lang="en-US" dirty="0" smtClean="0"/>
-              <a:t>Using statements</a:t>
-            </a:r>
-          </a:p>
-          <a:p>
-            <a:pPr lvl="1"/>
-            <a:r>
-              <a:rPr lang="en-US" dirty="0" smtClean="0"/>
-              <a:t>Etc.</a:t>
-            </a:r>
-          </a:p>
-          <a:p>
-            <a:r>
-              <a:rPr lang="en-US" dirty="0" smtClean="0"/>
-              <a:t>You can decide not to execute the next</a:t>
-            </a:r>
-          </a:p>
-          <a:p>
-            <a:pPr lvl="1"/>
-            <a:r>
-              <a:rPr lang="en-US" dirty="0" smtClean="0"/>
-              <a:t>You can even decide to do something else instead</a:t>
-            </a:r>
+          <a:lstStyle/>
+          <a:p>
+            <a:pPr algn="ctr"/>
+            <a:r>
+              <a:rPr lang="en-US" sz="1200" dirty="0" smtClean="0"/>
+              <a:t>“…and </a:t>
+            </a:r>
+            <a:r>
+              <a:rPr lang="en-US" sz="1200" dirty="0"/>
+              <a:t>put the return value in here”</a:t>
+            </a:r>
+          </a:p>
+        </p:txBody>
+      </p:sp>
+      <p:cxnSp>
+        <p:nvCxnSpPr>
+          <p:cNvPr id="18" name="Straight Arrow Connector 17"/>
+          <p:cNvCxnSpPr>
+            <a:stCxn id="15" idx="2"/>
+          </p:cNvCxnSpPr>
+          <p:nvPr/>
+        </p:nvCxnSpPr>
+        <p:spPr>
+          <a:xfrm flipH="1">
+            <a:off x="5384800" y="4648200"/>
+            <a:ext cx="812800" cy="1120923"/>
+          </a:xfrm>
+          <a:prstGeom prst="straightConnector1">
+            <a:avLst/>
+          </a:prstGeom>
+          <a:ln w="28575">
+            <a:solidFill>
+              <a:schemeClr val="accent4">
+                <a:lumMod val="60000"/>
+                <a:lumOff val="40000"/>
+              </a:schemeClr>
+            </a:solidFill>
+            <a:prstDash val="dash"/>
+            <a:tailEnd type="arrow"/>
+          </a:ln>
+        </p:spPr>
+        <p:style>
+          <a:lnRef idx="1">
+            <a:schemeClr val="accent1"/>
+          </a:lnRef>
+          <a:fillRef idx="0">
+            <a:schemeClr val="accent1"/>
+          </a:fillRef>
+          <a:effectRef idx="0">
+            <a:schemeClr val="accent1"/>
+          </a:effectRef>
+          <a:fontRef idx="minor">
+            <a:schemeClr val="tx1"/>
+          </a:fontRef>
+        </p:style>
+      </p:cxnSp>
+      <p:sp>
+        <p:nvSpPr>
+          <p:cNvPr id="20" name="Rectangle 19"/>
+          <p:cNvSpPr/>
+          <p:nvPr/>
+        </p:nvSpPr>
+        <p:spPr>
+          <a:xfrm>
+            <a:off x="5866549" y="5372099"/>
+            <a:ext cx="2286203" cy="276999"/>
+          </a:xfrm>
+          <a:prstGeom prst="rect">
+            <a:avLst/>
+          </a:prstGeom>
+        </p:spPr>
+        <p:style>
+          <a:lnRef idx="1">
+            <a:schemeClr val="accent5"/>
+          </a:lnRef>
+          <a:fillRef idx="2">
+            <a:schemeClr val="accent5"/>
+          </a:fillRef>
+          <a:effectRef idx="1">
+            <a:schemeClr val="accent5"/>
+          </a:effectRef>
+          <a:fontRef idx="minor">
+            <a:schemeClr val="dk1"/>
+          </a:fontRef>
+        </p:style>
+        <p:txBody>
+          <a:bodyPr wrap="none">
+            <a:spAutoFit/>
+          </a:bodyPr>
+          <a:lstStyle/>
+          <a:p>
+            <a:pPr algn="ctr"/>
+            <a:r>
+              <a:rPr lang="en-US" sz="1200" dirty="0" smtClean="0"/>
+              <a:t>“Get the data from here and…”</a:t>
+            </a:r>
+            <a:endParaRPr lang="en-US" sz="1200" dirty="0"/>
           </a:p>
         </p:txBody>
       </p:sp>
     </p:spTree>
     <p:extLst>
       <p:ext uri="{BB962C8B-B14F-4D97-AF65-F5344CB8AC3E}">
-        <p14:creationId xmlns:p14="http://schemas.microsoft.com/office/powerpoint/2010/main" val="3322426754"/>
+        <p14:creationId xmlns:p14="http://schemas.microsoft.com/office/powerpoint/2010/main" val="61883126"/>
       </p:ext>
     </p:extLst>
   </p:cSld>
@@ -12363,7 +12339,7 @@
           <a:p>
             <a:r>
               <a:rPr lang="en-US" sz="4000" dirty="0" smtClean="0"/>
-              <a:t>Models/Terminology</a:t>
+              <a:t>The Pipeline</a:t>
             </a:r>
             <a:endParaRPr lang="en-US" sz="4000" dirty="0"/>
           </a:p>
@@ -12464,237 +12440,509 @@
       </p:pic>
       <p:sp>
         <p:nvSpPr>
-          <p:cNvPr id="18" name="Content Placeholder 2"/>
-          <p:cNvSpPr txBox="1">
-            <a:spLocks/>
-          </p:cNvSpPr>
-          <p:nvPr/>
-        </p:nvSpPr>
-        <p:spPr>
-          <a:xfrm>
-            <a:off x="457200" y="2057400"/>
-            <a:ext cx="8229600" cy="4068763"/>
+          <p:cNvPr id="13" name="Rounded Rectangle 12"/>
+          <p:cNvSpPr/>
+          <p:nvPr/>
+        </p:nvSpPr>
+        <p:spPr>
+          <a:xfrm>
+            <a:off x="990600" y="4038600"/>
+            <a:ext cx="2641600" cy="609600"/>
+          </a:xfrm>
+          <a:prstGeom prst="roundRect">
+            <a:avLst/>
+          </a:prstGeom>
+        </p:spPr>
+        <p:style>
+          <a:lnRef idx="1">
+            <a:schemeClr val="accent6"/>
+          </a:lnRef>
+          <a:fillRef idx="3">
+            <a:schemeClr val="accent6"/>
+          </a:fillRef>
+          <a:effectRef idx="2">
+            <a:schemeClr val="accent6"/>
+          </a:effectRef>
+          <a:fontRef idx="minor">
+            <a:schemeClr val="lt1"/>
+          </a:fontRef>
+        </p:style>
+        <p:txBody>
+          <a:bodyPr rtlCol="0" anchor="ctr"/>
+          <a:lstStyle/>
+          <a:p>
+            <a:pPr algn="ctr"/>
+            <a:r>
+              <a:rPr lang="en-US" dirty="0" err="1" smtClean="0"/>
+              <a:t>ActionCall</a:t>
+            </a:r>
+            <a:endParaRPr lang="en-US" dirty="0"/>
+          </a:p>
+        </p:txBody>
+      </p:sp>
+      <p:sp>
+        <p:nvSpPr>
+          <p:cNvPr id="15" name="Rounded Rectangle 14"/>
+          <p:cNvSpPr/>
+          <p:nvPr/>
+        </p:nvSpPr>
+        <p:spPr>
+          <a:xfrm>
+            <a:off x="4876800" y="4038600"/>
+            <a:ext cx="2641600" cy="609600"/>
+          </a:xfrm>
+          <a:prstGeom prst="roundRect">
+            <a:avLst/>
+          </a:prstGeom>
+        </p:spPr>
+        <p:style>
+          <a:lnRef idx="1">
+            <a:schemeClr val="accent6"/>
+          </a:lnRef>
+          <a:fillRef idx="3">
+            <a:schemeClr val="accent6"/>
+          </a:fillRef>
+          <a:effectRef idx="2">
+            <a:schemeClr val="accent6"/>
+          </a:effectRef>
+          <a:fontRef idx="minor">
+            <a:schemeClr val="lt1"/>
+          </a:fontRef>
+        </p:style>
+        <p:txBody>
+          <a:bodyPr rtlCol="0" anchor="ctr"/>
+          <a:lstStyle/>
+          <a:p>
+            <a:pPr algn="ctr"/>
+            <a:r>
+              <a:rPr lang="en-US" dirty="0" smtClean="0"/>
+              <a:t>Output</a:t>
+            </a:r>
+            <a:endParaRPr lang="en-US" dirty="0"/>
+          </a:p>
+        </p:txBody>
+      </p:sp>
+      <p:cxnSp>
+        <p:nvCxnSpPr>
+          <p:cNvPr id="8" name="Straight Arrow Connector 7"/>
+          <p:cNvCxnSpPr>
+            <a:stCxn id="13" idx="3"/>
+            <a:endCxn id="15" idx="1"/>
+          </p:cNvCxnSpPr>
+          <p:nvPr/>
+        </p:nvCxnSpPr>
+        <p:spPr>
+          <a:xfrm>
+            <a:off x="3632200" y="4343400"/>
+            <a:ext cx="1244600" cy="0"/>
+          </a:xfrm>
+          <a:prstGeom prst="straightConnector1">
+            <a:avLst/>
+          </a:prstGeom>
+          <a:ln w="25400">
+            <a:tailEnd type="arrow"/>
+          </a:ln>
+        </p:spPr>
+        <p:style>
+          <a:lnRef idx="3">
+            <a:schemeClr val="accent2"/>
+          </a:lnRef>
+          <a:fillRef idx="0">
+            <a:schemeClr val="accent2"/>
+          </a:fillRef>
+          <a:effectRef idx="2">
+            <a:schemeClr val="accent2"/>
+          </a:effectRef>
+          <a:fontRef idx="minor">
+            <a:schemeClr val="tx1"/>
+          </a:fontRef>
+        </p:style>
+      </p:cxnSp>
+      <p:sp>
+        <p:nvSpPr>
+          <p:cNvPr id="5" name="Rounded Rectangular Callout 4"/>
+          <p:cNvSpPr/>
+          <p:nvPr/>
+        </p:nvSpPr>
+        <p:spPr>
+          <a:xfrm>
+            <a:off x="762000" y="3124200"/>
+            <a:ext cx="2438400" cy="609600"/>
+          </a:xfrm>
+          <a:prstGeom prst="wedgeRoundRectCallout">
+            <a:avLst/>
+          </a:prstGeom>
+        </p:spPr>
+        <p:style>
+          <a:lnRef idx="1">
+            <a:schemeClr val="accent5"/>
+          </a:lnRef>
+          <a:fillRef idx="2">
+            <a:schemeClr val="accent5"/>
+          </a:fillRef>
+          <a:effectRef idx="1">
+            <a:schemeClr val="accent5"/>
+          </a:effectRef>
+          <a:fontRef idx="minor">
+            <a:schemeClr val="dk1"/>
+          </a:fontRef>
+        </p:style>
+        <p:txBody>
+          <a:bodyPr rtlCol="0" anchor="ctr"/>
+          <a:lstStyle/>
+          <a:p>
+            <a:pPr algn="ctr"/>
+            <a:r>
+              <a:rPr lang="en-US" dirty="0" smtClean="0"/>
+              <a:t>“Invoke this method”</a:t>
+            </a:r>
+            <a:endParaRPr lang="en-US" dirty="0"/>
+          </a:p>
+        </p:txBody>
+      </p:sp>
+      <p:sp>
+        <p:nvSpPr>
+          <p:cNvPr id="14" name="Rounded Rectangular Callout 13"/>
+          <p:cNvSpPr/>
+          <p:nvPr/>
+        </p:nvSpPr>
+        <p:spPr>
+          <a:xfrm>
+            <a:off x="6477000" y="3124200"/>
+            <a:ext cx="2438400" cy="609600"/>
+          </a:xfrm>
+          <a:prstGeom prst="wedgeRoundRectCallout">
+            <a:avLst/>
+          </a:prstGeom>
+        </p:spPr>
+        <p:style>
+          <a:lnRef idx="1">
+            <a:schemeClr val="accent5"/>
+          </a:lnRef>
+          <a:fillRef idx="2">
+            <a:schemeClr val="accent5"/>
+          </a:fillRef>
+          <a:effectRef idx="1">
+            <a:schemeClr val="accent5"/>
+          </a:effectRef>
+          <a:fontRef idx="minor">
+            <a:schemeClr val="dk1"/>
+          </a:fontRef>
+        </p:style>
+        <p:txBody>
+          <a:bodyPr rtlCol="0" anchor="ctr"/>
+          <a:lstStyle/>
+          <a:p>
+            <a:pPr algn="ctr"/>
+            <a:r>
+              <a:rPr lang="en-US" dirty="0" smtClean="0"/>
+              <a:t>“Render the output”</a:t>
+            </a:r>
+            <a:endParaRPr lang="en-US" dirty="0"/>
+          </a:p>
+        </p:txBody>
+      </p:sp>
+      <p:sp>
+        <p:nvSpPr>
+          <p:cNvPr id="10" name="Rounded Rectangle 9"/>
+          <p:cNvSpPr/>
+          <p:nvPr/>
+        </p:nvSpPr>
+        <p:spPr>
+          <a:xfrm>
+            <a:off x="990600" y="5791200"/>
+            <a:ext cx="6527800" cy="685800"/>
+          </a:xfrm>
+          <a:prstGeom prst="roundRect">
+            <a:avLst/>
+          </a:prstGeom>
+        </p:spPr>
+        <p:style>
+          <a:lnRef idx="1">
+            <a:schemeClr val="accent3"/>
+          </a:lnRef>
+          <a:fillRef idx="2">
+            <a:schemeClr val="accent3"/>
+          </a:fillRef>
+          <a:effectRef idx="1">
+            <a:schemeClr val="accent3"/>
+          </a:effectRef>
+          <a:fontRef idx="minor">
+            <a:schemeClr val="dk1"/>
+          </a:fontRef>
+        </p:style>
+        <p:txBody>
+          <a:bodyPr rtlCol="0" anchor="ctr"/>
+          <a:lstStyle/>
+          <a:p>
+            <a:pPr algn="ctr"/>
+            <a:r>
+              <a:rPr lang="en-US" dirty="0" err="1" smtClean="0"/>
+              <a:t>IFubuRequest</a:t>
+            </a:r>
+            <a:endParaRPr lang="en-US" dirty="0"/>
+          </a:p>
+        </p:txBody>
+      </p:sp>
+      <p:cxnSp>
+        <p:nvCxnSpPr>
+          <p:cNvPr id="11" name="Straight Arrow Connector 10"/>
+          <p:cNvCxnSpPr/>
+          <p:nvPr/>
+        </p:nvCxnSpPr>
+        <p:spPr>
+          <a:xfrm>
+            <a:off x="2819400" y="4639654"/>
+            <a:ext cx="431800" cy="1143000"/>
+          </a:xfrm>
+          <a:prstGeom prst="straightConnector1">
+            <a:avLst/>
+          </a:prstGeom>
+          <a:ln w="28575">
+            <a:solidFill>
+              <a:schemeClr val="accent4">
+                <a:lumMod val="60000"/>
+                <a:lumOff val="40000"/>
+              </a:schemeClr>
+            </a:solidFill>
+            <a:prstDash val="dash"/>
+            <a:tailEnd type="arrow"/>
+          </a:ln>
+        </p:spPr>
+        <p:style>
+          <a:lnRef idx="1">
+            <a:schemeClr val="accent1"/>
+          </a:lnRef>
+          <a:fillRef idx="0">
+            <a:schemeClr val="accent1"/>
+          </a:fillRef>
+          <a:effectRef idx="0">
+            <a:schemeClr val="accent1"/>
+          </a:effectRef>
+          <a:fontRef idx="minor">
+            <a:schemeClr val="tx1"/>
+          </a:fontRef>
+        </p:style>
+      </p:cxnSp>
+      <p:sp>
+        <p:nvSpPr>
+          <p:cNvPr id="9" name="Rectangle 8"/>
+          <p:cNvSpPr/>
+          <p:nvPr/>
+        </p:nvSpPr>
+        <p:spPr>
+          <a:xfrm>
+            <a:off x="381000" y="5377439"/>
+            <a:ext cx="2566728" cy="276999"/>
           </a:xfrm>
           <a:prstGeom prst="rect">
             <a:avLst/>
           </a:prstGeom>
         </p:spPr>
-        <p:txBody>
-          <a:bodyPr vert="horz" lIns="91440" tIns="45720" rIns="91440" bIns="45720" rtlCol="0">
-            <a:normAutofit/>
+        <p:style>
+          <a:lnRef idx="1">
+            <a:schemeClr val="accent5"/>
+          </a:lnRef>
+          <a:fillRef idx="2">
+            <a:schemeClr val="accent5"/>
+          </a:fillRef>
+          <a:effectRef idx="1">
+            <a:schemeClr val="accent5"/>
+          </a:effectRef>
+          <a:fontRef idx="minor">
+            <a:schemeClr val="dk1"/>
+          </a:fontRef>
+        </p:style>
+        <p:txBody>
+          <a:bodyPr wrap="none">
+            <a:spAutoFit/>
           </a:bodyPr>
-          <a:lstStyle>
-            <a:lvl1pPr marL="342900" indent="-342900" algn="l" defTabSz="914400" rtl="0" eaLnBrk="1" latinLnBrk="0" hangingPunct="1">
-              <a:spcBef>
-                <a:spcPct val="20000"/>
-              </a:spcBef>
-              <a:buClr>
-                <a:schemeClr val="accent1"/>
-              </a:buClr>
-              <a:buSzPct val="75000"/>
-              <a:buFont typeface="Wingdings" pitchFamily="2" charset="2"/>
-              <a:buChar char=""/>
-              <a:defRPr sz="2400" kern="1200">
-                <a:solidFill>
-                  <a:schemeClr val="tx2"/>
-                </a:solidFill>
-                <a:latin typeface="+mn-lt"/>
-                <a:ea typeface="+mn-ea"/>
-                <a:cs typeface="+mn-cs"/>
-              </a:defRPr>
-            </a:lvl1pPr>
-            <a:lvl2pPr marL="742950" indent="-285750" algn="l" defTabSz="914400" rtl="0" eaLnBrk="1" latinLnBrk="0" hangingPunct="1">
-              <a:spcBef>
-                <a:spcPct val="20000"/>
-              </a:spcBef>
-              <a:buClr>
-                <a:schemeClr val="accent2"/>
-              </a:buClr>
-              <a:buSzPct val="85000"/>
-              <a:buFont typeface="Courier New" pitchFamily="49" charset="0"/>
-              <a:buChar char="o"/>
-              <a:defRPr sz="2000" kern="1200">
-                <a:solidFill>
-                  <a:schemeClr val="tx2"/>
-                </a:solidFill>
-                <a:latin typeface="+mn-lt"/>
-                <a:ea typeface="+mn-ea"/>
-                <a:cs typeface="+mn-cs"/>
-              </a:defRPr>
-            </a:lvl2pPr>
-            <a:lvl3pPr marL="1143000" indent="-228600" algn="l" defTabSz="914400" rtl="0" eaLnBrk="1" latinLnBrk="0" hangingPunct="1">
-              <a:spcBef>
-                <a:spcPct val="20000"/>
-              </a:spcBef>
-              <a:buClr>
-                <a:schemeClr val="accent3"/>
-              </a:buClr>
-              <a:buFont typeface="Arial" pitchFamily="34" charset="0"/>
-              <a:buChar char="•"/>
-              <a:defRPr sz="1800" kern="1200">
-                <a:solidFill>
-                  <a:schemeClr val="tx2"/>
-                </a:solidFill>
-                <a:latin typeface="+mn-lt"/>
-                <a:ea typeface="+mn-ea"/>
-                <a:cs typeface="+mn-cs"/>
-              </a:defRPr>
-            </a:lvl3pPr>
-            <a:lvl4pPr marL="1600200" indent="-228600" algn="l" defTabSz="914400" rtl="0" eaLnBrk="1" latinLnBrk="0" hangingPunct="1">
-              <a:spcBef>
-                <a:spcPct val="20000"/>
-              </a:spcBef>
-              <a:buClr>
-                <a:schemeClr val="accent4"/>
-              </a:buClr>
-              <a:buFont typeface="Arial" pitchFamily="34" charset="0"/>
-              <a:buChar char="•"/>
-              <a:defRPr sz="1600" kern="1200">
-                <a:solidFill>
-                  <a:schemeClr val="tx2"/>
-                </a:solidFill>
-                <a:latin typeface="+mn-lt"/>
-                <a:ea typeface="+mn-ea"/>
-                <a:cs typeface="+mn-cs"/>
-              </a:defRPr>
-            </a:lvl4pPr>
-            <a:lvl5pPr marL="2057400" indent="-228600" algn="l" defTabSz="914400" rtl="0" eaLnBrk="1" latinLnBrk="0" hangingPunct="1">
-              <a:spcBef>
-                <a:spcPct val="20000"/>
-              </a:spcBef>
-              <a:buClr>
-                <a:schemeClr val="accent5"/>
-              </a:buClr>
-              <a:buFont typeface="Arial" pitchFamily="34" charset="0"/>
-              <a:buChar char="•"/>
-              <a:defRPr sz="1400" kern="1200" baseline="0">
-                <a:solidFill>
-                  <a:schemeClr val="tx2"/>
-                </a:solidFill>
-                <a:latin typeface="+mn-lt"/>
-                <a:ea typeface="+mn-ea"/>
-                <a:cs typeface="+mn-cs"/>
-              </a:defRPr>
-            </a:lvl5pPr>
-            <a:lvl6pPr marL="2514600" indent="-228600" algn="l" defTabSz="914400" rtl="0" eaLnBrk="1" latinLnBrk="0" hangingPunct="1">
-              <a:spcBef>
-                <a:spcPct val="20000"/>
-              </a:spcBef>
-              <a:buClr>
-                <a:schemeClr val="accent6"/>
-              </a:buClr>
-              <a:buFont typeface="Arial" pitchFamily="34" charset="0"/>
-              <a:buChar char="•"/>
-              <a:defRPr sz="1400" kern="1200">
-                <a:solidFill>
-                  <a:schemeClr val="tx2"/>
-                </a:solidFill>
-                <a:latin typeface="+mn-lt"/>
-                <a:ea typeface="+mn-ea"/>
-                <a:cs typeface="+mn-cs"/>
-              </a:defRPr>
-            </a:lvl6pPr>
-            <a:lvl7pPr marL="2971800" indent="-228600" algn="l" defTabSz="914400" rtl="0" eaLnBrk="1" latinLnBrk="0" hangingPunct="1">
-              <a:spcBef>
-                <a:spcPct val="20000"/>
-              </a:spcBef>
-              <a:buClr>
-                <a:schemeClr val="accent1"/>
-              </a:buClr>
-              <a:buFont typeface="Arial" pitchFamily="34" charset="0"/>
-              <a:buChar char="•"/>
-              <a:defRPr sz="1400" kern="1200">
-                <a:solidFill>
-                  <a:schemeClr val="tx2"/>
-                </a:solidFill>
-                <a:latin typeface="+mn-lt"/>
-                <a:ea typeface="+mn-ea"/>
-                <a:cs typeface="+mn-cs"/>
-              </a:defRPr>
-            </a:lvl7pPr>
-            <a:lvl8pPr marL="3429000" indent="-228600" algn="l" defTabSz="914400" rtl="0" eaLnBrk="1" latinLnBrk="0" hangingPunct="1">
-              <a:spcBef>
-                <a:spcPct val="20000"/>
-              </a:spcBef>
-              <a:buClr>
-                <a:schemeClr val="accent4"/>
-              </a:buClr>
-              <a:buFont typeface="Arial" pitchFamily="34" charset="0"/>
-              <a:buChar char="•"/>
-              <a:defRPr sz="1400" kern="1200">
-                <a:solidFill>
-                  <a:schemeClr val="tx2"/>
-                </a:solidFill>
-                <a:latin typeface="+mn-lt"/>
-                <a:ea typeface="+mn-ea"/>
-                <a:cs typeface="+mn-cs"/>
-              </a:defRPr>
-            </a:lvl8pPr>
-            <a:lvl9pPr marL="3886200" indent="-228600" algn="l" defTabSz="914400" rtl="0" eaLnBrk="1" latinLnBrk="0" hangingPunct="1">
-              <a:spcBef>
-                <a:spcPct val="20000"/>
-              </a:spcBef>
-              <a:buClr>
-                <a:schemeClr val="accent5"/>
-              </a:buClr>
-              <a:buFont typeface="Arial" pitchFamily="34" charset="0"/>
-              <a:buChar char="•"/>
-              <a:defRPr sz="1400" kern="1200">
-                <a:solidFill>
-                  <a:schemeClr val="tx2"/>
-                </a:solidFill>
-                <a:latin typeface="+mn-lt"/>
-                <a:ea typeface="+mn-ea"/>
-                <a:cs typeface="+mn-cs"/>
-              </a:defRPr>
-            </a:lvl9pPr>
-          </a:lstStyle>
-          <a:p>
+          <a:lstStyle/>
+          <a:p>
+            <a:pPr algn="ctr"/>
+            <a:r>
+              <a:rPr lang="en-US" sz="1200" dirty="0" smtClean="0"/>
+              <a:t>“…and </a:t>
+            </a:r>
+            <a:r>
+              <a:rPr lang="en-US" sz="1200" dirty="0"/>
+              <a:t>put the return value in here”</a:t>
+            </a:r>
+          </a:p>
+        </p:txBody>
+      </p:sp>
+      <p:cxnSp>
+        <p:nvCxnSpPr>
+          <p:cNvPr id="18" name="Straight Arrow Connector 17"/>
+          <p:cNvCxnSpPr>
+            <a:stCxn id="15" idx="2"/>
+          </p:cNvCxnSpPr>
+          <p:nvPr/>
+        </p:nvCxnSpPr>
+        <p:spPr>
+          <a:xfrm flipH="1">
+            <a:off x="5384800" y="4648200"/>
+            <a:ext cx="812800" cy="1120923"/>
+          </a:xfrm>
+          <a:prstGeom prst="straightConnector1">
+            <a:avLst/>
+          </a:prstGeom>
+          <a:ln w="28575">
+            <a:solidFill>
+              <a:schemeClr val="accent4">
+                <a:lumMod val="60000"/>
+                <a:lumOff val="40000"/>
+              </a:schemeClr>
+            </a:solidFill>
+            <a:prstDash val="dash"/>
+            <a:tailEnd type="arrow"/>
+          </a:ln>
+        </p:spPr>
+        <p:style>
+          <a:lnRef idx="1">
+            <a:schemeClr val="accent1"/>
+          </a:lnRef>
+          <a:fillRef idx="0">
+            <a:schemeClr val="accent1"/>
+          </a:fillRef>
+          <a:effectRef idx="0">
+            <a:schemeClr val="accent1"/>
+          </a:effectRef>
+          <a:fontRef idx="minor">
+            <a:schemeClr val="tx1"/>
+          </a:fontRef>
+        </p:style>
+      </p:cxnSp>
+      <p:sp>
+        <p:nvSpPr>
+          <p:cNvPr id="20" name="Rectangle 19"/>
+          <p:cNvSpPr/>
+          <p:nvPr/>
+        </p:nvSpPr>
+        <p:spPr>
+          <a:xfrm>
+            <a:off x="5866549" y="5372099"/>
+            <a:ext cx="2286203" cy="276999"/>
+          </a:xfrm>
+          <a:prstGeom prst="rect">
+            <a:avLst/>
+          </a:prstGeom>
+        </p:spPr>
+        <p:style>
+          <a:lnRef idx="1">
+            <a:schemeClr val="accent5"/>
+          </a:lnRef>
+          <a:fillRef idx="2">
+            <a:schemeClr val="accent5"/>
+          </a:fillRef>
+          <a:effectRef idx="1">
+            <a:schemeClr val="accent5"/>
+          </a:effectRef>
+          <a:fontRef idx="minor">
+            <a:schemeClr val="dk1"/>
+          </a:fontRef>
+        </p:style>
+        <p:txBody>
+          <a:bodyPr wrap="none">
+            <a:spAutoFit/>
+          </a:bodyPr>
+          <a:lstStyle/>
+          <a:p>
+            <a:pPr algn="ctr"/>
+            <a:r>
+              <a:rPr lang="en-US" sz="1200" dirty="0" smtClean="0"/>
+              <a:t>“Get the data from here and…”</a:t>
+            </a:r>
+            <a:endParaRPr lang="en-US" sz="1200" dirty="0"/>
+          </a:p>
+        </p:txBody>
+      </p:sp>
+      <p:sp>
+        <p:nvSpPr>
+          <p:cNvPr id="16" name="Rounded Rectangular Callout 15"/>
+          <p:cNvSpPr/>
+          <p:nvPr/>
+        </p:nvSpPr>
+        <p:spPr>
+          <a:xfrm>
+            <a:off x="3754284" y="2514600"/>
+            <a:ext cx="2438400" cy="609600"/>
+          </a:xfrm>
+          <a:prstGeom prst="wedgeRoundRectCallout">
+            <a:avLst/>
+          </a:prstGeom>
+        </p:spPr>
+        <p:style>
+          <a:lnRef idx="1">
+            <a:schemeClr val="accent1"/>
+          </a:lnRef>
+          <a:fillRef idx="2">
+            <a:schemeClr val="accent1"/>
+          </a:fillRef>
+          <a:effectRef idx="1">
+            <a:schemeClr val="accent1"/>
+          </a:effectRef>
+          <a:fontRef idx="minor">
+            <a:schemeClr val="dk1"/>
+          </a:fontRef>
+        </p:style>
+        <p:txBody>
+          <a:bodyPr rtlCol="0" anchor="ctr"/>
+          <a:lstStyle/>
+          <a:p>
+            <a:pPr algn="ctr"/>
             <a:r>
               <a:rPr lang="en-US" dirty="0" smtClean="0"/>
-              <a:t>Configuration:</a:t>
-            </a:r>
-          </a:p>
-          <a:p>
-            <a:pPr lvl="1"/>
-            <a:r>
-              <a:rPr lang="en-US" dirty="0" err="1" smtClean="0"/>
-              <a:t>BehaviorChain</a:t>
-            </a:r>
-            <a:endParaRPr lang="en-US" dirty="0" smtClean="0"/>
-          </a:p>
-          <a:p>
-            <a:pPr lvl="1"/>
-            <a:r>
-              <a:rPr lang="en-US" dirty="0" err="1" smtClean="0"/>
-              <a:t>BehaviorNode</a:t>
-            </a:r>
-            <a:endParaRPr lang="en-US" dirty="0" smtClean="0"/>
-          </a:p>
-          <a:p>
-            <a:pPr lvl="1"/>
-            <a:endParaRPr lang="en-US" dirty="0" smtClean="0"/>
-          </a:p>
-          <a:p>
-            <a:r>
-              <a:rPr lang="en-US" dirty="0" smtClean="0"/>
-              <a:t>Runtime:</a:t>
-            </a:r>
-          </a:p>
-          <a:p>
-            <a:pPr lvl="1"/>
-            <a:r>
-              <a:rPr lang="en-US" dirty="0" err="1" smtClean="0"/>
-              <a:t>IActionBehavior</a:t>
-            </a:r>
-            <a:endParaRPr lang="en-US" dirty="0" smtClean="0"/>
-          </a:p>
-        </p:txBody>
-      </p:sp>
+              <a:t>Insert magic here</a:t>
+            </a:r>
+            <a:endParaRPr lang="en-US" dirty="0"/>
+          </a:p>
+        </p:txBody>
+      </p:sp>
+      <p:cxnSp>
+        <p:nvCxnSpPr>
+          <p:cNvPr id="17" name="Straight Arrow Connector 16"/>
+          <p:cNvCxnSpPr/>
+          <p:nvPr/>
+        </p:nvCxnSpPr>
+        <p:spPr>
+          <a:xfrm flipH="1">
+            <a:off x="4343400" y="3254432"/>
+            <a:ext cx="223684" cy="936568"/>
+          </a:xfrm>
+          <a:prstGeom prst="straightConnector1">
+            <a:avLst/>
+          </a:prstGeom>
+          <a:ln w="28575">
+            <a:solidFill>
+              <a:schemeClr val="accent4">
+                <a:lumMod val="60000"/>
+                <a:lumOff val="40000"/>
+              </a:schemeClr>
+            </a:solidFill>
+            <a:prstDash val="dash"/>
+            <a:tailEnd type="arrow"/>
+          </a:ln>
+        </p:spPr>
+        <p:style>
+          <a:lnRef idx="1">
+            <a:schemeClr val="accent1"/>
+          </a:lnRef>
+          <a:fillRef idx="0">
+            <a:schemeClr val="accent1"/>
+          </a:fillRef>
+          <a:effectRef idx="0">
+            <a:schemeClr val="accent1"/>
+          </a:effectRef>
+          <a:fontRef idx="minor">
+            <a:schemeClr val="tx1"/>
+          </a:fontRef>
+        </p:style>
+      </p:cxnSp>
     </p:spTree>
     <p:extLst>
       <p:ext uri="{BB962C8B-B14F-4D97-AF65-F5344CB8AC3E}">
-        <p14:creationId xmlns:p14="http://schemas.microsoft.com/office/powerpoint/2010/main" val="103504404"/>
+        <p14:creationId xmlns:p14="http://schemas.microsoft.com/office/powerpoint/2010/main" val="4088524461"/>
       </p:ext>
     </p:extLst>
   </p:cSld>
@@ -12752,7 +13000,7 @@
           <a:p>
             <a:r>
               <a:rPr lang="en-US" sz="4000" dirty="0" smtClean="0"/>
-              <a:t>One More Time</a:t>
+              <a:t>Runtime: Russian Dolls</a:t>
             </a:r>
             <a:endParaRPr lang="en-US" sz="4000" dirty="0"/>
           </a:p>
@@ -13041,213 +13289,50 @@
           <a:p>
             <a:r>
               <a:rPr lang="en-US" dirty="0" smtClean="0"/>
-              <a:t>Configuration:</a:t>
-            </a:r>
-          </a:p>
-        </p:txBody>
-      </p:sp>
-      <p:sp>
-        <p:nvSpPr>
-          <p:cNvPr id="6" name="Rounded Rectangle 5"/>
-          <p:cNvSpPr/>
-          <p:nvPr/>
-        </p:nvSpPr>
-        <p:spPr>
-          <a:xfrm>
-            <a:off x="1303946" y="3663297"/>
-            <a:ext cx="1447800" cy="685800"/>
-          </a:xfrm>
-          <a:prstGeom prst="roundRect">
-            <a:avLst/>
-          </a:prstGeom>
-        </p:spPr>
-        <p:style>
-          <a:lnRef idx="1">
-            <a:schemeClr val="accent1"/>
-          </a:lnRef>
-          <a:fillRef idx="3">
-            <a:schemeClr val="accent1"/>
-          </a:fillRef>
-          <a:effectRef idx="2">
-            <a:schemeClr val="accent1"/>
-          </a:effectRef>
-          <a:fontRef idx="minor">
-            <a:schemeClr val="lt1"/>
-          </a:fontRef>
-        </p:style>
-        <p:txBody>
-          <a:bodyPr rtlCol="0" anchor="ctr"/>
-          <a:lstStyle/>
-          <a:p>
-            <a:pPr algn="ctr"/>
+              <a:t>Full control over execution of next behavior</a:t>
+            </a:r>
+            <a:endParaRPr lang="en-US" dirty="0"/>
+          </a:p>
+          <a:p>
+            <a:pPr lvl="1"/>
             <a:r>
               <a:rPr lang="en-US" dirty="0" smtClean="0"/>
-              <a:t>Node 1</a:t>
-            </a:r>
-            <a:endParaRPr lang="en-US" dirty="0"/>
-          </a:p>
-        </p:txBody>
-      </p:sp>
-      <p:sp>
-        <p:nvSpPr>
-          <p:cNvPr id="8" name="Rounded Rectangle 7"/>
-          <p:cNvSpPr/>
-          <p:nvPr/>
-        </p:nvSpPr>
-        <p:spPr>
-          <a:xfrm>
-            <a:off x="3589946" y="3663297"/>
-            <a:ext cx="1447800" cy="685800"/>
-          </a:xfrm>
-          <a:prstGeom prst="roundRect">
-            <a:avLst/>
-          </a:prstGeom>
-        </p:spPr>
-        <p:style>
-          <a:lnRef idx="1">
-            <a:schemeClr val="accent1"/>
-          </a:lnRef>
-          <a:fillRef idx="3">
-            <a:schemeClr val="accent1"/>
-          </a:fillRef>
-          <a:effectRef idx="2">
-            <a:schemeClr val="accent1"/>
-          </a:effectRef>
-          <a:fontRef idx="minor">
-            <a:schemeClr val="lt1"/>
-          </a:fontRef>
-        </p:style>
-        <p:txBody>
-          <a:bodyPr rtlCol="0" anchor="ctr"/>
-          <a:lstStyle/>
-          <a:p>
-            <a:pPr algn="ctr"/>
+              <a:t>Transactions</a:t>
+            </a:r>
+          </a:p>
+          <a:p>
+            <a:pPr lvl="1"/>
             <a:r>
               <a:rPr lang="en-US" dirty="0" smtClean="0"/>
-              <a:t>Node 2</a:t>
-            </a:r>
-            <a:endParaRPr lang="en-US" dirty="0"/>
-          </a:p>
-        </p:txBody>
-      </p:sp>
-      <p:sp>
-        <p:nvSpPr>
-          <p:cNvPr id="9" name="Rounded Rectangle 8"/>
-          <p:cNvSpPr/>
-          <p:nvPr/>
-        </p:nvSpPr>
-        <p:spPr>
-          <a:xfrm>
-            <a:off x="6028346" y="3657600"/>
-            <a:ext cx="1447800" cy="685800"/>
-          </a:xfrm>
-          <a:prstGeom prst="roundRect">
-            <a:avLst/>
-          </a:prstGeom>
-        </p:spPr>
-        <p:style>
-          <a:lnRef idx="1">
-            <a:schemeClr val="accent1"/>
-          </a:lnRef>
-          <a:fillRef idx="3">
-            <a:schemeClr val="accent1"/>
-          </a:fillRef>
-          <a:effectRef idx="2">
-            <a:schemeClr val="accent1"/>
-          </a:effectRef>
-          <a:fontRef idx="minor">
-            <a:schemeClr val="lt1"/>
-          </a:fontRef>
-        </p:style>
-        <p:txBody>
-          <a:bodyPr rtlCol="0" anchor="ctr"/>
-          <a:lstStyle/>
-          <a:p>
-            <a:pPr algn="ctr"/>
+              <a:t>Using statements</a:t>
+            </a:r>
+          </a:p>
+          <a:p>
+            <a:pPr lvl="1"/>
             <a:r>
               <a:rPr lang="en-US" dirty="0" smtClean="0"/>
-              <a:t>Node 3</a:t>
-            </a:r>
-            <a:endParaRPr lang="en-US" dirty="0"/>
-          </a:p>
-        </p:txBody>
-      </p:sp>
-      <p:cxnSp>
-        <p:nvCxnSpPr>
-          <p:cNvPr id="10" name="Straight Arrow Connector 9"/>
-          <p:cNvCxnSpPr>
-            <a:stCxn id="6" idx="3"/>
-            <a:endCxn id="8" idx="1"/>
-          </p:cNvCxnSpPr>
-          <p:nvPr/>
-        </p:nvCxnSpPr>
-        <p:spPr>
-          <a:xfrm>
-            <a:off x="2751746" y="4006197"/>
-            <a:ext cx="838200" cy="0"/>
-          </a:xfrm>
-          <a:prstGeom prst="straightConnector1">
-            <a:avLst/>
-          </a:prstGeom>
-          <a:ln w="25400">
-            <a:tailEnd type="arrow"/>
-          </a:ln>
-        </p:spPr>
-        <p:style>
-          <a:lnRef idx="3">
-            <a:schemeClr val="accent2"/>
-          </a:lnRef>
-          <a:fillRef idx="0">
-            <a:schemeClr val="accent2"/>
-          </a:fillRef>
-          <a:effectRef idx="2">
-            <a:schemeClr val="accent2"/>
-          </a:effectRef>
-          <a:fontRef idx="minor">
-            <a:schemeClr val="tx1"/>
-          </a:fontRef>
-        </p:style>
-      </p:cxnSp>
-      <p:cxnSp>
-        <p:nvCxnSpPr>
-          <p:cNvPr id="11" name="Straight Arrow Connector 10"/>
-          <p:cNvCxnSpPr>
-            <a:stCxn id="8" idx="3"/>
-            <a:endCxn id="9" idx="1"/>
-          </p:cNvCxnSpPr>
-          <p:nvPr/>
-        </p:nvCxnSpPr>
-        <p:spPr>
-          <a:xfrm flipV="1">
-            <a:off x="5037746" y="4000500"/>
-            <a:ext cx="990600" cy="5697"/>
-          </a:xfrm>
-          <a:prstGeom prst="straightConnector1">
-            <a:avLst/>
-          </a:prstGeom>
-          <a:ln w="25400">
-            <a:tailEnd type="arrow"/>
-          </a:ln>
-        </p:spPr>
-        <p:style>
-          <a:lnRef idx="3">
-            <a:schemeClr val="accent2"/>
-          </a:lnRef>
-          <a:fillRef idx="0">
-            <a:schemeClr val="accent2"/>
-          </a:fillRef>
-          <a:effectRef idx="2">
-            <a:schemeClr val="accent2"/>
-          </a:effectRef>
-          <a:fontRef idx="minor">
-            <a:schemeClr val="tx1"/>
-          </a:fontRef>
-        </p:style>
-      </p:cxnSp>
+              <a:t>Etc.</a:t>
+            </a:r>
+          </a:p>
+          <a:p>
+            <a:r>
+              <a:rPr lang="en-US" dirty="0" smtClean="0"/>
+              <a:t>You can decide not to execute the next</a:t>
+            </a:r>
+          </a:p>
+          <a:p>
+            <a:pPr lvl="1"/>
+            <a:r>
+              <a:rPr lang="en-US" dirty="0" smtClean="0"/>
+              <a:t>You can even decide to do something else instead</a:t>
+            </a:r>
+          </a:p>
+        </p:txBody>
+      </p:sp>
     </p:spTree>
     <p:extLst>
       <p:ext uri="{BB962C8B-B14F-4D97-AF65-F5344CB8AC3E}">
-        <p14:creationId xmlns:p14="http://schemas.microsoft.com/office/powerpoint/2010/main" val="4046510039"/>
+        <p14:creationId xmlns:p14="http://schemas.microsoft.com/office/powerpoint/2010/main" val="3322426754"/>
       </p:ext>
     </p:extLst>
   </p:cSld>
@@ -13305,7 +13390,7 @@
           <a:p>
             <a:r>
               <a:rPr lang="en-US" sz="4000" dirty="0" smtClean="0"/>
-              <a:t>One More Time</a:t>
+              <a:t>Models/Terminology</a:t>
             </a:r>
             <a:endParaRPr lang="en-US" sz="4000" dirty="0"/>
           </a:p>
@@ -13594,330 +13679,49 @@
           <a:p>
             <a:r>
               <a:rPr lang="en-US" dirty="0" smtClean="0"/>
+              <a:t>Configuration:</a:t>
+            </a:r>
+          </a:p>
+          <a:p>
+            <a:pPr lvl="1"/>
+            <a:r>
+              <a:rPr lang="en-US" dirty="0" err="1" smtClean="0"/>
+              <a:t>BehaviorChain</a:t>
+            </a:r>
+            <a:endParaRPr lang="en-US" dirty="0" smtClean="0"/>
+          </a:p>
+          <a:p>
+            <a:pPr lvl="1"/>
+            <a:r>
+              <a:rPr lang="en-US" dirty="0" err="1" smtClean="0"/>
+              <a:t>BehaviorNode</a:t>
+            </a:r>
+            <a:endParaRPr lang="en-US" dirty="0" smtClean="0"/>
+          </a:p>
+          <a:p>
+            <a:pPr lvl="1"/>
+            <a:endParaRPr lang="en-US" dirty="0" smtClean="0"/>
+          </a:p>
+          <a:p>
+            <a:r>
+              <a:rPr lang="en-US" dirty="0" smtClean="0"/>
               <a:t>Runtime:</a:t>
             </a:r>
           </a:p>
-        </p:txBody>
-      </p:sp>
-      <p:sp>
-        <p:nvSpPr>
-          <p:cNvPr id="12" name="Oval 11"/>
-          <p:cNvSpPr/>
-          <p:nvPr/>
-        </p:nvSpPr>
-        <p:spPr>
-          <a:xfrm>
-            <a:off x="1981200" y="1905000"/>
-            <a:ext cx="5181600" cy="4800600"/>
-          </a:xfrm>
-          <a:prstGeom prst="ellipse">
-            <a:avLst/>
-          </a:prstGeom>
-        </p:spPr>
-        <p:style>
-          <a:lnRef idx="1">
-            <a:schemeClr val="accent1"/>
-          </a:lnRef>
-          <a:fillRef idx="3">
-            <a:schemeClr val="accent1"/>
-          </a:fillRef>
-          <a:effectRef idx="2">
-            <a:schemeClr val="accent1"/>
-          </a:effectRef>
-          <a:fontRef idx="minor">
-            <a:schemeClr val="lt1"/>
-          </a:fontRef>
-        </p:style>
-        <p:txBody>
-          <a:bodyPr rtlCol="0" anchor="ctr"/>
-          <a:lstStyle/>
-          <a:p>
-            <a:pPr algn="ctr"/>
-            <a:r>
-              <a:rPr lang="en-US" sz="1600" b="1" dirty="0" smtClean="0"/>
-              <a:t>Node 1</a:t>
-            </a:r>
-          </a:p>
-          <a:p>
-            <a:pPr algn="ctr"/>
-            <a:endParaRPr lang="en-US" sz="1600" b="1" dirty="0"/>
-          </a:p>
-          <a:p>
-            <a:pPr algn="ctr"/>
-            <a:endParaRPr lang="en-US" sz="1600" b="1" dirty="0" smtClean="0"/>
-          </a:p>
-          <a:p>
-            <a:pPr algn="ctr"/>
-            <a:endParaRPr lang="en-US" sz="1600" b="1" dirty="0"/>
-          </a:p>
-          <a:p>
-            <a:pPr algn="ctr"/>
-            <a:endParaRPr lang="en-US" sz="1600" b="1" dirty="0" smtClean="0"/>
-          </a:p>
-          <a:p>
-            <a:pPr algn="ctr"/>
-            <a:endParaRPr lang="en-US" sz="1600" b="1" dirty="0"/>
-          </a:p>
-          <a:p>
-            <a:pPr algn="ctr"/>
-            <a:endParaRPr lang="en-US" sz="1600" b="1" dirty="0" smtClean="0"/>
-          </a:p>
-          <a:p>
-            <a:pPr algn="ctr"/>
-            <a:endParaRPr lang="en-US" sz="1600" b="1" dirty="0"/>
-          </a:p>
-          <a:p>
-            <a:pPr algn="ctr"/>
-            <a:endParaRPr lang="en-US" sz="1600" b="1" dirty="0" smtClean="0"/>
-          </a:p>
-          <a:p>
-            <a:pPr algn="ctr"/>
-            <a:endParaRPr lang="en-US" sz="1600" b="1" dirty="0"/>
-          </a:p>
-          <a:p>
-            <a:pPr algn="ctr"/>
-            <a:endParaRPr lang="en-US" sz="1600" b="1" dirty="0" smtClean="0"/>
-          </a:p>
-          <a:p>
-            <a:pPr algn="ctr"/>
-            <a:endParaRPr lang="en-US" sz="1600" b="1" dirty="0"/>
-          </a:p>
-          <a:p>
-            <a:pPr algn="ctr"/>
-            <a:endParaRPr lang="en-US" sz="1600" b="1" dirty="0" smtClean="0"/>
-          </a:p>
-          <a:p>
-            <a:pPr algn="ctr"/>
-            <a:endParaRPr lang="en-US" sz="1600" b="1" dirty="0"/>
-          </a:p>
-          <a:p>
-            <a:pPr algn="ctr"/>
-            <a:endParaRPr lang="en-US" sz="1600" b="1" dirty="0" smtClean="0"/>
-          </a:p>
-          <a:p>
-            <a:pPr algn="ctr"/>
-            <a:endParaRPr lang="en-US" sz="1600" b="1" dirty="0"/>
-          </a:p>
-          <a:p>
-            <a:pPr algn="ctr"/>
-            <a:endParaRPr lang="en-US" sz="1600" dirty="0" smtClean="0"/>
-          </a:p>
-          <a:p>
-            <a:pPr algn="ctr"/>
-            <a:endParaRPr lang="en-US" sz="1600" dirty="0"/>
-          </a:p>
-        </p:txBody>
-      </p:sp>
-      <p:sp>
-        <p:nvSpPr>
-          <p:cNvPr id="13" name="Oval 12"/>
-          <p:cNvSpPr/>
-          <p:nvPr/>
-        </p:nvSpPr>
-        <p:spPr>
-          <a:xfrm>
-            <a:off x="2438400" y="2743200"/>
-            <a:ext cx="4210050" cy="3962400"/>
-          </a:xfrm>
-          <a:prstGeom prst="ellipse">
-            <a:avLst/>
-          </a:prstGeom>
-        </p:spPr>
-        <p:style>
-          <a:lnRef idx="1">
-            <a:schemeClr val="accent4"/>
-          </a:lnRef>
-          <a:fillRef idx="3">
-            <a:schemeClr val="accent4"/>
-          </a:fillRef>
-          <a:effectRef idx="2">
-            <a:schemeClr val="accent4"/>
-          </a:effectRef>
-          <a:fontRef idx="minor">
-            <a:schemeClr val="lt1"/>
-          </a:fontRef>
-        </p:style>
-        <p:txBody>
-          <a:bodyPr rtlCol="0" anchor="ctr"/>
-          <a:lstStyle/>
-          <a:p>
-            <a:pPr algn="ctr"/>
-            <a:endParaRPr lang="en-US" sz="1600" dirty="0"/>
-          </a:p>
-          <a:p>
-            <a:pPr algn="ctr"/>
-            <a:endParaRPr lang="en-US" sz="1600" dirty="0" smtClean="0"/>
-          </a:p>
-          <a:p>
-            <a:pPr algn="ctr"/>
-            <a:r>
-              <a:rPr lang="en-US" sz="1600" b="1" dirty="0" smtClean="0"/>
-              <a:t>Node 2</a:t>
-            </a:r>
-          </a:p>
-          <a:p>
-            <a:pPr algn="ctr"/>
-            <a:endParaRPr lang="en-US" sz="1600" b="1" dirty="0"/>
-          </a:p>
-          <a:p>
-            <a:pPr algn="ctr"/>
-            <a:endParaRPr lang="en-US" sz="1600" b="1" dirty="0" smtClean="0"/>
-          </a:p>
-          <a:p>
-            <a:pPr algn="ctr"/>
-            <a:endParaRPr lang="en-US" sz="1600" b="1" dirty="0"/>
-          </a:p>
-          <a:p>
-            <a:pPr algn="ctr"/>
-            <a:endParaRPr lang="en-US" sz="1600" b="1" dirty="0" smtClean="0"/>
-          </a:p>
-          <a:p>
-            <a:pPr algn="ctr"/>
-            <a:endParaRPr lang="en-US" sz="1600" b="1" dirty="0"/>
-          </a:p>
-          <a:p>
-            <a:pPr algn="ctr"/>
-            <a:endParaRPr lang="en-US" sz="1600" b="1" dirty="0" smtClean="0"/>
-          </a:p>
-          <a:p>
-            <a:pPr algn="ctr"/>
-            <a:endParaRPr lang="en-US" sz="1600" b="1" dirty="0"/>
-          </a:p>
-          <a:p>
-            <a:pPr algn="ctr"/>
-            <a:endParaRPr lang="en-US" sz="1600" b="1" dirty="0" smtClean="0"/>
-          </a:p>
-          <a:p>
-            <a:pPr algn="ctr"/>
-            <a:endParaRPr lang="en-US" sz="1600" b="1" dirty="0"/>
-          </a:p>
-          <a:p>
-            <a:pPr algn="ctr"/>
-            <a:endParaRPr lang="en-US" sz="1600" b="1" dirty="0" smtClean="0"/>
-          </a:p>
-          <a:p>
-            <a:pPr algn="ctr"/>
-            <a:endParaRPr lang="en-US" sz="1600" b="1" dirty="0" smtClean="0"/>
-          </a:p>
-          <a:p>
-            <a:pPr algn="ctr"/>
-            <a:endParaRPr lang="en-US" sz="1600" dirty="0"/>
-          </a:p>
-          <a:p>
-            <a:pPr algn="ctr"/>
-            <a:endParaRPr lang="en-US" sz="1600" dirty="0" smtClean="0"/>
-          </a:p>
-          <a:p>
-            <a:pPr algn="ctr"/>
-            <a:endParaRPr lang="en-US" sz="1600" dirty="0"/>
-          </a:p>
-          <a:p>
-            <a:pPr algn="ctr"/>
-            <a:endParaRPr lang="en-US" sz="1600" dirty="0" smtClean="0"/>
-          </a:p>
-          <a:p>
-            <a:pPr algn="ctr"/>
-            <a:endParaRPr lang="en-US" sz="1600" dirty="0"/>
-          </a:p>
-        </p:txBody>
-      </p:sp>
-      <p:sp>
-        <p:nvSpPr>
-          <p:cNvPr id="14" name="Oval 13"/>
-          <p:cNvSpPr/>
-          <p:nvPr/>
-        </p:nvSpPr>
-        <p:spPr>
-          <a:xfrm>
-            <a:off x="2819400" y="3478306"/>
-            <a:ext cx="3429000" cy="3227294"/>
-          </a:xfrm>
-          <a:prstGeom prst="ellipse">
-            <a:avLst/>
-          </a:prstGeom>
-        </p:spPr>
-        <p:style>
-          <a:lnRef idx="1">
-            <a:schemeClr val="accent5"/>
-          </a:lnRef>
-          <a:fillRef idx="3">
-            <a:schemeClr val="accent5"/>
-          </a:fillRef>
-          <a:effectRef idx="2">
-            <a:schemeClr val="accent5"/>
-          </a:effectRef>
-          <a:fontRef idx="minor">
-            <a:schemeClr val="lt1"/>
-          </a:fontRef>
-        </p:style>
-        <p:txBody>
-          <a:bodyPr rtlCol="0" anchor="ctr"/>
-          <a:lstStyle/>
-          <a:p>
-            <a:pPr algn="ctr"/>
-            <a:endParaRPr lang="en-US" sz="1600" dirty="0"/>
-          </a:p>
-          <a:p>
-            <a:pPr algn="ctr"/>
-            <a:endParaRPr lang="en-US" sz="1600" dirty="0" smtClean="0"/>
-          </a:p>
-          <a:p>
-            <a:pPr algn="ctr"/>
-            <a:r>
-              <a:rPr lang="en-US" sz="1600" b="1" dirty="0" smtClean="0"/>
-              <a:t>Node 3</a:t>
-            </a:r>
-          </a:p>
-          <a:p>
-            <a:pPr algn="ctr"/>
-            <a:endParaRPr lang="en-US" sz="1600" b="1" dirty="0"/>
-          </a:p>
-          <a:p>
-            <a:pPr algn="ctr"/>
-            <a:endParaRPr lang="en-US" sz="1600" b="1" dirty="0" smtClean="0"/>
-          </a:p>
-          <a:p>
-            <a:pPr algn="ctr"/>
-            <a:endParaRPr lang="en-US" sz="1600" b="1" dirty="0"/>
-          </a:p>
-          <a:p>
-            <a:pPr algn="ctr"/>
-            <a:endParaRPr lang="en-US" sz="1600" b="1" dirty="0" smtClean="0"/>
-          </a:p>
-          <a:p>
-            <a:pPr algn="ctr"/>
-            <a:endParaRPr lang="en-US" sz="1600" b="1" dirty="0"/>
-          </a:p>
-          <a:p>
-            <a:pPr algn="ctr"/>
-            <a:endParaRPr lang="en-US" sz="1600" b="1" dirty="0" smtClean="0"/>
-          </a:p>
-          <a:p>
-            <a:pPr algn="ctr"/>
-            <a:endParaRPr lang="en-US" sz="1600" b="1" dirty="0"/>
-          </a:p>
-          <a:p>
-            <a:pPr algn="ctr"/>
-            <a:endParaRPr lang="en-US" sz="1600" b="1" dirty="0" smtClean="0"/>
-          </a:p>
-          <a:p>
-            <a:pPr algn="ctr"/>
-            <a:endParaRPr lang="en-US" sz="1600" b="1" dirty="0"/>
-          </a:p>
-          <a:p>
-            <a:pPr algn="ctr"/>
-            <a:endParaRPr lang="en-US" sz="1600" b="1" dirty="0" smtClean="0"/>
-          </a:p>
-          <a:p>
-            <a:pPr algn="ctr"/>
-            <a:endParaRPr lang="en-US" sz="1600" b="1" dirty="0" smtClean="0"/>
+          <a:p>
+            <a:pPr lvl="1"/>
+            <a:r>
+              <a:rPr lang="en-US" dirty="0" err="1" smtClean="0"/>
+              <a:t>IActionBehavior</a:t>
+            </a:r>
+            <a:endParaRPr lang="en-US" dirty="0" smtClean="0"/>
           </a:p>
         </p:txBody>
       </p:sp>
     </p:spTree>
     <p:extLst>
       <p:ext uri="{BB962C8B-B14F-4D97-AF65-F5344CB8AC3E}">
-        <p14:creationId xmlns:p14="http://schemas.microsoft.com/office/powerpoint/2010/main" val="718205284"/>
+        <p14:creationId xmlns:p14="http://schemas.microsoft.com/office/powerpoint/2010/main" val="103504404"/>
       </p:ext>
     </p:extLst>
   </p:cSld>
@@ -13975,7 +13779,7 @@
           <a:p>
             <a:r>
               <a:rPr lang="en-US" sz="4000" dirty="0" smtClean="0"/>
-              <a:t>Behavior Chain Construction</a:t>
+              <a:t>One More Time</a:t>
             </a:r>
             <a:endParaRPr lang="en-US" sz="4000" dirty="0"/>
           </a:p>
@@ -14076,7 +13880,7 @@
       </p:pic>
       <p:sp>
         <p:nvSpPr>
-          <p:cNvPr id="12" name="Content Placeholder 2"/>
+          <p:cNvPr id="18" name="Content Placeholder 2"/>
           <p:cNvSpPr txBox="1">
             <a:spLocks/>
           </p:cNvSpPr>
@@ -14263,57 +14067,214 @@
           </a:lstStyle>
           <a:p>
             <a:r>
-              <a:rPr lang="en-US" dirty="0" err="1" smtClean="0"/>
-              <a:t>ActionCalls</a:t>
-            </a:r>
-            <a:r>
               <a:rPr lang="en-US" dirty="0" smtClean="0"/>
-              <a:t> are registered through either of the following:</a:t>
-            </a:r>
-          </a:p>
-          <a:p>
-            <a:pPr marL="0" indent="0">
-              <a:buNone/>
-            </a:pPr>
+              <a:t>Configuration:</a:t>
+            </a:r>
+          </a:p>
+        </p:txBody>
+      </p:sp>
+      <p:sp>
+        <p:nvSpPr>
+          <p:cNvPr id="6" name="Rounded Rectangle 5"/>
+          <p:cNvSpPr/>
+          <p:nvPr/>
+        </p:nvSpPr>
+        <p:spPr>
+          <a:xfrm>
+            <a:off x="1303946" y="3663297"/>
+            <a:ext cx="1447800" cy="685800"/>
+          </a:xfrm>
+          <a:prstGeom prst="roundRect">
+            <a:avLst/>
+          </a:prstGeom>
+        </p:spPr>
+        <p:style>
+          <a:lnRef idx="1">
+            <a:schemeClr val="accent1"/>
+          </a:lnRef>
+          <a:fillRef idx="3">
+            <a:schemeClr val="accent1"/>
+          </a:fillRef>
+          <a:effectRef idx="2">
+            <a:schemeClr val="accent1"/>
+          </a:effectRef>
+          <a:fontRef idx="minor">
+            <a:schemeClr val="lt1"/>
+          </a:fontRef>
+        </p:style>
+        <p:txBody>
+          <a:bodyPr rtlCol="0" anchor="ctr"/>
+          <a:lstStyle/>
+          <a:p>
+            <a:pPr algn="ctr"/>
+            <a:r>
+              <a:rPr lang="en-US" dirty="0" smtClean="0"/>
+              <a:t>Node 1</a:t>
+            </a:r>
             <a:endParaRPr lang="en-US" dirty="0"/>
           </a:p>
-          <a:p>
-            <a:pPr lvl="1"/>
+        </p:txBody>
+      </p:sp>
+      <p:sp>
+        <p:nvSpPr>
+          <p:cNvPr id="8" name="Rounded Rectangle 7"/>
+          <p:cNvSpPr/>
+          <p:nvPr/>
+        </p:nvSpPr>
+        <p:spPr>
+          <a:xfrm>
+            <a:off x="3589946" y="3663297"/>
+            <a:ext cx="1447800" cy="685800"/>
+          </a:xfrm>
+          <a:prstGeom prst="roundRect">
+            <a:avLst/>
+          </a:prstGeom>
+        </p:spPr>
+        <p:style>
+          <a:lnRef idx="1">
+            <a:schemeClr val="accent1"/>
+          </a:lnRef>
+          <a:fillRef idx="3">
+            <a:schemeClr val="accent1"/>
+          </a:fillRef>
+          <a:effectRef idx="2">
+            <a:schemeClr val="accent1"/>
+          </a:effectRef>
+          <a:fontRef idx="minor">
+            <a:schemeClr val="lt1"/>
+          </a:fontRef>
+        </p:style>
+        <p:txBody>
+          <a:bodyPr rtlCol="0" anchor="ctr"/>
+          <a:lstStyle/>
+          <a:p>
+            <a:pPr algn="ctr"/>
             <a:r>
               <a:rPr lang="en-US" dirty="0" smtClean="0"/>
-              <a:t>Conventional discovery (as stated in your </a:t>
-            </a:r>
-            <a:r>
-              <a:rPr lang="en-US" dirty="0" err="1" smtClean="0"/>
-              <a:t>FubuRegistry</a:t>
-            </a:r>
+              <a:t>Node 2</a:t>
+            </a:r>
+            <a:endParaRPr lang="en-US" dirty="0"/>
+          </a:p>
+        </p:txBody>
+      </p:sp>
+      <p:sp>
+        <p:nvSpPr>
+          <p:cNvPr id="9" name="Rounded Rectangle 8"/>
+          <p:cNvSpPr/>
+          <p:nvPr/>
+        </p:nvSpPr>
+        <p:spPr>
+          <a:xfrm>
+            <a:off x="6028346" y="3657600"/>
+            <a:ext cx="1447800" cy="685800"/>
+          </a:xfrm>
+          <a:prstGeom prst="roundRect">
+            <a:avLst/>
+          </a:prstGeom>
+        </p:spPr>
+        <p:style>
+          <a:lnRef idx="1">
+            <a:schemeClr val="accent1"/>
+          </a:lnRef>
+          <a:fillRef idx="3">
+            <a:schemeClr val="accent1"/>
+          </a:fillRef>
+          <a:effectRef idx="2">
+            <a:schemeClr val="accent1"/>
+          </a:effectRef>
+          <a:fontRef idx="minor">
+            <a:schemeClr val="lt1"/>
+          </a:fontRef>
+        </p:style>
+        <p:txBody>
+          <a:bodyPr rtlCol="0" anchor="ctr"/>
+          <a:lstStyle/>
+          <a:p>
+            <a:pPr algn="ctr"/>
             <a:r>
               <a:rPr lang="en-US" dirty="0" smtClean="0"/>
-              <a:t>)</a:t>
-            </a:r>
-          </a:p>
-          <a:p>
-            <a:pPr lvl="1"/>
-            <a:r>
-              <a:rPr lang="en-US" dirty="0" err="1" smtClean="0"/>
-              <a:t>IActionSource</a:t>
-            </a:r>
-            <a:r>
-              <a:rPr lang="en-US" dirty="0" smtClean="0"/>
-              <a:t> implementations registered in your </a:t>
-            </a:r>
-            <a:r>
-              <a:rPr lang="en-US" dirty="0" err="1" smtClean="0"/>
-              <a:t>FubuRegistry</a:t>
-            </a:r>
-            <a:endParaRPr lang="en-US" dirty="0" smtClean="0"/>
-          </a:p>
-        </p:txBody>
-      </p:sp>
+              <a:t>Node 3</a:t>
+            </a:r>
+            <a:endParaRPr lang="en-US" dirty="0"/>
+          </a:p>
+        </p:txBody>
+      </p:sp>
+      <p:cxnSp>
+        <p:nvCxnSpPr>
+          <p:cNvPr id="10" name="Straight Arrow Connector 9"/>
+          <p:cNvCxnSpPr>
+            <a:stCxn id="6" idx="3"/>
+            <a:endCxn id="8" idx="1"/>
+          </p:cNvCxnSpPr>
+          <p:nvPr/>
+        </p:nvCxnSpPr>
+        <p:spPr>
+          <a:xfrm>
+            <a:off x="2751746" y="4006197"/>
+            <a:ext cx="838200" cy="0"/>
+          </a:xfrm>
+          <a:prstGeom prst="straightConnector1">
+            <a:avLst/>
+          </a:prstGeom>
+          <a:ln w="25400">
+            <a:tailEnd type="arrow"/>
+          </a:ln>
+        </p:spPr>
+        <p:style>
+          <a:lnRef idx="3">
+            <a:schemeClr val="accent2"/>
+          </a:lnRef>
+          <a:fillRef idx="0">
+            <a:schemeClr val="accent2"/>
+          </a:fillRef>
+          <a:effectRef idx="2">
+            <a:schemeClr val="accent2"/>
+          </a:effectRef>
+          <a:fontRef idx="minor">
+            <a:schemeClr val="tx1"/>
+          </a:fontRef>
+        </p:style>
+      </p:cxnSp>
+      <p:cxnSp>
+        <p:nvCxnSpPr>
+          <p:cNvPr id="11" name="Straight Arrow Connector 10"/>
+          <p:cNvCxnSpPr>
+            <a:stCxn id="8" idx="3"/>
+            <a:endCxn id="9" idx="1"/>
+          </p:cNvCxnSpPr>
+          <p:nvPr/>
+        </p:nvCxnSpPr>
+        <p:spPr>
+          <a:xfrm flipV="1">
+            <a:off x="5037746" y="4000500"/>
+            <a:ext cx="990600" cy="5697"/>
+          </a:xfrm>
+          <a:prstGeom prst="straightConnector1">
+            <a:avLst/>
+          </a:prstGeom>
+          <a:ln w="25400">
+            <a:tailEnd type="arrow"/>
+          </a:ln>
+        </p:spPr>
+        <p:style>
+          <a:lnRef idx="3">
+            <a:schemeClr val="accent2"/>
+          </a:lnRef>
+          <a:fillRef idx="0">
+            <a:schemeClr val="accent2"/>
+          </a:fillRef>
+          <a:effectRef idx="2">
+            <a:schemeClr val="accent2"/>
+          </a:effectRef>
+          <a:fontRef idx="minor">
+            <a:schemeClr val="tx1"/>
+          </a:fontRef>
+        </p:style>
+      </p:cxnSp>
     </p:spTree>
     <p:extLst>
       <p:ext uri="{BB962C8B-B14F-4D97-AF65-F5344CB8AC3E}">
-        <p14:creationId xmlns:p14="http://schemas.microsoft.com/office/powerpoint/2010/main" val="2232374507"/>
+        <p14:creationId xmlns:p14="http://schemas.microsoft.com/office/powerpoint/2010/main" val="4046510039"/>
       </p:ext>
     </p:extLst>
   </p:cSld>
@@ -14758,7 +14719,7 @@
           <a:p>
             <a:r>
               <a:rPr lang="en-US" sz="4000" dirty="0" smtClean="0"/>
-              <a:t>Behavior Chain Construction</a:t>
+              <a:t>One More Time</a:t>
             </a:r>
             <a:endParaRPr lang="en-US" sz="4000" dirty="0"/>
           </a:p>
@@ -14859,6 +14820,1072 @@
       </p:pic>
       <p:sp>
         <p:nvSpPr>
+          <p:cNvPr id="18" name="Content Placeholder 2"/>
+          <p:cNvSpPr txBox="1">
+            <a:spLocks/>
+          </p:cNvSpPr>
+          <p:nvPr/>
+        </p:nvSpPr>
+        <p:spPr>
+          <a:xfrm>
+            <a:off x="457200" y="2057400"/>
+            <a:ext cx="8229600" cy="4068763"/>
+          </a:xfrm>
+          <a:prstGeom prst="rect">
+            <a:avLst/>
+          </a:prstGeom>
+        </p:spPr>
+        <p:txBody>
+          <a:bodyPr vert="horz" lIns="91440" tIns="45720" rIns="91440" bIns="45720" rtlCol="0">
+            <a:normAutofit/>
+          </a:bodyPr>
+          <a:lstStyle>
+            <a:lvl1pPr marL="342900" indent="-342900" algn="l" defTabSz="914400" rtl="0" eaLnBrk="1" latinLnBrk="0" hangingPunct="1">
+              <a:spcBef>
+                <a:spcPct val="20000"/>
+              </a:spcBef>
+              <a:buClr>
+                <a:schemeClr val="accent1"/>
+              </a:buClr>
+              <a:buSzPct val="75000"/>
+              <a:buFont typeface="Wingdings" pitchFamily="2" charset="2"/>
+              <a:buChar char=""/>
+              <a:defRPr sz="2400" kern="1200">
+                <a:solidFill>
+                  <a:schemeClr val="tx2"/>
+                </a:solidFill>
+                <a:latin typeface="+mn-lt"/>
+                <a:ea typeface="+mn-ea"/>
+                <a:cs typeface="+mn-cs"/>
+              </a:defRPr>
+            </a:lvl1pPr>
+            <a:lvl2pPr marL="742950" indent="-285750" algn="l" defTabSz="914400" rtl="0" eaLnBrk="1" latinLnBrk="0" hangingPunct="1">
+              <a:spcBef>
+                <a:spcPct val="20000"/>
+              </a:spcBef>
+              <a:buClr>
+                <a:schemeClr val="accent2"/>
+              </a:buClr>
+              <a:buSzPct val="85000"/>
+              <a:buFont typeface="Courier New" pitchFamily="49" charset="0"/>
+              <a:buChar char="o"/>
+              <a:defRPr sz="2000" kern="1200">
+                <a:solidFill>
+                  <a:schemeClr val="tx2"/>
+                </a:solidFill>
+                <a:latin typeface="+mn-lt"/>
+                <a:ea typeface="+mn-ea"/>
+                <a:cs typeface="+mn-cs"/>
+              </a:defRPr>
+            </a:lvl2pPr>
+            <a:lvl3pPr marL="1143000" indent="-228600" algn="l" defTabSz="914400" rtl="0" eaLnBrk="1" latinLnBrk="0" hangingPunct="1">
+              <a:spcBef>
+                <a:spcPct val="20000"/>
+              </a:spcBef>
+              <a:buClr>
+                <a:schemeClr val="accent3"/>
+              </a:buClr>
+              <a:buFont typeface="Arial" pitchFamily="34" charset="0"/>
+              <a:buChar char="•"/>
+              <a:defRPr sz="1800" kern="1200">
+                <a:solidFill>
+                  <a:schemeClr val="tx2"/>
+                </a:solidFill>
+                <a:latin typeface="+mn-lt"/>
+                <a:ea typeface="+mn-ea"/>
+                <a:cs typeface="+mn-cs"/>
+              </a:defRPr>
+            </a:lvl3pPr>
+            <a:lvl4pPr marL="1600200" indent="-228600" algn="l" defTabSz="914400" rtl="0" eaLnBrk="1" latinLnBrk="0" hangingPunct="1">
+              <a:spcBef>
+                <a:spcPct val="20000"/>
+              </a:spcBef>
+              <a:buClr>
+                <a:schemeClr val="accent4"/>
+              </a:buClr>
+              <a:buFont typeface="Arial" pitchFamily="34" charset="0"/>
+              <a:buChar char="•"/>
+              <a:defRPr sz="1600" kern="1200">
+                <a:solidFill>
+                  <a:schemeClr val="tx2"/>
+                </a:solidFill>
+                <a:latin typeface="+mn-lt"/>
+                <a:ea typeface="+mn-ea"/>
+                <a:cs typeface="+mn-cs"/>
+              </a:defRPr>
+            </a:lvl4pPr>
+            <a:lvl5pPr marL="2057400" indent="-228600" algn="l" defTabSz="914400" rtl="0" eaLnBrk="1" latinLnBrk="0" hangingPunct="1">
+              <a:spcBef>
+                <a:spcPct val="20000"/>
+              </a:spcBef>
+              <a:buClr>
+                <a:schemeClr val="accent5"/>
+              </a:buClr>
+              <a:buFont typeface="Arial" pitchFamily="34" charset="0"/>
+              <a:buChar char="•"/>
+              <a:defRPr sz="1400" kern="1200" baseline="0">
+                <a:solidFill>
+                  <a:schemeClr val="tx2"/>
+                </a:solidFill>
+                <a:latin typeface="+mn-lt"/>
+                <a:ea typeface="+mn-ea"/>
+                <a:cs typeface="+mn-cs"/>
+              </a:defRPr>
+            </a:lvl5pPr>
+            <a:lvl6pPr marL="2514600" indent="-228600" algn="l" defTabSz="914400" rtl="0" eaLnBrk="1" latinLnBrk="0" hangingPunct="1">
+              <a:spcBef>
+                <a:spcPct val="20000"/>
+              </a:spcBef>
+              <a:buClr>
+                <a:schemeClr val="accent6"/>
+              </a:buClr>
+              <a:buFont typeface="Arial" pitchFamily="34" charset="0"/>
+              <a:buChar char="•"/>
+              <a:defRPr sz="1400" kern="1200">
+                <a:solidFill>
+                  <a:schemeClr val="tx2"/>
+                </a:solidFill>
+                <a:latin typeface="+mn-lt"/>
+                <a:ea typeface="+mn-ea"/>
+                <a:cs typeface="+mn-cs"/>
+              </a:defRPr>
+            </a:lvl6pPr>
+            <a:lvl7pPr marL="2971800" indent="-228600" algn="l" defTabSz="914400" rtl="0" eaLnBrk="1" latinLnBrk="0" hangingPunct="1">
+              <a:spcBef>
+                <a:spcPct val="20000"/>
+              </a:spcBef>
+              <a:buClr>
+                <a:schemeClr val="accent1"/>
+              </a:buClr>
+              <a:buFont typeface="Arial" pitchFamily="34" charset="0"/>
+              <a:buChar char="•"/>
+              <a:defRPr sz="1400" kern="1200">
+                <a:solidFill>
+                  <a:schemeClr val="tx2"/>
+                </a:solidFill>
+                <a:latin typeface="+mn-lt"/>
+                <a:ea typeface="+mn-ea"/>
+                <a:cs typeface="+mn-cs"/>
+              </a:defRPr>
+            </a:lvl7pPr>
+            <a:lvl8pPr marL="3429000" indent="-228600" algn="l" defTabSz="914400" rtl="0" eaLnBrk="1" latinLnBrk="0" hangingPunct="1">
+              <a:spcBef>
+                <a:spcPct val="20000"/>
+              </a:spcBef>
+              <a:buClr>
+                <a:schemeClr val="accent4"/>
+              </a:buClr>
+              <a:buFont typeface="Arial" pitchFamily="34" charset="0"/>
+              <a:buChar char="•"/>
+              <a:defRPr sz="1400" kern="1200">
+                <a:solidFill>
+                  <a:schemeClr val="tx2"/>
+                </a:solidFill>
+                <a:latin typeface="+mn-lt"/>
+                <a:ea typeface="+mn-ea"/>
+                <a:cs typeface="+mn-cs"/>
+              </a:defRPr>
+            </a:lvl8pPr>
+            <a:lvl9pPr marL="3886200" indent="-228600" algn="l" defTabSz="914400" rtl="0" eaLnBrk="1" latinLnBrk="0" hangingPunct="1">
+              <a:spcBef>
+                <a:spcPct val="20000"/>
+              </a:spcBef>
+              <a:buClr>
+                <a:schemeClr val="accent5"/>
+              </a:buClr>
+              <a:buFont typeface="Arial" pitchFamily="34" charset="0"/>
+              <a:buChar char="•"/>
+              <a:defRPr sz="1400" kern="1200">
+                <a:solidFill>
+                  <a:schemeClr val="tx2"/>
+                </a:solidFill>
+                <a:latin typeface="+mn-lt"/>
+                <a:ea typeface="+mn-ea"/>
+                <a:cs typeface="+mn-cs"/>
+              </a:defRPr>
+            </a:lvl9pPr>
+          </a:lstStyle>
+          <a:p>
+            <a:r>
+              <a:rPr lang="en-US" dirty="0" smtClean="0"/>
+              <a:t>Runtime:</a:t>
+            </a:r>
+          </a:p>
+        </p:txBody>
+      </p:sp>
+      <p:sp>
+        <p:nvSpPr>
+          <p:cNvPr id="12" name="Oval 11"/>
+          <p:cNvSpPr/>
+          <p:nvPr/>
+        </p:nvSpPr>
+        <p:spPr>
+          <a:xfrm>
+            <a:off x="1981200" y="1905000"/>
+            <a:ext cx="5181600" cy="4800600"/>
+          </a:xfrm>
+          <a:prstGeom prst="ellipse">
+            <a:avLst/>
+          </a:prstGeom>
+        </p:spPr>
+        <p:style>
+          <a:lnRef idx="1">
+            <a:schemeClr val="accent1"/>
+          </a:lnRef>
+          <a:fillRef idx="3">
+            <a:schemeClr val="accent1"/>
+          </a:fillRef>
+          <a:effectRef idx="2">
+            <a:schemeClr val="accent1"/>
+          </a:effectRef>
+          <a:fontRef idx="minor">
+            <a:schemeClr val="lt1"/>
+          </a:fontRef>
+        </p:style>
+        <p:txBody>
+          <a:bodyPr rtlCol="0" anchor="ctr"/>
+          <a:lstStyle/>
+          <a:p>
+            <a:pPr algn="ctr"/>
+            <a:r>
+              <a:rPr lang="en-US" sz="1600" b="1" dirty="0" smtClean="0"/>
+              <a:t>Node 1</a:t>
+            </a:r>
+          </a:p>
+          <a:p>
+            <a:pPr algn="ctr"/>
+            <a:endParaRPr lang="en-US" sz="1600" b="1" dirty="0"/>
+          </a:p>
+          <a:p>
+            <a:pPr algn="ctr"/>
+            <a:endParaRPr lang="en-US" sz="1600" b="1" dirty="0" smtClean="0"/>
+          </a:p>
+          <a:p>
+            <a:pPr algn="ctr"/>
+            <a:endParaRPr lang="en-US" sz="1600" b="1" dirty="0"/>
+          </a:p>
+          <a:p>
+            <a:pPr algn="ctr"/>
+            <a:endParaRPr lang="en-US" sz="1600" b="1" dirty="0" smtClean="0"/>
+          </a:p>
+          <a:p>
+            <a:pPr algn="ctr"/>
+            <a:endParaRPr lang="en-US" sz="1600" b="1" dirty="0"/>
+          </a:p>
+          <a:p>
+            <a:pPr algn="ctr"/>
+            <a:endParaRPr lang="en-US" sz="1600" b="1" dirty="0" smtClean="0"/>
+          </a:p>
+          <a:p>
+            <a:pPr algn="ctr"/>
+            <a:endParaRPr lang="en-US" sz="1600" b="1" dirty="0"/>
+          </a:p>
+          <a:p>
+            <a:pPr algn="ctr"/>
+            <a:endParaRPr lang="en-US" sz="1600" b="1" dirty="0" smtClean="0"/>
+          </a:p>
+          <a:p>
+            <a:pPr algn="ctr"/>
+            <a:endParaRPr lang="en-US" sz="1600" b="1" dirty="0"/>
+          </a:p>
+          <a:p>
+            <a:pPr algn="ctr"/>
+            <a:endParaRPr lang="en-US" sz="1600" b="1" dirty="0" smtClean="0"/>
+          </a:p>
+          <a:p>
+            <a:pPr algn="ctr"/>
+            <a:endParaRPr lang="en-US" sz="1600" b="1" dirty="0"/>
+          </a:p>
+          <a:p>
+            <a:pPr algn="ctr"/>
+            <a:endParaRPr lang="en-US" sz="1600" b="1" dirty="0" smtClean="0"/>
+          </a:p>
+          <a:p>
+            <a:pPr algn="ctr"/>
+            <a:endParaRPr lang="en-US" sz="1600" b="1" dirty="0"/>
+          </a:p>
+          <a:p>
+            <a:pPr algn="ctr"/>
+            <a:endParaRPr lang="en-US" sz="1600" b="1" dirty="0" smtClean="0"/>
+          </a:p>
+          <a:p>
+            <a:pPr algn="ctr"/>
+            <a:endParaRPr lang="en-US" sz="1600" b="1" dirty="0"/>
+          </a:p>
+          <a:p>
+            <a:pPr algn="ctr"/>
+            <a:endParaRPr lang="en-US" sz="1600" dirty="0" smtClean="0"/>
+          </a:p>
+          <a:p>
+            <a:pPr algn="ctr"/>
+            <a:endParaRPr lang="en-US" sz="1600" dirty="0"/>
+          </a:p>
+        </p:txBody>
+      </p:sp>
+      <p:sp>
+        <p:nvSpPr>
+          <p:cNvPr id="13" name="Oval 12"/>
+          <p:cNvSpPr/>
+          <p:nvPr/>
+        </p:nvSpPr>
+        <p:spPr>
+          <a:xfrm>
+            <a:off x="2438400" y="2743200"/>
+            <a:ext cx="4210050" cy="3962400"/>
+          </a:xfrm>
+          <a:prstGeom prst="ellipse">
+            <a:avLst/>
+          </a:prstGeom>
+        </p:spPr>
+        <p:style>
+          <a:lnRef idx="1">
+            <a:schemeClr val="accent4"/>
+          </a:lnRef>
+          <a:fillRef idx="3">
+            <a:schemeClr val="accent4"/>
+          </a:fillRef>
+          <a:effectRef idx="2">
+            <a:schemeClr val="accent4"/>
+          </a:effectRef>
+          <a:fontRef idx="minor">
+            <a:schemeClr val="lt1"/>
+          </a:fontRef>
+        </p:style>
+        <p:txBody>
+          <a:bodyPr rtlCol="0" anchor="ctr"/>
+          <a:lstStyle/>
+          <a:p>
+            <a:pPr algn="ctr"/>
+            <a:endParaRPr lang="en-US" sz="1600" dirty="0"/>
+          </a:p>
+          <a:p>
+            <a:pPr algn="ctr"/>
+            <a:endParaRPr lang="en-US" sz="1600" dirty="0" smtClean="0"/>
+          </a:p>
+          <a:p>
+            <a:pPr algn="ctr"/>
+            <a:r>
+              <a:rPr lang="en-US" sz="1600" b="1" dirty="0" smtClean="0"/>
+              <a:t>Node 2</a:t>
+            </a:r>
+          </a:p>
+          <a:p>
+            <a:pPr algn="ctr"/>
+            <a:endParaRPr lang="en-US" sz="1600" b="1" dirty="0"/>
+          </a:p>
+          <a:p>
+            <a:pPr algn="ctr"/>
+            <a:endParaRPr lang="en-US" sz="1600" b="1" dirty="0" smtClean="0"/>
+          </a:p>
+          <a:p>
+            <a:pPr algn="ctr"/>
+            <a:endParaRPr lang="en-US" sz="1600" b="1" dirty="0"/>
+          </a:p>
+          <a:p>
+            <a:pPr algn="ctr"/>
+            <a:endParaRPr lang="en-US" sz="1600" b="1" dirty="0" smtClean="0"/>
+          </a:p>
+          <a:p>
+            <a:pPr algn="ctr"/>
+            <a:endParaRPr lang="en-US" sz="1600" b="1" dirty="0"/>
+          </a:p>
+          <a:p>
+            <a:pPr algn="ctr"/>
+            <a:endParaRPr lang="en-US" sz="1600" b="1" dirty="0" smtClean="0"/>
+          </a:p>
+          <a:p>
+            <a:pPr algn="ctr"/>
+            <a:endParaRPr lang="en-US" sz="1600" b="1" dirty="0"/>
+          </a:p>
+          <a:p>
+            <a:pPr algn="ctr"/>
+            <a:endParaRPr lang="en-US" sz="1600" b="1" dirty="0" smtClean="0"/>
+          </a:p>
+          <a:p>
+            <a:pPr algn="ctr"/>
+            <a:endParaRPr lang="en-US" sz="1600" b="1" dirty="0"/>
+          </a:p>
+          <a:p>
+            <a:pPr algn="ctr"/>
+            <a:endParaRPr lang="en-US" sz="1600" b="1" dirty="0" smtClean="0"/>
+          </a:p>
+          <a:p>
+            <a:pPr algn="ctr"/>
+            <a:endParaRPr lang="en-US" sz="1600" b="1" dirty="0" smtClean="0"/>
+          </a:p>
+          <a:p>
+            <a:pPr algn="ctr"/>
+            <a:endParaRPr lang="en-US" sz="1600" dirty="0"/>
+          </a:p>
+          <a:p>
+            <a:pPr algn="ctr"/>
+            <a:endParaRPr lang="en-US" sz="1600" dirty="0" smtClean="0"/>
+          </a:p>
+          <a:p>
+            <a:pPr algn="ctr"/>
+            <a:endParaRPr lang="en-US" sz="1600" dirty="0"/>
+          </a:p>
+          <a:p>
+            <a:pPr algn="ctr"/>
+            <a:endParaRPr lang="en-US" sz="1600" dirty="0" smtClean="0"/>
+          </a:p>
+          <a:p>
+            <a:pPr algn="ctr"/>
+            <a:endParaRPr lang="en-US" sz="1600" dirty="0"/>
+          </a:p>
+        </p:txBody>
+      </p:sp>
+      <p:sp>
+        <p:nvSpPr>
+          <p:cNvPr id="14" name="Oval 13"/>
+          <p:cNvSpPr/>
+          <p:nvPr/>
+        </p:nvSpPr>
+        <p:spPr>
+          <a:xfrm>
+            <a:off x="2819400" y="3478306"/>
+            <a:ext cx="3429000" cy="3227294"/>
+          </a:xfrm>
+          <a:prstGeom prst="ellipse">
+            <a:avLst/>
+          </a:prstGeom>
+        </p:spPr>
+        <p:style>
+          <a:lnRef idx="1">
+            <a:schemeClr val="accent5"/>
+          </a:lnRef>
+          <a:fillRef idx="3">
+            <a:schemeClr val="accent5"/>
+          </a:fillRef>
+          <a:effectRef idx="2">
+            <a:schemeClr val="accent5"/>
+          </a:effectRef>
+          <a:fontRef idx="minor">
+            <a:schemeClr val="lt1"/>
+          </a:fontRef>
+        </p:style>
+        <p:txBody>
+          <a:bodyPr rtlCol="0" anchor="ctr"/>
+          <a:lstStyle/>
+          <a:p>
+            <a:pPr algn="ctr"/>
+            <a:endParaRPr lang="en-US" sz="1600" dirty="0"/>
+          </a:p>
+          <a:p>
+            <a:pPr algn="ctr"/>
+            <a:endParaRPr lang="en-US" sz="1600" dirty="0" smtClean="0"/>
+          </a:p>
+          <a:p>
+            <a:pPr algn="ctr"/>
+            <a:r>
+              <a:rPr lang="en-US" sz="1600" b="1" dirty="0" smtClean="0"/>
+              <a:t>Node 3</a:t>
+            </a:r>
+          </a:p>
+          <a:p>
+            <a:pPr algn="ctr"/>
+            <a:endParaRPr lang="en-US" sz="1600" b="1" dirty="0"/>
+          </a:p>
+          <a:p>
+            <a:pPr algn="ctr"/>
+            <a:endParaRPr lang="en-US" sz="1600" b="1" dirty="0" smtClean="0"/>
+          </a:p>
+          <a:p>
+            <a:pPr algn="ctr"/>
+            <a:endParaRPr lang="en-US" sz="1600" b="1" dirty="0"/>
+          </a:p>
+          <a:p>
+            <a:pPr algn="ctr"/>
+            <a:endParaRPr lang="en-US" sz="1600" b="1" dirty="0" smtClean="0"/>
+          </a:p>
+          <a:p>
+            <a:pPr algn="ctr"/>
+            <a:endParaRPr lang="en-US" sz="1600" b="1" dirty="0"/>
+          </a:p>
+          <a:p>
+            <a:pPr algn="ctr"/>
+            <a:endParaRPr lang="en-US" sz="1600" b="1" dirty="0" smtClean="0"/>
+          </a:p>
+          <a:p>
+            <a:pPr algn="ctr"/>
+            <a:endParaRPr lang="en-US" sz="1600" b="1" dirty="0"/>
+          </a:p>
+          <a:p>
+            <a:pPr algn="ctr"/>
+            <a:endParaRPr lang="en-US" sz="1600" b="1" dirty="0" smtClean="0"/>
+          </a:p>
+          <a:p>
+            <a:pPr algn="ctr"/>
+            <a:endParaRPr lang="en-US" sz="1600" b="1" dirty="0"/>
+          </a:p>
+          <a:p>
+            <a:pPr algn="ctr"/>
+            <a:endParaRPr lang="en-US" sz="1600" b="1" dirty="0" smtClean="0"/>
+          </a:p>
+          <a:p>
+            <a:pPr algn="ctr"/>
+            <a:endParaRPr lang="en-US" sz="1600" b="1" dirty="0" smtClean="0"/>
+          </a:p>
+        </p:txBody>
+      </p:sp>
+    </p:spTree>
+    <p:extLst>
+      <p:ext uri="{BB962C8B-B14F-4D97-AF65-F5344CB8AC3E}">
+        <p14:creationId xmlns:p14="http://schemas.microsoft.com/office/powerpoint/2010/main" val="718205284"/>
+      </p:ext>
+    </p:extLst>
+  </p:cSld>
+  <p:clrMapOvr>
+    <a:masterClrMapping/>
+  </p:clrMapOvr>
+  <p:timing>
+    <p:tnLst>
+      <p:par>
+        <p:cTn id="1" dur="indefinite" restart="never" nodeType="tmRoot"/>
+      </p:par>
+    </p:tnLst>
+  </p:timing>
+</p:sld>
+</file>
+
+<file path=ppt/slides/slide31.xml><?xml version="1.0" encoding="utf-8"?>
+<p:sld xmlns:a="http://schemas.openxmlformats.org/drawingml/2006/main" xmlns:r="http://schemas.openxmlformats.org/officeDocument/2006/relationships" xmlns:p="http://schemas.openxmlformats.org/presentationml/2006/main">
+  <p:cSld>
+    <p:spTree>
+      <p:nvGrpSpPr>
+        <p:cNvPr id="1" name=""/>
+        <p:cNvGrpSpPr/>
+        <p:nvPr/>
+      </p:nvGrpSpPr>
+      <p:grpSpPr>
+        <a:xfrm>
+          <a:off x="0" y="0"/>
+          <a:ext cx="0" cy="0"/>
+          <a:chOff x="0" y="0"/>
+          <a:chExt cx="0" cy="0"/>
+        </a:xfrm>
+      </p:grpSpPr>
+      <p:sp>
+        <p:nvSpPr>
+          <p:cNvPr id="2" name="Title 1"/>
+          <p:cNvSpPr>
+            <a:spLocks noGrp="1"/>
+          </p:cNvSpPr>
+          <p:nvPr>
+            <p:ph type="title"/>
+          </p:nvPr>
+        </p:nvSpPr>
+        <p:spPr>
+          <a:xfrm>
+            <a:off x="152400" y="685800"/>
+            <a:ext cx="8534400" cy="457200"/>
+          </a:xfrm>
+        </p:spPr>
+        <p:txBody>
+          <a:bodyPr>
+            <a:noAutofit/>
+          </a:bodyPr>
+          <a:lstStyle/>
+          <a:p>
+            <a:r>
+              <a:rPr lang="en-US" sz="4000" dirty="0" smtClean="0"/>
+              <a:t>Behavior Chain Construction</a:t>
+            </a:r>
+            <a:endParaRPr lang="en-US" sz="4000" dirty="0"/>
+          </a:p>
+        </p:txBody>
+      </p:sp>
+      <p:pic>
+        <p:nvPicPr>
+          <p:cNvPr id="7" name="Content Placeholder 6"/>
+          <p:cNvPicPr>
+            <a:picLocks noGrp="1" noChangeAspect="1"/>
+          </p:cNvPicPr>
+          <p:nvPr>
+            <p:ph idx="1"/>
+          </p:nvPr>
+        </p:nvPicPr>
+        <p:blipFill>
+          <a:blip r:embed="rId2" cstate="print">
+            <a:extLst>
+              <a:ext uri="{28A0092B-C50C-407E-A947-70E740481C1C}">
+                <a14:useLocalDpi xmlns:a14="http://schemas.microsoft.com/office/drawing/2010/main" val="0"/>
+              </a:ext>
+            </a:extLst>
+          </a:blip>
+          <a:stretch>
+            <a:fillRect/>
+          </a:stretch>
+        </p:blipFill>
+        <p:spPr>
+          <a:xfrm>
+            <a:off x="0" y="228600"/>
+            <a:ext cx="2158850" cy="533400"/>
+          </a:xfrm>
+        </p:spPr>
+      </p:pic>
+      <p:pic>
+        <p:nvPicPr>
+          <p:cNvPr id="1026" name="Picture 2"/>
+          <p:cNvPicPr>
+            <a:picLocks noChangeAspect="1" noChangeArrowheads="1"/>
+          </p:cNvPicPr>
+          <p:nvPr/>
+        </p:nvPicPr>
+        <p:blipFill>
+          <a:blip r:embed="rId3">
+            <a:extLst>
+              <a:ext uri="{28A0092B-C50C-407E-A947-70E740481C1C}">
+                <a14:useLocalDpi xmlns:a14="http://schemas.microsoft.com/office/drawing/2010/main" val="0"/>
+              </a:ext>
+            </a:extLst>
+          </a:blip>
+          <a:srcRect/>
+          <a:stretch>
+            <a:fillRect/>
+          </a:stretch>
+        </p:blipFill>
+        <p:spPr bwMode="auto">
+          <a:xfrm>
+            <a:off x="0" y="0"/>
+            <a:ext cx="9144000" cy="228600"/>
+          </a:xfrm>
+          <a:prstGeom prst="rect">
+            <a:avLst/>
+          </a:prstGeom>
+          <a:noFill/>
+          <a:ln>
+            <a:noFill/>
+          </a:ln>
+          <a:effectLst/>
+          <a:extLst>
+            <a:ext uri="{909E8E84-426E-40DD-AFC4-6F175D3DCCD1}">
+              <a14:hiddenFill xmlns:a14="http://schemas.microsoft.com/office/drawing/2010/main">
+                <a:solidFill>
+                  <a:schemeClr val="accent1"/>
+                </a:solidFill>
+              </a14:hiddenFill>
+            </a:ext>
+            <a:ext uri="{91240B29-F687-4F45-9708-019B960494DF}">
+              <a14:hiddenLine xmlns:a14="http://schemas.microsoft.com/office/drawing/2010/main" w="9525">
+                <a:solidFill>
+                  <a:schemeClr val="tx1"/>
+                </a:solidFill>
+                <a:miter lim="800000"/>
+                <a:headEnd/>
+                <a:tailEnd/>
+              </a14:hiddenLine>
+            </a:ext>
+            <a:ext uri="{AF507438-7753-43E0-B8FC-AC1667EBCBE1}">
+              <a14:hiddenEffects xmlns:a14="http://schemas.microsoft.com/office/drawing/2010/main">
+                <a:effectLst>
+                  <a:outerShdw dist="35921" dir="2700000" algn="ctr" rotWithShape="0">
+                    <a:schemeClr val="bg2"/>
+                  </a:outerShdw>
+                </a:effectLst>
+              </a14:hiddenEffects>
+            </a:ext>
+          </a:extLst>
+        </p:spPr>
+      </p:pic>
+      <p:sp>
+        <p:nvSpPr>
+          <p:cNvPr id="12" name="Content Placeholder 2"/>
+          <p:cNvSpPr txBox="1">
+            <a:spLocks/>
+          </p:cNvSpPr>
+          <p:nvPr/>
+        </p:nvSpPr>
+        <p:spPr>
+          <a:xfrm>
+            <a:off x="457200" y="2057400"/>
+            <a:ext cx="8229600" cy="4068763"/>
+          </a:xfrm>
+          <a:prstGeom prst="rect">
+            <a:avLst/>
+          </a:prstGeom>
+        </p:spPr>
+        <p:txBody>
+          <a:bodyPr vert="horz" lIns="91440" tIns="45720" rIns="91440" bIns="45720" rtlCol="0">
+            <a:normAutofit/>
+          </a:bodyPr>
+          <a:lstStyle>
+            <a:lvl1pPr marL="342900" indent="-342900" algn="l" defTabSz="914400" rtl="0" eaLnBrk="1" latinLnBrk="0" hangingPunct="1">
+              <a:spcBef>
+                <a:spcPct val="20000"/>
+              </a:spcBef>
+              <a:buClr>
+                <a:schemeClr val="accent1"/>
+              </a:buClr>
+              <a:buSzPct val="75000"/>
+              <a:buFont typeface="Wingdings" pitchFamily="2" charset="2"/>
+              <a:buChar char=""/>
+              <a:defRPr sz="2400" kern="1200">
+                <a:solidFill>
+                  <a:schemeClr val="tx2"/>
+                </a:solidFill>
+                <a:latin typeface="+mn-lt"/>
+                <a:ea typeface="+mn-ea"/>
+                <a:cs typeface="+mn-cs"/>
+              </a:defRPr>
+            </a:lvl1pPr>
+            <a:lvl2pPr marL="742950" indent="-285750" algn="l" defTabSz="914400" rtl="0" eaLnBrk="1" latinLnBrk="0" hangingPunct="1">
+              <a:spcBef>
+                <a:spcPct val="20000"/>
+              </a:spcBef>
+              <a:buClr>
+                <a:schemeClr val="accent2"/>
+              </a:buClr>
+              <a:buSzPct val="85000"/>
+              <a:buFont typeface="Courier New" pitchFamily="49" charset="0"/>
+              <a:buChar char="o"/>
+              <a:defRPr sz="2000" kern="1200">
+                <a:solidFill>
+                  <a:schemeClr val="tx2"/>
+                </a:solidFill>
+                <a:latin typeface="+mn-lt"/>
+                <a:ea typeface="+mn-ea"/>
+                <a:cs typeface="+mn-cs"/>
+              </a:defRPr>
+            </a:lvl2pPr>
+            <a:lvl3pPr marL="1143000" indent="-228600" algn="l" defTabSz="914400" rtl="0" eaLnBrk="1" latinLnBrk="0" hangingPunct="1">
+              <a:spcBef>
+                <a:spcPct val="20000"/>
+              </a:spcBef>
+              <a:buClr>
+                <a:schemeClr val="accent3"/>
+              </a:buClr>
+              <a:buFont typeface="Arial" pitchFamily="34" charset="0"/>
+              <a:buChar char="•"/>
+              <a:defRPr sz="1800" kern="1200">
+                <a:solidFill>
+                  <a:schemeClr val="tx2"/>
+                </a:solidFill>
+                <a:latin typeface="+mn-lt"/>
+                <a:ea typeface="+mn-ea"/>
+                <a:cs typeface="+mn-cs"/>
+              </a:defRPr>
+            </a:lvl3pPr>
+            <a:lvl4pPr marL="1600200" indent="-228600" algn="l" defTabSz="914400" rtl="0" eaLnBrk="1" latinLnBrk="0" hangingPunct="1">
+              <a:spcBef>
+                <a:spcPct val="20000"/>
+              </a:spcBef>
+              <a:buClr>
+                <a:schemeClr val="accent4"/>
+              </a:buClr>
+              <a:buFont typeface="Arial" pitchFamily="34" charset="0"/>
+              <a:buChar char="•"/>
+              <a:defRPr sz="1600" kern="1200">
+                <a:solidFill>
+                  <a:schemeClr val="tx2"/>
+                </a:solidFill>
+                <a:latin typeface="+mn-lt"/>
+                <a:ea typeface="+mn-ea"/>
+                <a:cs typeface="+mn-cs"/>
+              </a:defRPr>
+            </a:lvl4pPr>
+            <a:lvl5pPr marL="2057400" indent="-228600" algn="l" defTabSz="914400" rtl="0" eaLnBrk="1" latinLnBrk="0" hangingPunct="1">
+              <a:spcBef>
+                <a:spcPct val="20000"/>
+              </a:spcBef>
+              <a:buClr>
+                <a:schemeClr val="accent5"/>
+              </a:buClr>
+              <a:buFont typeface="Arial" pitchFamily="34" charset="0"/>
+              <a:buChar char="•"/>
+              <a:defRPr sz="1400" kern="1200" baseline="0">
+                <a:solidFill>
+                  <a:schemeClr val="tx2"/>
+                </a:solidFill>
+                <a:latin typeface="+mn-lt"/>
+                <a:ea typeface="+mn-ea"/>
+                <a:cs typeface="+mn-cs"/>
+              </a:defRPr>
+            </a:lvl5pPr>
+            <a:lvl6pPr marL="2514600" indent="-228600" algn="l" defTabSz="914400" rtl="0" eaLnBrk="1" latinLnBrk="0" hangingPunct="1">
+              <a:spcBef>
+                <a:spcPct val="20000"/>
+              </a:spcBef>
+              <a:buClr>
+                <a:schemeClr val="accent6"/>
+              </a:buClr>
+              <a:buFont typeface="Arial" pitchFamily="34" charset="0"/>
+              <a:buChar char="•"/>
+              <a:defRPr sz="1400" kern="1200">
+                <a:solidFill>
+                  <a:schemeClr val="tx2"/>
+                </a:solidFill>
+                <a:latin typeface="+mn-lt"/>
+                <a:ea typeface="+mn-ea"/>
+                <a:cs typeface="+mn-cs"/>
+              </a:defRPr>
+            </a:lvl6pPr>
+            <a:lvl7pPr marL="2971800" indent="-228600" algn="l" defTabSz="914400" rtl="0" eaLnBrk="1" latinLnBrk="0" hangingPunct="1">
+              <a:spcBef>
+                <a:spcPct val="20000"/>
+              </a:spcBef>
+              <a:buClr>
+                <a:schemeClr val="accent1"/>
+              </a:buClr>
+              <a:buFont typeface="Arial" pitchFamily="34" charset="0"/>
+              <a:buChar char="•"/>
+              <a:defRPr sz="1400" kern="1200">
+                <a:solidFill>
+                  <a:schemeClr val="tx2"/>
+                </a:solidFill>
+                <a:latin typeface="+mn-lt"/>
+                <a:ea typeface="+mn-ea"/>
+                <a:cs typeface="+mn-cs"/>
+              </a:defRPr>
+            </a:lvl7pPr>
+            <a:lvl8pPr marL="3429000" indent="-228600" algn="l" defTabSz="914400" rtl="0" eaLnBrk="1" latinLnBrk="0" hangingPunct="1">
+              <a:spcBef>
+                <a:spcPct val="20000"/>
+              </a:spcBef>
+              <a:buClr>
+                <a:schemeClr val="accent4"/>
+              </a:buClr>
+              <a:buFont typeface="Arial" pitchFamily="34" charset="0"/>
+              <a:buChar char="•"/>
+              <a:defRPr sz="1400" kern="1200">
+                <a:solidFill>
+                  <a:schemeClr val="tx2"/>
+                </a:solidFill>
+                <a:latin typeface="+mn-lt"/>
+                <a:ea typeface="+mn-ea"/>
+                <a:cs typeface="+mn-cs"/>
+              </a:defRPr>
+            </a:lvl8pPr>
+            <a:lvl9pPr marL="3886200" indent="-228600" algn="l" defTabSz="914400" rtl="0" eaLnBrk="1" latinLnBrk="0" hangingPunct="1">
+              <a:spcBef>
+                <a:spcPct val="20000"/>
+              </a:spcBef>
+              <a:buClr>
+                <a:schemeClr val="accent5"/>
+              </a:buClr>
+              <a:buFont typeface="Arial" pitchFamily="34" charset="0"/>
+              <a:buChar char="•"/>
+              <a:defRPr sz="1400" kern="1200">
+                <a:solidFill>
+                  <a:schemeClr val="tx2"/>
+                </a:solidFill>
+                <a:latin typeface="+mn-lt"/>
+                <a:ea typeface="+mn-ea"/>
+                <a:cs typeface="+mn-cs"/>
+              </a:defRPr>
+            </a:lvl9pPr>
+          </a:lstStyle>
+          <a:p>
+            <a:r>
+              <a:rPr lang="en-US" dirty="0" err="1" smtClean="0"/>
+              <a:t>ActionCalls</a:t>
+            </a:r>
+            <a:r>
+              <a:rPr lang="en-US" dirty="0" smtClean="0"/>
+              <a:t> are registered through either of the following:</a:t>
+            </a:r>
+          </a:p>
+          <a:p>
+            <a:pPr marL="0" indent="0">
+              <a:buNone/>
+            </a:pPr>
+            <a:endParaRPr lang="en-US" dirty="0"/>
+          </a:p>
+          <a:p>
+            <a:pPr lvl="1"/>
+            <a:r>
+              <a:rPr lang="en-US" dirty="0" smtClean="0"/>
+              <a:t>Conventional discovery (as stated in your </a:t>
+            </a:r>
+            <a:r>
+              <a:rPr lang="en-US" dirty="0" err="1" smtClean="0"/>
+              <a:t>FubuRegistry</a:t>
+            </a:r>
+            <a:r>
+              <a:rPr lang="en-US" dirty="0" smtClean="0"/>
+              <a:t>)</a:t>
+            </a:r>
+          </a:p>
+          <a:p>
+            <a:pPr lvl="1"/>
+            <a:r>
+              <a:rPr lang="en-US" dirty="0" err="1" smtClean="0"/>
+              <a:t>IActionSource</a:t>
+            </a:r>
+            <a:r>
+              <a:rPr lang="en-US" dirty="0" smtClean="0"/>
+              <a:t> implementations registered in your </a:t>
+            </a:r>
+            <a:r>
+              <a:rPr lang="en-US" dirty="0" err="1" smtClean="0"/>
+              <a:t>FubuRegistry</a:t>
+            </a:r>
+            <a:endParaRPr lang="en-US" dirty="0" smtClean="0"/>
+          </a:p>
+        </p:txBody>
+      </p:sp>
+    </p:spTree>
+    <p:extLst>
+      <p:ext uri="{BB962C8B-B14F-4D97-AF65-F5344CB8AC3E}">
+        <p14:creationId xmlns:p14="http://schemas.microsoft.com/office/powerpoint/2010/main" val="2232374507"/>
+      </p:ext>
+    </p:extLst>
+  </p:cSld>
+  <p:clrMapOvr>
+    <a:masterClrMapping/>
+  </p:clrMapOvr>
+  <p:timing>
+    <p:tnLst>
+      <p:par>
+        <p:cTn id="1" dur="indefinite" restart="never" nodeType="tmRoot"/>
+      </p:par>
+    </p:tnLst>
+  </p:timing>
+</p:sld>
+</file>
+
+<file path=ppt/slides/slide32.xml><?xml version="1.0" encoding="utf-8"?>
+<p:sld xmlns:a="http://schemas.openxmlformats.org/drawingml/2006/main" xmlns:r="http://schemas.openxmlformats.org/officeDocument/2006/relationships" xmlns:p="http://schemas.openxmlformats.org/presentationml/2006/main">
+  <p:cSld>
+    <p:spTree>
+      <p:nvGrpSpPr>
+        <p:cNvPr id="1" name=""/>
+        <p:cNvGrpSpPr/>
+        <p:nvPr/>
+      </p:nvGrpSpPr>
+      <p:grpSpPr>
+        <a:xfrm>
+          <a:off x="0" y="0"/>
+          <a:ext cx="0" cy="0"/>
+          <a:chOff x="0" y="0"/>
+          <a:chExt cx="0" cy="0"/>
+        </a:xfrm>
+      </p:grpSpPr>
+      <p:sp>
+        <p:nvSpPr>
+          <p:cNvPr id="2" name="Title 1"/>
+          <p:cNvSpPr>
+            <a:spLocks noGrp="1"/>
+          </p:cNvSpPr>
+          <p:nvPr>
+            <p:ph type="title"/>
+          </p:nvPr>
+        </p:nvSpPr>
+        <p:spPr>
+          <a:xfrm>
+            <a:off x="152400" y="685800"/>
+            <a:ext cx="8534400" cy="457200"/>
+          </a:xfrm>
+        </p:spPr>
+        <p:txBody>
+          <a:bodyPr>
+            <a:noAutofit/>
+          </a:bodyPr>
+          <a:lstStyle/>
+          <a:p>
+            <a:r>
+              <a:rPr lang="en-US" sz="4000" dirty="0" smtClean="0"/>
+              <a:t>Behavior Chain Construction</a:t>
+            </a:r>
+            <a:endParaRPr lang="en-US" sz="4000" dirty="0"/>
+          </a:p>
+        </p:txBody>
+      </p:sp>
+      <p:pic>
+        <p:nvPicPr>
+          <p:cNvPr id="7" name="Content Placeholder 6"/>
+          <p:cNvPicPr>
+            <a:picLocks noGrp="1" noChangeAspect="1"/>
+          </p:cNvPicPr>
+          <p:nvPr>
+            <p:ph idx="1"/>
+          </p:nvPr>
+        </p:nvPicPr>
+        <p:blipFill>
+          <a:blip r:embed="rId2" cstate="print">
+            <a:extLst>
+              <a:ext uri="{28A0092B-C50C-407E-A947-70E740481C1C}">
+                <a14:useLocalDpi xmlns:a14="http://schemas.microsoft.com/office/drawing/2010/main" val="0"/>
+              </a:ext>
+            </a:extLst>
+          </a:blip>
+          <a:stretch>
+            <a:fillRect/>
+          </a:stretch>
+        </p:blipFill>
+        <p:spPr>
+          <a:xfrm>
+            <a:off x="0" y="228600"/>
+            <a:ext cx="2158850" cy="533400"/>
+          </a:xfrm>
+        </p:spPr>
+      </p:pic>
+      <p:pic>
+        <p:nvPicPr>
+          <p:cNvPr id="1026" name="Picture 2"/>
+          <p:cNvPicPr>
+            <a:picLocks noChangeAspect="1" noChangeArrowheads="1"/>
+          </p:cNvPicPr>
+          <p:nvPr/>
+        </p:nvPicPr>
+        <p:blipFill>
+          <a:blip r:embed="rId3">
+            <a:extLst>
+              <a:ext uri="{28A0092B-C50C-407E-A947-70E740481C1C}">
+                <a14:useLocalDpi xmlns:a14="http://schemas.microsoft.com/office/drawing/2010/main" val="0"/>
+              </a:ext>
+            </a:extLst>
+          </a:blip>
+          <a:srcRect/>
+          <a:stretch>
+            <a:fillRect/>
+          </a:stretch>
+        </p:blipFill>
+        <p:spPr bwMode="auto">
+          <a:xfrm>
+            <a:off x="0" y="0"/>
+            <a:ext cx="9144000" cy="228600"/>
+          </a:xfrm>
+          <a:prstGeom prst="rect">
+            <a:avLst/>
+          </a:prstGeom>
+          <a:noFill/>
+          <a:ln>
+            <a:noFill/>
+          </a:ln>
+          <a:effectLst/>
+          <a:extLst>
+            <a:ext uri="{909E8E84-426E-40DD-AFC4-6F175D3DCCD1}">
+              <a14:hiddenFill xmlns:a14="http://schemas.microsoft.com/office/drawing/2010/main">
+                <a:solidFill>
+                  <a:schemeClr val="accent1"/>
+                </a:solidFill>
+              </a14:hiddenFill>
+            </a:ext>
+            <a:ext uri="{91240B29-F687-4F45-9708-019B960494DF}">
+              <a14:hiddenLine xmlns:a14="http://schemas.microsoft.com/office/drawing/2010/main" w="9525">
+                <a:solidFill>
+                  <a:schemeClr val="tx1"/>
+                </a:solidFill>
+                <a:miter lim="800000"/>
+                <a:headEnd/>
+                <a:tailEnd/>
+              </a14:hiddenLine>
+            </a:ext>
+            <a:ext uri="{AF507438-7753-43E0-B8FC-AC1667EBCBE1}">
+              <a14:hiddenEffects xmlns:a14="http://schemas.microsoft.com/office/drawing/2010/main">
+                <a:effectLst>
+                  <a:outerShdw dist="35921" dir="2700000" algn="ctr" rotWithShape="0">
+                    <a:schemeClr val="bg2"/>
+                  </a:outerShdw>
+                </a:effectLst>
+              </a14:hiddenEffects>
+            </a:ext>
+          </a:extLst>
+        </p:spPr>
+      </p:pic>
+      <p:sp>
+        <p:nvSpPr>
           <p:cNvPr id="16" name="Rounded Rectangle 15"/>
           <p:cNvSpPr/>
           <p:nvPr/>
@@ -15390,7 +16417,7 @@
 </p:sld>
 </file>
 
-<file path=ppt/slides/slide31.xml><?xml version="1.0" encoding="utf-8"?>
+<file path=ppt/slides/slide33.xml><?xml version="1.0" encoding="utf-8"?>
 <p:sld xmlns:a="http://schemas.openxmlformats.org/drawingml/2006/main" xmlns:r="http://schemas.openxmlformats.org/officeDocument/2006/relationships" xmlns:p="http://schemas.openxmlformats.org/presentationml/2006/main">
   <p:cSld>
     <p:spTree>
@@ -15752,7 +16779,7 @@
 </p:sld>
 </file>
 
-<file path=ppt/slides/slide32.xml><?xml version="1.0" encoding="utf-8"?>
+<file path=ppt/slides/slide34.xml><?xml version="1.0" encoding="utf-8"?>
 <p:sld xmlns:a="http://schemas.openxmlformats.org/drawingml/2006/main" xmlns:r="http://schemas.openxmlformats.org/officeDocument/2006/relationships" xmlns:p="http://schemas.openxmlformats.org/presentationml/2006/main">
   <p:cSld>
     <p:spTree>
@@ -16250,7 +17277,7 @@
 </p:sld>
 </file>
 
-<file path=ppt/slides/slide33.xml><?xml version="1.0" encoding="utf-8"?>
+<file path=ppt/slides/slide35.xml><?xml version="1.0" encoding="utf-8"?>
 <p:sld xmlns:a="http://schemas.openxmlformats.org/drawingml/2006/main" xmlns:r="http://schemas.openxmlformats.org/officeDocument/2006/relationships" xmlns:p="http://schemas.openxmlformats.org/presentationml/2006/main">
   <p:cSld>
     <p:spTree>
@@ -16836,904 +17863,6 @@
     <p:extLst>
       <p:ext uri="{BB962C8B-B14F-4D97-AF65-F5344CB8AC3E}">
         <p14:creationId xmlns:p14="http://schemas.microsoft.com/office/powerpoint/2010/main" val="2339920556"/>
-      </p:ext>
-    </p:extLst>
-  </p:cSld>
-  <p:clrMapOvr>
-    <a:masterClrMapping/>
-  </p:clrMapOvr>
-  <p:timing>
-    <p:tnLst>
-      <p:par>
-        <p:cTn id="1" dur="indefinite" restart="never" nodeType="tmRoot"/>
-      </p:par>
-    </p:tnLst>
-  </p:timing>
-</p:sld>
-</file>
-
-<file path=ppt/slides/slide34.xml><?xml version="1.0" encoding="utf-8"?>
-<p:sld xmlns:a="http://schemas.openxmlformats.org/drawingml/2006/main" xmlns:r="http://schemas.openxmlformats.org/officeDocument/2006/relationships" xmlns:p="http://schemas.openxmlformats.org/presentationml/2006/main">
-  <p:cSld>
-    <p:spTree>
-      <p:nvGrpSpPr>
-        <p:cNvPr id="1" name=""/>
-        <p:cNvGrpSpPr/>
-        <p:nvPr/>
-      </p:nvGrpSpPr>
-      <p:grpSpPr>
-        <a:xfrm>
-          <a:off x="0" y="0"/>
-          <a:ext cx="0" cy="0"/>
-          <a:chOff x="0" y="0"/>
-          <a:chExt cx="0" cy="0"/>
-        </a:xfrm>
-      </p:grpSpPr>
-      <p:sp>
-        <p:nvSpPr>
-          <p:cNvPr id="2" name="Title 1"/>
-          <p:cNvSpPr>
-            <a:spLocks noGrp="1"/>
-          </p:cNvSpPr>
-          <p:nvPr>
-            <p:ph type="title"/>
-          </p:nvPr>
-        </p:nvSpPr>
-        <p:spPr>
-          <a:xfrm>
-            <a:off x="152400" y="685800"/>
-            <a:ext cx="8534400" cy="457200"/>
-          </a:xfrm>
-        </p:spPr>
-        <p:txBody>
-          <a:bodyPr>
-            <a:noAutofit/>
-          </a:bodyPr>
-          <a:lstStyle/>
-          <a:p>
-            <a:r>
-              <a:rPr lang="en-US" sz="4000" dirty="0" smtClean="0"/>
-              <a:t>Request/Response</a:t>
-            </a:r>
-            <a:endParaRPr lang="en-US" sz="4000" dirty="0"/>
-          </a:p>
-        </p:txBody>
-      </p:sp>
-      <p:pic>
-        <p:nvPicPr>
-          <p:cNvPr id="7" name="Content Placeholder 6"/>
-          <p:cNvPicPr>
-            <a:picLocks noGrp="1" noChangeAspect="1"/>
-          </p:cNvPicPr>
-          <p:nvPr>
-            <p:ph idx="1"/>
-          </p:nvPr>
-        </p:nvPicPr>
-        <p:blipFill>
-          <a:blip r:embed="rId2" cstate="print">
-            <a:extLst>
-              <a:ext uri="{28A0092B-C50C-407E-A947-70E740481C1C}">
-                <a14:useLocalDpi xmlns:a14="http://schemas.microsoft.com/office/drawing/2010/main" val="0"/>
-              </a:ext>
-            </a:extLst>
-          </a:blip>
-          <a:stretch>
-            <a:fillRect/>
-          </a:stretch>
-        </p:blipFill>
-        <p:spPr>
-          <a:xfrm>
-            <a:off x="0" y="228600"/>
-            <a:ext cx="2158850" cy="533400"/>
-          </a:xfrm>
-        </p:spPr>
-      </p:pic>
-      <p:pic>
-        <p:nvPicPr>
-          <p:cNvPr id="1026" name="Picture 2"/>
-          <p:cNvPicPr>
-            <a:picLocks noChangeAspect="1" noChangeArrowheads="1"/>
-          </p:cNvPicPr>
-          <p:nvPr/>
-        </p:nvPicPr>
-        <p:blipFill>
-          <a:blip r:embed="rId3">
-            <a:extLst>
-              <a:ext uri="{28A0092B-C50C-407E-A947-70E740481C1C}">
-                <a14:useLocalDpi xmlns:a14="http://schemas.microsoft.com/office/drawing/2010/main" val="0"/>
-              </a:ext>
-            </a:extLst>
-          </a:blip>
-          <a:srcRect/>
-          <a:stretch>
-            <a:fillRect/>
-          </a:stretch>
-        </p:blipFill>
-        <p:spPr bwMode="auto">
-          <a:xfrm>
-            <a:off x="0" y="0"/>
-            <a:ext cx="9144000" cy="228600"/>
-          </a:xfrm>
-          <a:prstGeom prst="rect">
-            <a:avLst/>
-          </a:prstGeom>
-          <a:noFill/>
-          <a:ln>
-            <a:noFill/>
-          </a:ln>
-          <a:effectLst/>
-          <a:extLst>
-            <a:ext uri="{909E8E84-426E-40DD-AFC4-6F175D3DCCD1}">
-              <a14:hiddenFill xmlns:a14="http://schemas.microsoft.com/office/drawing/2010/main">
-                <a:solidFill>
-                  <a:schemeClr val="accent1"/>
-                </a:solidFill>
-              </a14:hiddenFill>
-            </a:ext>
-            <a:ext uri="{91240B29-F687-4F45-9708-019B960494DF}">
-              <a14:hiddenLine xmlns:a14="http://schemas.microsoft.com/office/drawing/2010/main" w="9525">
-                <a:solidFill>
-                  <a:schemeClr val="tx1"/>
-                </a:solidFill>
-                <a:miter lim="800000"/>
-                <a:headEnd/>
-                <a:tailEnd/>
-              </a14:hiddenLine>
-            </a:ext>
-            <a:ext uri="{AF507438-7753-43E0-B8FC-AC1667EBCBE1}">
-              <a14:hiddenEffects xmlns:a14="http://schemas.microsoft.com/office/drawing/2010/main">
-                <a:effectLst>
-                  <a:outerShdw dist="35921" dir="2700000" algn="ctr" rotWithShape="0">
-                    <a:schemeClr val="bg2"/>
-                  </a:outerShdw>
-                </a:effectLst>
-              </a14:hiddenEffects>
-            </a:ext>
-          </a:extLst>
-        </p:spPr>
-      </p:pic>
-      <p:sp>
-        <p:nvSpPr>
-          <p:cNvPr id="3" name="Rectangle 2"/>
-          <p:cNvSpPr/>
-          <p:nvPr/>
-        </p:nvSpPr>
-        <p:spPr>
-          <a:xfrm>
-            <a:off x="914400" y="2139434"/>
-            <a:ext cx="2223686" cy="369332"/>
-          </a:xfrm>
-          <a:prstGeom prst="rect">
-            <a:avLst/>
-          </a:prstGeom>
-        </p:spPr>
-        <p:txBody>
-          <a:bodyPr wrap="none">
-            <a:spAutoFit/>
-          </a:bodyPr>
-          <a:lstStyle/>
-          <a:p>
-            <a:r>
-              <a:rPr lang="en-US" dirty="0"/>
-              <a:t>Given some {route}:</a:t>
-            </a:r>
-          </a:p>
-        </p:txBody>
-      </p:sp>
-      <p:sp>
-        <p:nvSpPr>
-          <p:cNvPr id="4" name="Rectangle 3"/>
-          <p:cNvSpPr/>
-          <p:nvPr/>
-        </p:nvSpPr>
-        <p:spPr>
-          <a:xfrm>
-            <a:off x="1066800" y="3626539"/>
-            <a:ext cx="3711272" cy="923330"/>
-          </a:xfrm>
-          <a:prstGeom prst="rect">
-            <a:avLst/>
-          </a:prstGeom>
-        </p:spPr>
-        <p:txBody>
-          <a:bodyPr wrap="none">
-            <a:spAutoFit/>
-          </a:bodyPr>
-          <a:lstStyle/>
-          <a:p>
-            <a:r>
-              <a:rPr lang="en-US" dirty="0"/>
-              <a:t>1. </a:t>
-            </a:r>
-            <a:r>
-              <a:rPr lang="en-US" dirty="0" smtClean="0"/>
-              <a:t>Find the </a:t>
-            </a:r>
-            <a:r>
-              <a:rPr lang="en-US" dirty="0" err="1" smtClean="0"/>
-              <a:t>BehaviorChain</a:t>
-            </a:r>
-            <a:r>
-              <a:rPr lang="en-US" dirty="0"/>
-              <a:t> </a:t>
-            </a:r>
-            <a:r>
-              <a:rPr lang="en-US" dirty="0" smtClean="0"/>
-              <a:t>for the </a:t>
-            </a:r>
-            <a:br>
-              <a:rPr lang="en-US" dirty="0" smtClean="0"/>
-            </a:br>
-            <a:r>
-              <a:rPr lang="en-US" dirty="0" smtClean="0"/>
-              <a:t>        route, via the </a:t>
-            </a:r>
-            <a:r>
-              <a:rPr lang="en-US" dirty="0" err="1" smtClean="0"/>
-              <a:t>BehaviorGraph</a:t>
-            </a:r>
-            <a:r>
-              <a:rPr lang="en-US" dirty="0" smtClean="0"/>
-              <a:t>,</a:t>
-            </a:r>
-            <a:br>
-              <a:rPr lang="en-US" dirty="0" smtClean="0"/>
-            </a:br>
-            <a:r>
-              <a:rPr lang="en-US" dirty="0" smtClean="0"/>
-              <a:t>        using the configured </a:t>
-            </a:r>
-            <a:r>
-              <a:rPr lang="en-US" dirty="0" err="1" smtClean="0"/>
-              <a:t>Guid</a:t>
-            </a:r>
-            <a:endParaRPr lang="en-US" dirty="0"/>
-          </a:p>
-        </p:txBody>
-      </p:sp>
-      <p:sp>
-        <p:nvSpPr>
-          <p:cNvPr id="11" name="Rounded Rectangle 10"/>
-          <p:cNvSpPr/>
-          <p:nvPr/>
-        </p:nvSpPr>
-        <p:spPr>
-          <a:xfrm>
-            <a:off x="6088380" y="1981200"/>
-            <a:ext cx="1684020" cy="685800"/>
-          </a:xfrm>
-          <a:prstGeom prst="roundRect">
-            <a:avLst/>
-          </a:prstGeom>
-        </p:spPr>
-        <p:style>
-          <a:lnRef idx="1">
-            <a:schemeClr val="accent4"/>
-          </a:lnRef>
-          <a:fillRef idx="3">
-            <a:schemeClr val="accent4"/>
-          </a:fillRef>
-          <a:effectRef idx="2">
-            <a:schemeClr val="accent4"/>
-          </a:effectRef>
-          <a:fontRef idx="minor">
-            <a:schemeClr val="lt1"/>
-          </a:fontRef>
-        </p:style>
-        <p:txBody>
-          <a:bodyPr rtlCol="0" anchor="ctr"/>
-          <a:lstStyle/>
-          <a:p>
-            <a:pPr algn="ctr"/>
-            <a:r>
-              <a:rPr lang="en-US" dirty="0" smtClean="0"/>
-              <a:t>Routing</a:t>
-            </a:r>
-            <a:endParaRPr lang="en-US" dirty="0"/>
-          </a:p>
-        </p:txBody>
-      </p:sp>
-      <p:sp>
-        <p:nvSpPr>
-          <p:cNvPr id="12" name="Rounded Rectangle 11"/>
-          <p:cNvSpPr/>
-          <p:nvPr/>
-        </p:nvSpPr>
-        <p:spPr>
-          <a:xfrm>
-            <a:off x="5638800" y="3505200"/>
-            <a:ext cx="2590800" cy="3124200"/>
-          </a:xfrm>
-          <a:prstGeom prst="roundRect">
-            <a:avLst/>
-          </a:prstGeom>
-        </p:spPr>
-        <p:style>
-          <a:lnRef idx="1">
-            <a:schemeClr val="accent4"/>
-          </a:lnRef>
-          <a:fillRef idx="3">
-            <a:schemeClr val="accent4"/>
-          </a:fillRef>
-          <a:effectRef idx="2">
-            <a:schemeClr val="accent4"/>
-          </a:effectRef>
-          <a:fontRef idx="minor">
-            <a:schemeClr val="lt1"/>
-          </a:fontRef>
-        </p:style>
-        <p:txBody>
-          <a:bodyPr rtlCol="0" anchor="ctr"/>
-          <a:lstStyle/>
-          <a:p>
-            <a:pPr algn="ctr"/>
-            <a:r>
-              <a:rPr lang="en-US" dirty="0" err="1" smtClean="0"/>
-              <a:t>FubuMVC</a:t>
-            </a:r>
-            <a:endParaRPr lang="en-US" dirty="0" smtClean="0"/>
-          </a:p>
-          <a:p>
-            <a:pPr algn="ctr"/>
-            <a:endParaRPr lang="en-US" dirty="0"/>
-          </a:p>
-          <a:p>
-            <a:pPr algn="ctr"/>
-            <a:endParaRPr lang="en-US" dirty="0" smtClean="0"/>
-          </a:p>
-          <a:p>
-            <a:pPr algn="ctr"/>
-            <a:endParaRPr lang="en-US" dirty="0"/>
-          </a:p>
-          <a:p>
-            <a:pPr algn="ctr"/>
-            <a:endParaRPr lang="en-US" dirty="0" smtClean="0"/>
-          </a:p>
-          <a:p>
-            <a:pPr algn="ctr"/>
-            <a:endParaRPr lang="en-US" dirty="0"/>
-          </a:p>
-          <a:p>
-            <a:pPr algn="ctr"/>
-            <a:endParaRPr lang="en-US" dirty="0" smtClean="0"/>
-          </a:p>
-          <a:p>
-            <a:pPr algn="ctr"/>
-            <a:endParaRPr lang="en-US" dirty="0"/>
-          </a:p>
-          <a:p>
-            <a:pPr algn="ctr"/>
-            <a:endParaRPr lang="en-US" dirty="0" smtClean="0"/>
-          </a:p>
-          <a:p>
-            <a:pPr algn="ctr"/>
-            <a:endParaRPr lang="en-US" dirty="0"/>
-          </a:p>
-        </p:txBody>
-      </p:sp>
-      <p:sp>
-        <p:nvSpPr>
-          <p:cNvPr id="13" name="Rounded Rectangle 12"/>
-          <p:cNvSpPr/>
-          <p:nvPr/>
-        </p:nvSpPr>
-        <p:spPr>
-          <a:xfrm>
-            <a:off x="5831840" y="4457700"/>
-            <a:ext cx="2245360" cy="609600"/>
-          </a:xfrm>
-          <a:prstGeom prst="roundRect">
-            <a:avLst/>
-          </a:prstGeom>
-        </p:spPr>
-        <p:style>
-          <a:lnRef idx="1">
-            <a:schemeClr val="accent6"/>
-          </a:lnRef>
-          <a:fillRef idx="3">
-            <a:schemeClr val="accent6"/>
-          </a:fillRef>
-          <a:effectRef idx="2">
-            <a:schemeClr val="accent6"/>
-          </a:effectRef>
-          <a:fontRef idx="minor">
-            <a:schemeClr val="lt1"/>
-          </a:fontRef>
-        </p:style>
-        <p:txBody>
-          <a:bodyPr rtlCol="0" anchor="ctr"/>
-          <a:lstStyle/>
-          <a:p>
-            <a:pPr algn="ctr"/>
-            <a:r>
-              <a:rPr lang="en-US" dirty="0" smtClean="0"/>
-              <a:t>Resolve Chain</a:t>
-            </a:r>
-            <a:endParaRPr lang="en-US" dirty="0"/>
-          </a:p>
-        </p:txBody>
-      </p:sp>
-      <p:cxnSp>
-        <p:nvCxnSpPr>
-          <p:cNvPr id="14" name="Straight Arrow Connector 13"/>
-          <p:cNvCxnSpPr>
-            <a:stCxn id="11" idx="2"/>
-            <a:endCxn id="12" idx="0"/>
-          </p:cNvCxnSpPr>
-          <p:nvPr/>
-        </p:nvCxnSpPr>
-        <p:spPr>
-          <a:xfrm>
-            <a:off x="6930390" y="2667000"/>
-            <a:ext cx="3810" cy="838200"/>
-          </a:xfrm>
-          <a:prstGeom prst="straightConnector1">
-            <a:avLst/>
-          </a:prstGeom>
-          <a:ln w="25400">
-            <a:tailEnd type="arrow"/>
-          </a:ln>
-        </p:spPr>
-        <p:style>
-          <a:lnRef idx="3">
-            <a:schemeClr val="accent2"/>
-          </a:lnRef>
-          <a:fillRef idx="0">
-            <a:schemeClr val="accent2"/>
-          </a:fillRef>
-          <a:effectRef idx="2">
-            <a:schemeClr val="accent2"/>
-          </a:effectRef>
-          <a:fontRef idx="minor">
-            <a:schemeClr val="tx1"/>
-          </a:fontRef>
-        </p:style>
-      </p:cxnSp>
-      <p:sp>
-        <p:nvSpPr>
-          <p:cNvPr id="15" name="Rounded Rectangle 14"/>
-          <p:cNvSpPr/>
-          <p:nvPr/>
-        </p:nvSpPr>
-        <p:spPr>
-          <a:xfrm>
-            <a:off x="5831840" y="5257800"/>
-            <a:ext cx="2245360" cy="609600"/>
-          </a:xfrm>
-          <a:prstGeom prst="roundRect">
-            <a:avLst/>
-          </a:prstGeom>
-        </p:spPr>
-        <p:style>
-          <a:lnRef idx="1">
-            <a:schemeClr val="accent6"/>
-          </a:lnRef>
-          <a:fillRef idx="3">
-            <a:schemeClr val="accent6"/>
-          </a:fillRef>
-          <a:effectRef idx="2">
-            <a:schemeClr val="accent6"/>
-          </a:effectRef>
-          <a:fontRef idx="minor">
-            <a:schemeClr val="lt1"/>
-          </a:fontRef>
-        </p:style>
-        <p:txBody>
-          <a:bodyPr rtlCol="0" anchor="ctr"/>
-          <a:lstStyle/>
-          <a:p>
-            <a:pPr algn="ctr"/>
-            <a:r>
-              <a:rPr lang="en-US" dirty="0" smtClean="0"/>
-              <a:t>Execute Chain</a:t>
-            </a:r>
-            <a:endParaRPr lang="en-US" dirty="0"/>
-          </a:p>
-        </p:txBody>
-      </p:sp>
-      <p:sp>
-        <p:nvSpPr>
-          <p:cNvPr id="5" name="Rectangle 4"/>
-          <p:cNvSpPr/>
-          <p:nvPr/>
-        </p:nvSpPr>
-        <p:spPr>
-          <a:xfrm>
-            <a:off x="1066800" y="5269468"/>
-            <a:ext cx="3147015" cy="369332"/>
-          </a:xfrm>
-          <a:prstGeom prst="rect">
-            <a:avLst/>
-          </a:prstGeom>
-        </p:spPr>
-        <p:txBody>
-          <a:bodyPr wrap="none">
-            <a:spAutoFit/>
-          </a:bodyPr>
-          <a:lstStyle/>
-          <a:p>
-            <a:r>
-              <a:rPr lang="en-US" dirty="0"/>
-              <a:t>2. Invoke </a:t>
-            </a:r>
-            <a:r>
-              <a:rPr lang="en-US" dirty="0" smtClean="0"/>
-              <a:t>that </a:t>
-            </a:r>
-            <a:r>
-              <a:rPr lang="en-US" dirty="0" err="1" smtClean="0"/>
-              <a:t>BehaviorChain</a:t>
-            </a:r>
-            <a:endParaRPr lang="en-US" dirty="0"/>
-          </a:p>
-        </p:txBody>
-      </p:sp>
-    </p:spTree>
-    <p:extLst>
-      <p:ext uri="{BB962C8B-B14F-4D97-AF65-F5344CB8AC3E}">
-        <p14:creationId xmlns:p14="http://schemas.microsoft.com/office/powerpoint/2010/main" val="2530536539"/>
-      </p:ext>
-    </p:extLst>
-  </p:cSld>
-  <p:clrMapOvr>
-    <a:masterClrMapping/>
-  </p:clrMapOvr>
-  <p:timing>
-    <p:tnLst>
-      <p:par>
-        <p:cTn id="1" dur="indefinite" restart="never" nodeType="tmRoot"/>
-      </p:par>
-    </p:tnLst>
-  </p:timing>
-</p:sld>
-</file>
-
-<file path=ppt/slides/slide35.xml><?xml version="1.0" encoding="utf-8"?>
-<p:sld xmlns:a="http://schemas.openxmlformats.org/drawingml/2006/main" xmlns:r="http://schemas.openxmlformats.org/officeDocument/2006/relationships" xmlns:p="http://schemas.openxmlformats.org/presentationml/2006/main">
-  <p:cSld>
-    <p:spTree>
-      <p:nvGrpSpPr>
-        <p:cNvPr id="1" name=""/>
-        <p:cNvGrpSpPr/>
-        <p:nvPr/>
-      </p:nvGrpSpPr>
-      <p:grpSpPr>
-        <a:xfrm>
-          <a:off x="0" y="0"/>
-          <a:ext cx="0" cy="0"/>
-          <a:chOff x="0" y="0"/>
-          <a:chExt cx="0" cy="0"/>
-        </a:xfrm>
-      </p:grpSpPr>
-      <p:sp>
-        <p:nvSpPr>
-          <p:cNvPr id="2" name="Title 1"/>
-          <p:cNvSpPr>
-            <a:spLocks noGrp="1"/>
-          </p:cNvSpPr>
-          <p:nvPr>
-            <p:ph type="title"/>
-          </p:nvPr>
-        </p:nvSpPr>
-        <p:spPr>
-          <a:xfrm>
-            <a:off x="152400" y="685800"/>
-            <a:ext cx="8534400" cy="457200"/>
-          </a:xfrm>
-        </p:spPr>
-        <p:txBody>
-          <a:bodyPr>
-            <a:noAutofit/>
-          </a:bodyPr>
-          <a:lstStyle/>
-          <a:p>
-            <a:r>
-              <a:rPr lang="en-US" sz="4000" dirty="0" smtClean="0"/>
-              <a:t>Who Cares?</a:t>
-            </a:r>
-            <a:endParaRPr lang="en-US" sz="4000" dirty="0"/>
-          </a:p>
-        </p:txBody>
-      </p:sp>
-      <p:pic>
-        <p:nvPicPr>
-          <p:cNvPr id="7" name="Content Placeholder 6"/>
-          <p:cNvPicPr>
-            <a:picLocks noGrp="1" noChangeAspect="1"/>
-          </p:cNvPicPr>
-          <p:nvPr>
-            <p:ph idx="1"/>
-          </p:nvPr>
-        </p:nvPicPr>
-        <p:blipFill>
-          <a:blip r:embed="rId2" cstate="print">
-            <a:extLst>
-              <a:ext uri="{28A0092B-C50C-407E-A947-70E740481C1C}">
-                <a14:useLocalDpi xmlns:a14="http://schemas.microsoft.com/office/drawing/2010/main" val="0"/>
-              </a:ext>
-            </a:extLst>
-          </a:blip>
-          <a:stretch>
-            <a:fillRect/>
-          </a:stretch>
-        </p:blipFill>
-        <p:spPr>
-          <a:xfrm>
-            <a:off x="0" y="228600"/>
-            <a:ext cx="2158850" cy="533400"/>
-          </a:xfrm>
-        </p:spPr>
-      </p:pic>
-      <p:pic>
-        <p:nvPicPr>
-          <p:cNvPr id="1026" name="Picture 2"/>
-          <p:cNvPicPr>
-            <a:picLocks noChangeAspect="1" noChangeArrowheads="1"/>
-          </p:cNvPicPr>
-          <p:nvPr/>
-        </p:nvPicPr>
-        <p:blipFill>
-          <a:blip r:embed="rId3">
-            <a:extLst>
-              <a:ext uri="{28A0092B-C50C-407E-A947-70E740481C1C}">
-                <a14:useLocalDpi xmlns:a14="http://schemas.microsoft.com/office/drawing/2010/main" val="0"/>
-              </a:ext>
-            </a:extLst>
-          </a:blip>
-          <a:srcRect/>
-          <a:stretch>
-            <a:fillRect/>
-          </a:stretch>
-        </p:blipFill>
-        <p:spPr bwMode="auto">
-          <a:xfrm>
-            <a:off x="0" y="0"/>
-            <a:ext cx="9144000" cy="228600"/>
-          </a:xfrm>
-          <a:prstGeom prst="rect">
-            <a:avLst/>
-          </a:prstGeom>
-          <a:noFill/>
-          <a:ln>
-            <a:noFill/>
-          </a:ln>
-          <a:effectLst/>
-          <a:extLst>
-            <a:ext uri="{909E8E84-426E-40DD-AFC4-6F175D3DCCD1}">
-              <a14:hiddenFill xmlns:a14="http://schemas.microsoft.com/office/drawing/2010/main">
-                <a:solidFill>
-                  <a:schemeClr val="accent1"/>
-                </a:solidFill>
-              </a14:hiddenFill>
-            </a:ext>
-            <a:ext uri="{91240B29-F687-4F45-9708-019B960494DF}">
-              <a14:hiddenLine xmlns:a14="http://schemas.microsoft.com/office/drawing/2010/main" w="9525">
-                <a:solidFill>
-                  <a:schemeClr val="tx1"/>
-                </a:solidFill>
-                <a:miter lim="800000"/>
-                <a:headEnd/>
-                <a:tailEnd/>
-              </a14:hiddenLine>
-            </a:ext>
-            <a:ext uri="{AF507438-7753-43E0-B8FC-AC1667EBCBE1}">
-              <a14:hiddenEffects xmlns:a14="http://schemas.microsoft.com/office/drawing/2010/main">
-                <a:effectLst>
-                  <a:outerShdw dist="35921" dir="2700000" algn="ctr" rotWithShape="0">
-                    <a:schemeClr val="bg2"/>
-                  </a:outerShdw>
-                </a:effectLst>
-              </a14:hiddenEffects>
-            </a:ext>
-          </a:extLst>
-        </p:spPr>
-      </p:pic>
-      <p:sp>
-        <p:nvSpPr>
-          <p:cNvPr id="18" name="Content Placeholder 2"/>
-          <p:cNvSpPr txBox="1">
-            <a:spLocks/>
-          </p:cNvSpPr>
-          <p:nvPr/>
-        </p:nvSpPr>
-        <p:spPr>
-          <a:xfrm>
-            <a:off x="457200" y="2057400"/>
-            <a:ext cx="8229600" cy="4068763"/>
-          </a:xfrm>
-          <a:prstGeom prst="rect">
-            <a:avLst/>
-          </a:prstGeom>
-        </p:spPr>
-        <p:txBody>
-          <a:bodyPr vert="horz" lIns="91440" tIns="45720" rIns="91440" bIns="45720" rtlCol="0">
-            <a:normAutofit/>
-          </a:bodyPr>
-          <a:lstStyle>
-            <a:lvl1pPr marL="342900" indent="-342900" algn="l" defTabSz="914400" rtl="0" eaLnBrk="1" latinLnBrk="0" hangingPunct="1">
-              <a:spcBef>
-                <a:spcPct val="20000"/>
-              </a:spcBef>
-              <a:buClr>
-                <a:schemeClr val="accent1"/>
-              </a:buClr>
-              <a:buSzPct val="75000"/>
-              <a:buFont typeface="Wingdings" pitchFamily="2" charset="2"/>
-              <a:buChar char=""/>
-              <a:defRPr sz="2400" kern="1200">
-                <a:solidFill>
-                  <a:schemeClr val="tx2"/>
-                </a:solidFill>
-                <a:latin typeface="+mn-lt"/>
-                <a:ea typeface="+mn-ea"/>
-                <a:cs typeface="+mn-cs"/>
-              </a:defRPr>
-            </a:lvl1pPr>
-            <a:lvl2pPr marL="742950" indent="-285750" algn="l" defTabSz="914400" rtl="0" eaLnBrk="1" latinLnBrk="0" hangingPunct="1">
-              <a:spcBef>
-                <a:spcPct val="20000"/>
-              </a:spcBef>
-              <a:buClr>
-                <a:schemeClr val="accent2"/>
-              </a:buClr>
-              <a:buSzPct val="85000"/>
-              <a:buFont typeface="Courier New" pitchFamily="49" charset="0"/>
-              <a:buChar char="o"/>
-              <a:defRPr sz="2000" kern="1200">
-                <a:solidFill>
-                  <a:schemeClr val="tx2"/>
-                </a:solidFill>
-                <a:latin typeface="+mn-lt"/>
-                <a:ea typeface="+mn-ea"/>
-                <a:cs typeface="+mn-cs"/>
-              </a:defRPr>
-            </a:lvl2pPr>
-            <a:lvl3pPr marL="1143000" indent="-228600" algn="l" defTabSz="914400" rtl="0" eaLnBrk="1" latinLnBrk="0" hangingPunct="1">
-              <a:spcBef>
-                <a:spcPct val="20000"/>
-              </a:spcBef>
-              <a:buClr>
-                <a:schemeClr val="accent3"/>
-              </a:buClr>
-              <a:buFont typeface="Arial" pitchFamily="34" charset="0"/>
-              <a:buChar char="•"/>
-              <a:defRPr sz="1800" kern="1200">
-                <a:solidFill>
-                  <a:schemeClr val="tx2"/>
-                </a:solidFill>
-                <a:latin typeface="+mn-lt"/>
-                <a:ea typeface="+mn-ea"/>
-                <a:cs typeface="+mn-cs"/>
-              </a:defRPr>
-            </a:lvl3pPr>
-            <a:lvl4pPr marL="1600200" indent="-228600" algn="l" defTabSz="914400" rtl="0" eaLnBrk="1" latinLnBrk="0" hangingPunct="1">
-              <a:spcBef>
-                <a:spcPct val="20000"/>
-              </a:spcBef>
-              <a:buClr>
-                <a:schemeClr val="accent4"/>
-              </a:buClr>
-              <a:buFont typeface="Arial" pitchFamily="34" charset="0"/>
-              <a:buChar char="•"/>
-              <a:defRPr sz="1600" kern="1200">
-                <a:solidFill>
-                  <a:schemeClr val="tx2"/>
-                </a:solidFill>
-                <a:latin typeface="+mn-lt"/>
-                <a:ea typeface="+mn-ea"/>
-                <a:cs typeface="+mn-cs"/>
-              </a:defRPr>
-            </a:lvl4pPr>
-            <a:lvl5pPr marL="2057400" indent="-228600" algn="l" defTabSz="914400" rtl="0" eaLnBrk="1" latinLnBrk="0" hangingPunct="1">
-              <a:spcBef>
-                <a:spcPct val="20000"/>
-              </a:spcBef>
-              <a:buClr>
-                <a:schemeClr val="accent5"/>
-              </a:buClr>
-              <a:buFont typeface="Arial" pitchFamily="34" charset="0"/>
-              <a:buChar char="•"/>
-              <a:defRPr sz="1400" kern="1200" baseline="0">
-                <a:solidFill>
-                  <a:schemeClr val="tx2"/>
-                </a:solidFill>
-                <a:latin typeface="+mn-lt"/>
-                <a:ea typeface="+mn-ea"/>
-                <a:cs typeface="+mn-cs"/>
-              </a:defRPr>
-            </a:lvl5pPr>
-            <a:lvl6pPr marL="2514600" indent="-228600" algn="l" defTabSz="914400" rtl="0" eaLnBrk="1" latinLnBrk="0" hangingPunct="1">
-              <a:spcBef>
-                <a:spcPct val="20000"/>
-              </a:spcBef>
-              <a:buClr>
-                <a:schemeClr val="accent6"/>
-              </a:buClr>
-              <a:buFont typeface="Arial" pitchFamily="34" charset="0"/>
-              <a:buChar char="•"/>
-              <a:defRPr sz="1400" kern="1200">
-                <a:solidFill>
-                  <a:schemeClr val="tx2"/>
-                </a:solidFill>
-                <a:latin typeface="+mn-lt"/>
-                <a:ea typeface="+mn-ea"/>
-                <a:cs typeface="+mn-cs"/>
-              </a:defRPr>
-            </a:lvl6pPr>
-            <a:lvl7pPr marL="2971800" indent="-228600" algn="l" defTabSz="914400" rtl="0" eaLnBrk="1" latinLnBrk="0" hangingPunct="1">
-              <a:spcBef>
-                <a:spcPct val="20000"/>
-              </a:spcBef>
-              <a:buClr>
-                <a:schemeClr val="accent1"/>
-              </a:buClr>
-              <a:buFont typeface="Arial" pitchFamily="34" charset="0"/>
-              <a:buChar char="•"/>
-              <a:defRPr sz="1400" kern="1200">
-                <a:solidFill>
-                  <a:schemeClr val="tx2"/>
-                </a:solidFill>
-                <a:latin typeface="+mn-lt"/>
-                <a:ea typeface="+mn-ea"/>
-                <a:cs typeface="+mn-cs"/>
-              </a:defRPr>
-            </a:lvl7pPr>
-            <a:lvl8pPr marL="3429000" indent="-228600" algn="l" defTabSz="914400" rtl="0" eaLnBrk="1" latinLnBrk="0" hangingPunct="1">
-              <a:spcBef>
-                <a:spcPct val="20000"/>
-              </a:spcBef>
-              <a:buClr>
-                <a:schemeClr val="accent4"/>
-              </a:buClr>
-              <a:buFont typeface="Arial" pitchFamily="34" charset="0"/>
-              <a:buChar char="•"/>
-              <a:defRPr sz="1400" kern="1200">
-                <a:solidFill>
-                  <a:schemeClr val="tx2"/>
-                </a:solidFill>
-                <a:latin typeface="+mn-lt"/>
-                <a:ea typeface="+mn-ea"/>
-                <a:cs typeface="+mn-cs"/>
-              </a:defRPr>
-            </a:lvl8pPr>
-            <a:lvl9pPr marL="3886200" indent="-228600" algn="l" defTabSz="914400" rtl="0" eaLnBrk="1" latinLnBrk="0" hangingPunct="1">
-              <a:spcBef>
-                <a:spcPct val="20000"/>
-              </a:spcBef>
-              <a:buClr>
-                <a:schemeClr val="accent5"/>
-              </a:buClr>
-              <a:buFont typeface="Arial" pitchFamily="34" charset="0"/>
-              <a:buChar char="•"/>
-              <a:defRPr sz="1400" kern="1200">
-                <a:solidFill>
-                  <a:schemeClr val="tx2"/>
-                </a:solidFill>
-                <a:latin typeface="+mn-lt"/>
-                <a:ea typeface="+mn-ea"/>
-                <a:cs typeface="+mn-cs"/>
-              </a:defRPr>
-            </a:lvl9pPr>
-          </a:lstStyle>
-          <a:p>
-            <a:r>
-              <a:rPr lang="en-US" dirty="0" smtClean="0"/>
-              <a:t>Behaviors seem cool…</a:t>
-            </a:r>
-          </a:p>
-          <a:p>
-            <a:pPr lvl="1"/>
-            <a:r>
-              <a:rPr lang="en-US" dirty="0" smtClean="0"/>
-              <a:t>What’s the point?</a:t>
-            </a:r>
-          </a:p>
-        </p:txBody>
-      </p:sp>
-    </p:spTree>
-    <p:extLst>
-      <p:ext uri="{BB962C8B-B14F-4D97-AF65-F5344CB8AC3E}">
-        <p14:creationId xmlns:p14="http://schemas.microsoft.com/office/powerpoint/2010/main" val="332803803"/>
       </p:ext>
     </p:extLst>
   </p:cSld>
@@ -17791,7 +17920,7 @@
           <a:p>
             <a:r>
               <a:rPr lang="en-US" sz="4000" dirty="0" smtClean="0"/>
-              <a:t>How about an example?</a:t>
+              <a:t>Request/Response</a:t>
             </a:r>
             <a:endParaRPr lang="en-US" sz="4000" dirty="0"/>
           </a:p>
@@ -17890,6 +18019,904 @@
           </a:extLst>
         </p:spPr>
       </p:pic>
+      <p:sp>
+        <p:nvSpPr>
+          <p:cNvPr id="3" name="Rectangle 2"/>
+          <p:cNvSpPr/>
+          <p:nvPr/>
+        </p:nvSpPr>
+        <p:spPr>
+          <a:xfrm>
+            <a:off x="914400" y="2139434"/>
+            <a:ext cx="2223686" cy="369332"/>
+          </a:xfrm>
+          <a:prstGeom prst="rect">
+            <a:avLst/>
+          </a:prstGeom>
+        </p:spPr>
+        <p:txBody>
+          <a:bodyPr wrap="none">
+            <a:spAutoFit/>
+          </a:bodyPr>
+          <a:lstStyle/>
+          <a:p>
+            <a:r>
+              <a:rPr lang="en-US" dirty="0"/>
+              <a:t>Given some {route}:</a:t>
+            </a:r>
+          </a:p>
+        </p:txBody>
+      </p:sp>
+      <p:sp>
+        <p:nvSpPr>
+          <p:cNvPr id="4" name="Rectangle 3"/>
+          <p:cNvSpPr/>
+          <p:nvPr/>
+        </p:nvSpPr>
+        <p:spPr>
+          <a:xfrm>
+            <a:off x="1066800" y="3626539"/>
+            <a:ext cx="3711272" cy="923330"/>
+          </a:xfrm>
+          <a:prstGeom prst="rect">
+            <a:avLst/>
+          </a:prstGeom>
+        </p:spPr>
+        <p:txBody>
+          <a:bodyPr wrap="none">
+            <a:spAutoFit/>
+          </a:bodyPr>
+          <a:lstStyle/>
+          <a:p>
+            <a:r>
+              <a:rPr lang="en-US" dirty="0"/>
+              <a:t>1. </a:t>
+            </a:r>
+            <a:r>
+              <a:rPr lang="en-US" dirty="0" smtClean="0"/>
+              <a:t>Find the </a:t>
+            </a:r>
+            <a:r>
+              <a:rPr lang="en-US" dirty="0" err="1" smtClean="0"/>
+              <a:t>BehaviorChain</a:t>
+            </a:r>
+            <a:r>
+              <a:rPr lang="en-US" dirty="0"/>
+              <a:t> </a:t>
+            </a:r>
+            <a:r>
+              <a:rPr lang="en-US" dirty="0" smtClean="0"/>
+              <a:t>for the </a:t>
+            </a:r>
+            <a:br>
+              <a:rPr lang="en-US" dirty="0" smtClean="0"/>
+            </a:br>
+            <a:r>
+              <a:rPr lang="en-US" dirty="0" smtClean="0"/>
+              <a:t>        route, via the </a:t>
+            </a:r>
+            <a:r>
+              <a:rPr lang="en-US" dirty="0" err="1" smtClean="0"/>
+              <a:t>BehaviorGraph</a:t>
+            </a:r>
+            <a:r>
+              <a:rPr lang="en-US" dirty="0" smtClean="0"/>
+              <a:t>,</a:t>
+            </a:r>
+            <a:br>
+              <a:rPr lang="en-US" dirty="0" smtClean="0"/>
+            </a:br>
+            <a:r>
+              <a:rPr lang="en-US" dirty="0" smtClean="0"/>
+              <a:t>        using the configured </a:t>
+            </a:r>
+            <a:r>
+              <a:rPr lang="en-US" dirty="0" err="1" smtClean="0"/>
+              <a:t>Guid</a:t>
+            </a:r>
+            <a:endParaRPr lang="en-US" dirty="0"/>
+          </a:p>
+        </p:txBody>
+      </p:sp>
+      <p:sp>
+        <p:nvSpPr>
+          <p:cNvPr id="11" name="Rounded Rectangle 10"/>
+          <p:cNvSpPr/>
+          <p:nvPr/>
+        </p:nvSpPr>
+        <p:spPr>
+          <a:xfrm>
+            <a:off x="6088380" y="1981200"/>
+            <a:ext cx="1684020" cy="685800"/>
+          </a:xfrm>
+          <a:prstGeom prst="roundRect">
+            <a:avLst/>
+          </a:prstGeom>
+        </p:spPr>
+        <p:style>
+          <a:lnRef idx="1">
+            <a:schemeClr val="accent4"/>
+          </a:lnRef>
+          <a:fillRef idx="3">
+            <a:schemeClr val="accent4"/>
+          </a:fillRef>
+          <a:effectRef idx="2">
+            <a:schemeClr val="accent4"/>
+          </a:effectRef>
+          <a:fontRef idx="minor">
+            <a:schemeClr val="lt1"/>
+          </a:fontRef>
+        </p:style>
+        <p:txBody>
+          <a:bodyPr rtlCol="0" anchor="ctr"/>
+          <a:lstStyle/>
+          <a:p>
+            <a:pPr algn="ctr"/>
+            <a:r>
+              <a:rPr lang="en-US" dirty="0" smtClean="0"/>
+              <a:t>Routing</a:t>
+            </a:r>
+            <a:endParaRPr lang="en-US" dirty="0"/>
+          </a:p>
+        </p:txBody>
+      </p:sp>
+      <p:sp>
+        <p:nvSpPr>
+          <p:cNvPr id="12" name="Rounded Rectangle 11"/>
+          <p:cNvSpPr/>
+          <p:nvPr/>
+        </p:nvSpPr>
+        <p:spPr>
+          <a:xfrm>
+            <a:off x="5638800" y="3505200"/>
+            <a:ext cx="2590800" cy="3124200"/>
+          </a:xfrm>
+          <a:prstGeom prst="roundRect">
+            <a:avLst/>
+          </a:prstGeom>
+        </p:spPr>
+        <p:style>
+          <a:lnRef idx="1">
+            <a:schemeClr val="accent4"/>
+          </a:lnRef>
+          <a:fillRef idx="3">
+            <a:schemeClr val="accent4"/>
+          </a:fillRef>
+          <a:effectRef idx="2">
+            <a:schemeClr val="accent4"/>
+          </a:effectRef>
+          <a:fontRef idx="minor">
+            <a:schemeClr val="lt1"/>
+          </a:fontRef>
+        </p:style>
+        <p:txBody>
+          <a:bodyPr rtlCol="0" anchor="ctr"/>
+          <a:lstStyle/>
+          <a:p>
+            <a:pPr algn="ctr"/>
+            <a:r>
+              <a:rPr lang="en-US" dirty="0" err="1" smtClean="0"/>
+              <a:t>FubuMVC</a:t>
+            </a:r>
+            <a:endParaRPr lang="en-US" dirty="0" smtClean="0"/>
+          </a:p>
+          <a:p>
+            <a:pPr algn="ctr"/>
+            <a:endParaRPr lang="en-US" dirty="0"/>
+          </a:p>
+          <a:p>
+            <a:pPr algn="ctr"/>
+            <a:endParaRPr lang="en-US" dirty="0" smtClean="0"/>
+          </a:p>
+          <a:p>
+            <a:pPr algn="ctr"/>
+            <a:endParaRPr lang="en-US" dirty="0"/>
+          </a:p>
+          <a:p>
+            <a:pPr algn="ctr"/>
+            <a:endParaRPr lang="en-US" dirty="0" smtClean="0"/>
+          </a:p>
+          <a:p>
+            <a:pPr algn="ctr"/>
+            <a:endParaRPr lang="en-US" dirty="0"/>
+          </a:p>
+          <a:p>
+            <a:pPr algn="ctr"/>
+            <a:endParaRPr lang="en-US" dirty="0" smtClean="0"/>
+          </a:p>
+          <a:p>
+            <a:pPr algn="ctr"/>
+            <a:endParaRPr lang="en-US" dirty="0"/>
+          </a:p>
+          <a:p>
+            <a:pPr algn="ctr"/>
+            <a:endParaRPr lang="en-US" dirty="0" smtClean="0"/>
+          </a:p>
+          <a:p>
+            <a:pPr algn="ctr"/>
+            <a:endParaRPr lang="en-US" dirty="0"/>
+          </a:p>
+        </p:txBody>
+      </p:sp>
+      <p:sp>
+        <p:nvSpPr>
+          <p:cNvPr id="13" name="Rounded Rectangle 12"/>
+          <p:cNvSpPr/>
+          <p:nvPr/>
+        </p:nvSpPr>
+        <p:spPr>
+          <a:xfrm>
+            <a:off x="5831840" y="4457700"/>
+            <a:ext cx="2245360" cy="609600"/>
+          </a:xfrm>
+          <a:prstGeom prst="roundRect">
+            <a:avLst/>
+          </a:prstGeom>
+        </p:spPr>
+        <p:style>
+          <a:lnRef idx="1">
+            <a:schemeClr val="accent6"/>
+          </a:lnRef>
+          <a:fillRef idx="3">
+            <a:schemeClr val="accent6"/>
+          </a:fillRef>
+          <a:effectRef idx="2">
+            <a:schemeClr val="accent6"/>
+          </a:effectRef>
+          <a:fontRef idx="minor">
+            <a:schemeClr val="lt1"/>
+          </a:fontRef>
+        </p:style>
+        <p:txBody>
+          <a:bodyPr rtlCol="0" anchor="ctr"/>
+          <a:lstStyle/>
+          <a:p>
+            <a:pPr algn="ctr"/>
+            <a:r>
+              <a:rPr lang="en-US" dirty="0" smtClean="0"/>
+              <a:t>Resolve Chain</a:t>
+            </a:r>
+            <a:endParaRPr lang="en-US" dirty="0"/>
+          </a:p>
+        </p:txBody>
+      </p:sp>
+      <p:cxnSp>
+        <p:nvCxnSpPr>
+          <p:cNvPr id="14" name="Straight Arrow Connector 13"/>
+          <p:cNvCxnSpPr>
+            <a:stCxn id="11" idx="2"/>
+            <a:endCxn id="12" idx="0"/>
+          </p:cNvCxnSpPr>
+          <p:nvPr/>
+        </p:nvCxnSpPr>
+        <p:spPr>
+          <a:xfrm>
+            <a:off x="6930390" y="2667000"/>
+            <a:ext cx="3810" cy="838200"/>
+          </a:xfrm>
+          <a:prstGeom prst="straightConnector1">
+            <a:avLst/>
+          </a:prstGeom>
+          <a:ln w="25400">
+            <a:tailEnd type="arrow"/>
+          </a:ln>
+        </p:spPr>
+        <p:style>
+          <a:lnRef idx="3">
+            <a:schemeClr val="accent2"/>
+          </a:lnRef>
+          <a:fillRef idx="0">
+            <a:schemeClr val="accent2"/>
+          </a:fillRef>
+          <a:effectRef idx="2">
+            <a:schemeClr val="accent2"/>
+          </a:effectRef>
+          <a:fontRef idx="minor">
+            <a:schemeClr val="tx1"/>
+          </a:fontRef>
+        </p:style>
+      </p:cxnSp>
+      <p:sp>
+        <p:nvSpPr>
+          <p:cNvPr id="15" name="Rounded Rectangle 14"/>
+          <p:cNvSpPr/>
+          <p:nvPr/>
+        </p:nvSpPr>
+        <p:spPr>
+          <a:xfrm>
+            <a:off x="5831840" y="5257800"/>
+            <a:ext cx="2245360" cy="609600"/>
+          </a:xfrm>
+          <a:prstGeom prst="roundRect">
+            <a:avLst/>
+          </a:prstGeom>
+        </p:spPr>
+        <p:style>
+          <a:lnRef idx="1">
+            <a:schemeClr val="accent6"/>
+          </a:lnRef>
+          <a:fillRef idx="3">
+            <a:schemeClr val="accent6"/>
+          </a:fillRef>
+          <a:effectRef idx="2">
+            <a:schemeClr val="accent6"/>
+          </a:effectRef>
+          <a:fontRef idx="minor">
+            <a:schemeClr val="lt1"/>
+          </a:fontRef>
+        </p:style>
+        <p:txBody>
+          <a:bodyPr rtlCol="0" anchor="ctr"/>
+          <a:lstStyle/>
+          <a:p>
+            <a:pPr algn="ctr"/>
+            <a:r>
+              <a:rPr lang="en-US" dirty="0" smtClean="0"/>
+              <a:t>Execute Chain</a:t>
+            </a:r>
+            <a:endParaRPr lang="en-US" dirty="0"/>
+          </a:p>
+        </p:txBody>
+      </p:sp>
+      <p:sp>
+        <p:nvSpPr>
+          <p:cNvPr id="5" name="Rectangle 4"/>
+          <p:cNvSpPr/>
+          <p:nvPr/>
+        </p:nvSpPr>
+        <p:spPr>
+          <a:xfrm>
+            <a:off x="1066800" y="5269468"/>
+            <a:ext cx="3147015" cy="369332"/>
+          </a:xfrm>
+          <a:prstGeom prst="rect">
+            <a:avLst/>
+          </a:prstGeom>
+        </p:spPr>
+        <p:txBody>
+          <a:bodyPr wrap="none">
+            <a:spAutoFit/>
+          </a:bodyPr>
+          <a:lstStyle/>
+          <a:p>
+            <a:r>
+              <a:rPr lang="en-US" dirty="0"/>
+              <a:t>2. Invoke </a:t>
+            </a:r>
+            <a:r>
+              <a:rPr lang="en-US" dirty="0" smtClean="0"/>
+              <a:t>that </a:t>
+            </a:r>
+            <a:r>
+              <a:rPr lang="en-US" dirty="0" err="1" smtClean="0"/>
+              <a:t>BehaviorChain</a:t>
+            </a:r>
+            <a:endParaRPr lang="en-US" dirty="0"/>
+          </a:p>
+        </p:txBody>
+      </p:sp>
+    </p:spTree>
+    <p:extLst>
+      <p:ext uri="{BB962C8B-B14F-4D97-AF65-F5344CB8AC3E}">
+        <p14:creationId xmlns:p14="http://schemas.microsoft.com/office/powerpoint/2010/main" val="2530536539"/>
+      </p:ext>
+    </p:extLst>
+  </p:cSld>
+  <p:clrMapOvr>
+    <a:masterClrMapping/>
+  </p:clrMapOvr>
+  <p:timing>
+    <p:tnLst>
+      <p:par>
+        <p:cTn id="1" dur="indefinite" restart="never" nodeType="tmRoot"/>
+      </p:par>
+    </p:tnLst>
+  </p:timing>
+</p:sld>
+</file>
+
+<file path=ppt/slides/slide37.xml><?xml version="1.0" encoding="utf-8"?>
+<p:sld xmlns:a="http://schemas.openxmlformats.org/drawingml/2006/main" xmlns:r="http://schemas.openxmlformats.org/officeDocument/2006/relationships" xmlns:p="http://schemas.openxmlformats.org/presentationml/2006/main">
+  <p:cSld>
+    <p:spTree>
+      <p:nvGrpSpPr>
+        <p:cNvPr id="1" name=""/>
+        <p:cNvGrpSpPr/>
+        <p:nvPr/>
+      </p:nvGrpSpPr>
+      <p:grpSpPr>
+        <a:xfrm>
+          <a:off x="0" y="0"/>
+          <a:ext cx="0" cy="0"/>
+          <a:chOff x="0" y="0"/>
+          <a:chExt cx="0" cy="0"/>
+        </a:xfrm>
+      </p:grpSpPr>
+      <p:sp>
+        <p:nvSpPr>
+          <p:cNvPr id="2" name="Title 1"/>
+          <p:cNvSpPr>
+            <a:spLocks noGrp="1"/>
+          </p:cNvSpPr>
+          <p:nvPr>
+            <p:ph type="title"/>
+          </p:nvPr>
+        </p:nvSpPr>
+        <p:spPr>
+          <a:xfrm>
+            <a:off x="152400" y="685800"/>
+            <a:ext cx="8534400" cy="457200"/>
+          </a:xfrm>
+        </p:spPr>
+        <p:txBody>
+          <a:bodyPr>
+            <a:noAutofit/>
+          </a:bodyPr>
+          <a:lstStyle/>
+          <a:p>
+            <a:r>
+              <a:rPr lang="en-US" sz="4000" dirty="0" smtClean="0"/>
+              <a:t>Who Cares?</a:t>
+            </a:r>
+            <a:endParaRPr lang="en-US" sz="4000" dirty="0"/>
+          </a:p>
+        </p:txBody>
+      </p:sp>
+      <p:pic>
+        <p:nvPicPr>
+          <p:cNvPr id="7" name="Content Placeholder 6"/>
+          <p:cNvPicPr>
+            <a:picLocks noGrp="1" noChangeAspect="1"/>
+          </p:cNvPicPr>
+          <p:nvPr>
+            <p:ph idx="1"/>
+          </p:nvPr>
+        </p:nvPicPr>
+        <p:blipFill>
+          <a:blip r:embed="rId2" cstate="print">
+            <a:extLst>
+              <a:ext uri="{28A0092B-C50C-407E-A947-70E740481C1C}">
+                <a14:useLocalDpi xmlns:a14="http://schemas.microsoft.com/office/drawing/2010/main" val="0"/>
+              </a:ext>
+            </a:extLst>
+          </a:blip>
+          <a:stretch>
+            <a:fillRect/>
+          </a:stretch>
+        </p:blipFill>
+        <p:spPr>
+          <a:xfrm>
+            <a:off x="0" y="228600"/>
+            <a:ext cx="2158850" cy="533400"/>
+          </a:xfrm>
+        </p:spPr>
+      </p:pic>
+      <p:pic>
+        <p:nvPicPr>
+          <p:cNvPr id="1026" name="Picture 2"/>
+          <p:cNvPicPr>
+            <a:picLocks noChangeAspect="1" noChangeArrowheads="1"/>
+          </p:cNvPicPr>
+          <p:nvPr/>
+        </p:nvPicPr>
+        <p:blipFill>
+          <a:blip r:embed="rId3">
+            <a:extLst>
+              <a:ext uri="{28A0092B-C50C-407E-A947-70E740481C1C}">
+                <a14:useLocalDpi xmlns:a14="http://schemas.microsoft.com/office/drawing/2010/main" val="0"/>
+              </a:ext>
+            </a:extLst>
+          </a:blip>
+          <a:srcRect/>
+          <a:stretch>
+            <a:fillRect/>
+          </a:stretch>
+        </p:blipFill>
+        <p:spPr bwMode="auto">
+          <a:xfrm>
+            <a:off x="0" y="0"/>
+            <a:ext cx="9144000" cy="228600"/>
+          </a:xfrm>
+          <a:prstGeom prst="rect">
+            <a:avLst/>
+          </a:prstGeom>
+          <a:noFill/>
+          <a:ln>
+            <a:noFill/>
+          </a:ln>
+          <a:effectLst/>
+          <a:extLst>
+            <a:ext uri="{909E8E84-426E-40DD-AFC4-6F175D3DCCD1}">
+              <a14:hiddenFill xmlns:a14="http://schemas.microsoft.com/office/drawing/2010/main">
+                <a:solidFill>
+                  <a:schemeClr val="accent1"/>
+                </a:solidFill>
+              </a14:hiddenFill>
+            </a:ext>
+            <a:ext uri="{91240B29-F687-4F45-9708-019B960494DF}">
+              <a14:hiddenLine xmlns:a14="http://schemas.microsoft.com/office/drawing/2010/main" w="9525">
+                <a:solidFill>
+                  <a:schemeClr val="tx1"/>
+                </a:solidFill>
+                <a:miter lim="800000"/>
+                <a:headEnd/>
+                <a:tailEnd/>
+              </a14:hiddenLine>
+            </a:ext>
+            <a:ext uri="{AF507438-7753-43E0-B8FC-AC1667EBCBE1}">
+              <a14:hiddenEffects xmlns:a14="http://schemas.microsoft.com/office/drawing/2010/main">
+                <a:effectLst>
+                  <a:outerShdw dist="35921" dir="2700000" algn="ctr" rotWithShape="0">
+                    <a:schemeClr val="bg2"/>
+                  </a:outerShdw>
+                </a:effectLst>
+              </a14:hiddenEffects>
+            </a:ext>
+          </a:extLst>
+        </p:spPr>
+      </p:pic>
+      <p:sp>
+        <p:nvSpPr>
+          <p:cNvPr id="18" name="Content Placeholder 2"/>
+          <p:cNvSpPr txBox="1">
+            <a:spLocks/>
+          </p:cNvSpPr>
+          <p:nvPr/>
+        </p:nvSpPr>
+        <p:spPr>
+          <a:xfrm>
+            <a:off x="457200" y="2057400"/>
+            <a:ext cx="8229600" cy="4068763"/>
+          </a:xfrm>
+          <a:prstGeom prst="rect">
+            <a:avLst/>
+          </a:prstGeom>
+        </p:spPr>
+        <p:txBody>
+          <a:bodyPr vert="horz" lIns="91440" tIns="45720" rIns="91440" bIns="45720" rtlCol="0">
+            <a:normAutofit/>
+          </a:bodyPr>
+          <a:lstStyle>
+            <a:lvl1pPr marL="342900" indent="-342900" algn="l" defTabSz="914400" rtl="0" eaLnBrk="1" latinLnBrk="0" hangingPunct="1">
+              <a:spcBef>
+                <a:spcPct val="20000"/>
+              </a:spcBef>
+              <a:buClr>
+                <a:schemeClr val="accent1"/>
+              </a:buClr>
+              <a:buSzPct val="75000"/>
+              <a:buFont typeface="Wingdings" pitchFamily="2" charset="2"/>
+              <a:buChar char=""/>
+              <a:defRPr sz="2400" kern="1200">
+                <a:solidFill>
+                  <a:schemeClr val="tx2"/>
+                </a:solidFill>
+                <a:latin typeface="+mn-lt"/>
+                <a:ea typeface="+mn-ea"/>
+                <a:cs typeface="+mn-cs"/>
+              </a:defRPr>
+            </a:lvl1pPr>
+            <a:lvl2pPr marL="742950" indent="-285750" algn="l" defTabSz="914400" rtl="0" eaLnBrk="1" latinLnBrk="0" hangingPunct="1">
+              <a:spcBef>
+                <a:spcPct val="20000"/>
+              </a:spcBef>
+              <a:buClr>
+                <a:schemeClr val="accent2"/>
+              </a:buClr>
+              <a:buSzPct val="85000"/>
+              <a:buFont typeface="Courier New" pitchFamily="49" charset="0"/>
+              <a:buChar char="o"/>
+              <a:defRPr sz="2000" kern="1200">
+                <a:solidFill>
+                  <a:schemeClr val="tx2"/>
+                </a:solidFill>
+                <a:latin typeface="+mn-lt"/>
+                <a:ea typeface="+mn-ea"/>
+                <a:cs typeface="+mn-cs"/>
+              </a:defRPr>
+            </a:lvl2pPr>
+            <a:lvl3pPr marL="1143000" indent="-228600" algn="l" defTabSz="914400" rtl="0" eaLnBrk="1" latinLnBrk="0" hangingPunct="1">
+              <a:spcBef>
+                <a:spcPct val="20000"/>
+              </a:spcBef>
+              <a:buClr>
+                <a:schemeClr val="accent3"/>
+              </a:buClr>
+              <a:buFont typeface="Arial" pitchFamily="34" charset="0"/>
+              <a:buChar char="•"/>
+              <a:defRPr sz="1800" kern="1200">
+                <a:solidFill>
+                  <a:schemeClr val="tx2"/>
+                </a:solidFill>
+                <a:latin typeface="+mn-lt"/>
+                <a:ea typeface="+mn-ea"/>
+                <a:cs typeface="+mn-cs"/>
+              </a:defRPr>
+            </a:lvl3pPr>
+            <a:lvl4pPr marL="1600200" indent="-228600" algn="l" defTabSz="914400" rtl="0" eaLnBrk="1" latinLnBrk="0" hangingPunct="1">
+              <a:spcBef>
+                <a:spcPct val="20000"/>
+              </a:spcBef>
+              <a:buClr>
+                <a:schemeClr val="accent4"/>
+              </a:buClr>
+              <a:buFont typeface="Arial" pitchFamily="34" charset="0"/>
+              <a:buChar char="•"/>
+              <a:defRPr sz="1600" kern="1200">
+                <a:solidFill>
+                  <a:schemeClr val="tx2"/>
+                </a:solidFill>
+                <a:latin typeface="+mn-lt"/>
+                <a:ea typeface="+mn-ea"/>
+                <a:cs typeface="+mn-cs"/>
+              </a:defRPr>
+            </a:lvl4pPr>
+            <a:lvl5pPr marL="2057400" indent="-228600" algn="l" defTabSz="914400" rtl="0" eaLnBrk="1" latinLnBrk="0" hangingPunct="1">
+              <a:spcBef>
+                <a:spcPct val="20000"/>
+              </a:spcBef>
+              <a:buClr>
+                <a:schemeClr val="accent5"/>
+              </a:buClr>
+              <a:buFont typeface="Arial" pitchFamily="34" charset="0"/>
+              <a:buChar char="•"/>
+              <a:defRPr sz="1400" kern="1200" baseline="0">
+                <a:solidFill>
+                  <a:schemeClr val="tx2"/>
+                </a:solidFill>
+                <a:latin typeface="+mn-lt"/>
+                <a:ea typeface="+mn-ea"/>
+                <a:cs typeface="+mn-cs"/>
+              </a:defRPr>
+            </a:lvl5pPr>
+            <a:lvl6pPr marL="2514600" indent="-228600" algn="l" defTabSz="914400" rtl="0" eaLnBrk="1" latinLnBrk="0" hangingPunct="1">
+              <a:spcBef>
+                <a:spcPct val="20000"/>
+              </a:spcBef>
+              <a:buClr>
+                <a:schemeClr val="accent6"/>
+              </a:buClr>
+              <a:buFont typeface="Arial" pitchFamily="34" charset="0"/>
+              <a:buChar char="•"/>
+              <a:defRPr sz="1400" kern="1200">
+                <a:solidFill>
+                  <a:schemeClr val="tx2"/>
+                </a:solidFill>
+                <a:latin typeface="+mn-lt"/>
+                <a:ea typeface="+mn-ea"/>
+                <a:cs typeface="+mn-cs"/>
+              </a:defRPr>
+            </a:lvl6pPr>
+            <a:lvl7pPr marL="2971800" indent="-228600" algn="l" defTabSz="914400" rtl="0" eaLnBrk="1" latinLnBrk="0" hangingPunct="1">
+              <a:spcBef>
+                <a:spcPct val="20000"/>
+              </a:spcBef>
+              <a:buClr>
+                <a:schemeClr val="accent1"/>
+              </a:buClr>
+              <a:buFont typeface="Arial" pitchFamily="34" charset="0"/>
+              <a:buChar char="•"/>
+              <a:defRPr sz="1400" kern="1200">
+                <a:solidFill>
+                  <a:schemeClr val="tx2"/>
+                </a:solidFill>
+                <a:latin typeface="+mn-lt"/>
+                <a:ea typeface="+mn-ea"/>
+                <a:cs typeface="+mn-cs"/>
+              </a:defRPr>
+            </a:lvl7pPr>
+            <a:lvl8pPr marL="3429000" indent="-228600" algn="l" defTabSz="914400" rtl="0" eaLnBrk="1" latinLnBrk="0" hangingPunct="1">
+              <a:spcBef>
+                <a:spcPct val="20000"/>
+              </a:spcBef>
+              <a:buClr>
+                <a:schemeClr val="accent4"/>
+              </a:buClr>
+              <a:buFont typeface="Arial" pitchFamily="34" charset="0"/>
+              <a:buChar char="•"/>
+              <a:defRPr sz="1400" kern="1200">
+                <a:solidFill>
+                  <a:schemeClr val="tx2"/>
+                </a:solidFill>
+                <a:latin typeface="+mn-lt"/>
+                <a:ea typeface="+mn-ea"/>
+                <a:cs typeface="+mn-cs"/>
+              </a:defRPr>
+            </a:lvl8pPr>
+            <a:lvl9pPr marL="3886200" indent="-228600" algn="l" defTabSz="914400" rtl="0" eaLnBrk="1" latinLnBrk="0" hangingPunct="1">
+              <a:spcBef>
+                <a:spcPct val="20000"/>
+              </a:spcBef>
+              <a:buClr>
+                <a:schemeClr val="accent5"/>
+              </a:buClr>
+              <a:buFont typeface="Arial" pitchFamily="34" charset="0"/>
+              <a:buChar char="•"/>
+              <a:defRPr sz="1400" kern="1200">
+                <a:solidFill>
+                  <a:schemeClr val="tx2"/>
+                </a:solidFill>
+                <a:latin typeface="+mn-lt"/>
+                <a:ea typeface="+mn-ea"/>
+                <a:cs typeface="+mn-cs"/>
+              </a:defRPr>
+            </a:lvl9pPr>
+          </a:lstStyle>
+          <a:p>
+            <a:r>
+              <a:rPr lang="en-US" dirty="0" smtClean="0"/>
+              <a:t>Behaviors seem cool…</a:t>
+            </a:r>
+          </a:p>
+          <a:p>
+            <a:pPr lvl="1"/>
+            <a:r>
+              <a:rPr lang="en-US" dirty="0" smtClean="0"/>
+              <a:t>What’s the point?</a:t>
+            </a:r>
+          </a:p>
+        </p:txBody>
+      </p:sp>
+    </p:spTree>
+    <p:extLst>
+      <p:ext uri="{BB962C8B-B14F-4D97-AF65-F5344CB8AC3E}">
+        <p14:creationId xmlns:p14="http://schemas.microsoft.com/office/powerpoint/2010/main" val="332803803"/>
+      </p:ext>
+    </p:extLst>
+  </p:cSld>
+  <p:clrMapOvr>
+    <a:masterClrMapping/>
+  </p:clrMapOvr>
+  <p:timing>
+    <p:tnLst>
+      <p:par>
+        <p:cTn id="1" dur="indefinite" restart="never" nodeType="tmRoot"/>
+      </p:par>
+    </p:tnLst>
+  </p:timing>
+</p:sld>
+</file>
+
+<file path=ppt/slides/slide38.xml><?xml version="1.0" encoding="utf-8"?>
+<p:sld xmlns:a="http://schemas.openxmlformats.org/drawingml/2006/main" xmlns:r="http://schemas.openxmlformats.org/officeDocument/2006/relationships" xmlns:p="http://schemas.openxmlformats.org/presentationml/2006/main">
+  <p:cSld>
+    <p:spTree>
+      <p:nvGrpSpPr>
+        <p:cNvPr id="1" name=""/>
+        <p:cNvGrpSpPr/>
+        <p:nvPr/>
+      </p:nvGrpSpPr>
+      <p:grpSpPr>
+        <a:xfrm>
+          <a:off x="0" y="0"/>
+          <a:ext cx="0" cy="0"/>
+          <a:chOff x="0" y="0"/>
+          <a:chExt cx="0" cy="0"/>
+        </a:xfrm>
+      </p:grpSpPr>
+      <p:sp>
+        <p:nvSpPr>
+          <p:cNvPr id="2" name="Title 1"/>
+          <p:cNvSpPr>
+            <a:spLocks noGrp="1"/>
+          </p:cNvSpPr>
+          <p:nvPr>
+            <p:ph type="title"/>
+          </p:nvPr>
+        </p:nvSpPr>
+        <p:spPr>
+          <a:xfrm>
+            <a:off x="152400" y="685800"/>
+            <a:ext cx="8534400" cy="457200"/>
+          </a:xfrm>
+        </p:spPr>
+        <p:txBody>
+          <a:bodyPr>
+            <a:noAutofit/>
+          </a:bodyPr>
+          <a:lstStyle/>
+          <a:p>
+            <a:r>
+              <a:rPr lang="en-US" sz="4000" dirty="0" smtClean="0"/>
+              <a:t>How about an example?</a:t>
+            </a:r>
+            <a:endParaRPr lang="en-US" sz="4000" dirty="0"/>
+          </a:p>
+        </p:txBody>
+      </p:sp>
+      <p:pic>
+        <p:nvPicPr>
+          <p:cNvPr id="7" name="Content Placeholder 6"/>
+          <p:cNvPicPr>
+            <a:picLocks noGrp="1" noChangeAspect="1"/>
+          </p:cNvPicPr>
+          <p:nvPr>
+            <p:ph idx="1"/>
+          </p:nvPr>
+        </p:nvPicPr>
+        <p:blipFill>
+          <a:blip r:embed="rId2" cstate="print">
+            <a:extLst>
+              <a:ext uri="{28A0092B-C50C-407E-A947-70E740481C1C}">
+                <a14:useLocalDpi xmlns:a14="http://schemas.microsoft.com/office/drawing/2010/main" val="0"/>
+              </a:ext>
+            </a:extLst>
+          </a:blip>
+          <a:stretch>
+            <a:fillRect/>
+          </a:stretch>
+        </p:blipFill>
+        <p:spPr>
+          <a:xfrm>
+            <a:off x="0" y="228600"/>
+            <a:ext cx="2158850" cy="533400"/>
+          </a:xfrm>
+        </p:spPr>
+      </p:pic>
+      <p:pic>
+        <p:nvPicPr>
+          <p:cNvPr id="1026" name="Picture 2"/>
+          <p:cNvPicPr>
+            <a:picLocks noChangeAspect="1" noChangeArrowheads="1"/>
+          </p:cNvPicPr>
+          <p:nvPr/>
+        </p:nvPicPr>
+        <p:blipFill>
+          <a:blip r:embed="rId3">
+            <a:extLst>
+              <a:ext uri="{28A0092B-C50C-407E-A947-70E740481C1C}">
+                <a14:useLocalDpi xmlns:a14="http://schemas.microsoft.com/office/drawing/2010/main" val="0"/>
+              </a:ext>
+            </a:extLst>
+          </a:blip>
+          <a:srcRect/>
+          <a:stretch>
+            <a:fillRect/>
+          </a:stretch>
+        </p:blipFill>
+        <p:spPr bwMode="auto">
+          <a:xfrm>
+            <a:off x="0" y="0"/>
+            <a:ext cx="9144000" cy="228600"/>
+          </a:xfrm>
+          <a:prstGeom prst="rect">
+            <a:avLst/>
+          </a:prstGeom>
+          <a:noFill/>
+          <a:ln>
+            <a:noFill/>
+          </a:ln>
+          <a:effectLst/>
+          <a:extLst>
+            <a:ext uri="{909E8E84-426E-40DD-AFC4-6F175D3DCCD1}">
+              <a14:hiddenFill xmlns:a14="http://schemas.microsoft.com/office/drawing/2010/main">
+                <a:solidFill>
+                  <a:schemeClr val="accent1"/>
+                </a:solidFill>
+              </a14:hiddenFill>
+            </a:ext>
+            <a:ext uri="{91240B29-F687-4F45-9708-019B960494DF}">
+              <a14:hiddenLine xmlns:a14="http://schemas.microsoft.com/office/drawing/2010/main" w="9525">
+                <a:solidFill>
+                  <a:schemeClr val="tx1"/>
+                </a:solidFill>
+                <a:miter lim="800000"/>
+                <a:headEnd/>
+                <a:tailEnd/>
+              </a14:hiddenLine>
+            </a:ext>
+            <a:ext uri="{AF507438-7753-43E0-B8FC-AC1667EBCBE1}">
+              <a14:hiddenEffects xmlns:a14="http://schemas.microsoft.com/office/drawing/2010/main">
+                <a:effectLst>
+                  <a:outerShdw dist="35921" dir="2700000" algn="ctr" rotWithShape="0">
+                    <a:schemeClr val="bg2"/>
+                  </a:outerShdw>
+                </a:effectLst>
+              </a14:hiddenEffects>
+            </a:ext>
+          </a:extLst>
+        </p:spPr>
+      </p:pic>
     </p:spTree>
     <p:extLst>
       <p:ext uri="{BB962C8B-B14F-4D97-AF65-F5344CB8AC3E}">
@@ -17910,7 +18937,7 @@
 </p:sld>
 </file>
 
-<file path=ppt/slides/slide37.xml><?xml version="1.0" encoding="utf-8"?>
+<file path=ppt/slides/slide39.xml><?xml version="1.0" encoding="utf-8"?>
 <p:sld xmlns:a="http://schemas.openxmlformats.org/drawingml/2006/main" xmlns:r="http://schemas.openxmlformats.org/officeDocument/2006/relationships" xmlns:p="http://schemas.openxmlformats.org/presentationml/2006/main">
   <p:cSld>
     <p:spTree>
@@ -18665,7 +19692,6 @@
               <a:rPr lang="en-US" sz="4000" dirty="0"/>
               <a:t>From routes to methods</a:t>
             </a:r>
-            <a:endParaRPr lang="en-US" sz="4000" dirty="0"/>
           </a:p>
         </p:txBody>
       </p:sp>
@@ -19039,7 +20065,6 @@
               <a:rPr lang="en-US" sz="4000" dirty="0"/>
               <a:t>From routes to methods</a:t>
             </a:r>
-            <a:endParaRPr lang="en-US" sz="4000" dirty="0"/>
           </a:p>
         </p:txBody>
       </p:sp>
